--- a/Chapters/04_Modelling_Lubricated_Bearings_in_a_Flexible_Multi-Body_Dynamic_Environment/Graphics.pptx
+++ b/Chapters/04_Modelling_Lubricated_Bearings_in_a_Flexible_Multi-Body_Dynamic_Environment/Graphics.pptx
@@ -9,6 +9,8 @@
     <p:sldId id="257" r:id="rId3"/>
     <p:sldId id="259" r:id="rId4"/>
     <p:sldId id="258" r:id="rId5"/>
+    <p:sldId id="263" r:id="rId6"/>
+    <p:sldId id="262" r:id="rId7"/>
   </p:sldIdLst>
   <p:sldSz cx="12192000" cy="6858000"/>
   <p:notesSz cx="6858000" cy="9144000"/>
@@ -107,6 +109,11 @@
       </a:defRPr>
     </a:lvl9pPr>
   </p:defaultTextStyle>
+  <p:extLst>
+    <p:ext uri="{EFAFB233-063F-42B5-8137-9DF3F51BA10A}">
+      <p15:sldGuideLst xmlns:p15="http://schemas.microsoft.com/office/powerpoint/2012/main"/>
+    </p:ext>
+  </p:extLst>
 </p:presentation>
 </file>
 
@@ -259,7 +266,7 @@
           <a:p>
             <a:fld id="{ACCD7173-5A5C-4018-9C72-30AD3CF19083}" type="datetimeFigureOut">
               <a:rPr lang="en-GB" smtClean="0"/>
-              <a:t>07/03/2025</a:t>
+              <a:t>21/03/2025</a:t>
             </a:fld>
             <a:endParaRPr lang="en-GB"/>
           </a:p>
@@ -459,7 +466,7 @@
           <a:p>
             <a:fld id="{ACCD7173-5A5C-4018-9C72-30AD3CF19083}" type="datetimeFigureOut">
               <a:rPr lang="en-GB" smtClean="0"/>
-              <a:t>07/03/2025</a:t>
+              <a:t>21/03/2025</a:t>
             </a:fld>
             <a:endParaRPr lang="en-GB"/>
           </a:p>
@@ -669,7 +676,7 @@
           <a:p>
             <a:fld id="{ACCD7173-5A5C-4018-9C72-30AD3CF19083}" type="datetimeFigureOut">
               <a:rPr lang="en-GB" smtClean="0"/>
-              <a:t>07/03/2025</a:t>
+              <a:t>21/03/2025</a:t>
             </a:fld>
             <a:endParaRPr lang="en-GB"/>
           </a:p>
@@ -869,7 +876,7 @@
           <a:p>
             <a:fld id="{ACCD7173-5A5C-4018-9C72-30AD3CF19083}" type="datetimeFigureOut">
               <a:rPr lang="en-GB" smtClean="0"/>
-              <a:t>07/03/2025</a:t>
+              <a:t>21/03/2025</a:t>
             </a:fld>
             <a:endParaRPr lang="en-GB"/>
           </a:p>
@@ -1145,7 +1152,7 @@
           <a:p>
             <a:fld id="{ACCD7173-5A5C-4018-9C72-30AD3CF19083}" type="datetimeFigureOut">
               <a:rPr lang="en-GB" smtClean="0"/>
-              <a:t>07/03/2025</a:t>
+              <a:t>21/03/2025</a:t>
             </a:fld>
             <a:endParaRPr lang="en-GB"/>
           </a:p>
@@ -1413,7 +1420,7 @@
           <a:p>
             <a:fld id="{ACCD7173-5A5C-4018-9C72-30AD3CF19083}" type="datetimeFigureOut">
               <a:rPr lang="en-GB" smtClean="0"/>
-              <a:t>07/03/2025</a:t>
+              <a:t>21/03/2025</a:t>
             </a:fld>
             <a:endParaRPr lang="en-GB"/>
           </a:p>
@@ -1828,7 +1835,7 @@
           <a:p>
             <a:fld id="{ACCD7173-5A5C-4018-9C72-30AD3CF19083}" type="datetimeFigureOut">
               <a:rPr lang="en-GB" smtClean="0"/>
-              <a:t>07/03/2025</a:t>
+              <a:t>21/03/2025</a:t>
             </a:fld>
             <a:endParaRPr lang="en-GB"/>
           </a:p>
@@ -1970,7 +1977,7 @@
           <a:p>
             <a:fld id="{ACCD7173-5A5C-4018-9C72-30AD3CF19083}" type="datetimeFigureOut">
               <a:rPr lang="en-GB" smtClean="0"/>
-              <a:t>07/03/2025</a:t>
+              <a:t>21/03/2025</a:t>
             </a:fld>
             <a:endParaRPr lang="en-GB"/>
           </a:p>
@@ -2083,7 +2090,7 @@
           <a:p>
             <a:fld id="{ACCD7173-5A5C-4018-9C72-30AD3CF19083}" type="datetimeFigureOut">
               <a:rPr lang="en-GB" smtClean="0"/>
-              <a:t>07/03/2025</a:t>
+              <a:t>21/03/2025</a:t>
             </a:fld>
             <a:endParaRPr lang="en-GB"/>
           </a:p>
@@ -2396,7 +2403,7 @@
           <a:p>
             <a:fld id="{ACCD7173-5A5C-4018-9C72-30AD3CF19083}" type="datetimeFigureOut">
               <a:rPr lang="en-GB" smtClean="0"/>
-              <a:t>07/03/2025</a:t>
+              <a:t>21/03/2025</a:t>
             </a:fld>
             <a:endParaRPr lang="en-GB"/>
           </a:p>
@@ -2685,7 +2692,7 @@
           <a:p>
             <a:fld id="{ACCD7173-5A5C-4018-9C72-30AD3CF19083}" type="datetimeFigureOut">
               <a:rPr lang="en-GB" smtClean="0"/>
-              <a:t>07/03/2025</a:t>
+              <a:t>21/03/2025</a:t>
             </a:fld>
             <a:endParaRPr lang="en-GB"/>
           </a:p>
@@ -2928,7 +2935,7 @@
           <a:p>
             <a:fld id="{ACCD7173-5A5C-4018-9C72-30AD3CF19083}" type="datetimeFigureOut">
               <a:rPr lang="en-GB" smtClean="0"/>
-              <a:t>07/03/2025</a:t>
+              <a:t>21/03/2025</a:t>
             </a:fld>
             <a:endParaRPr lang="en-GB"/>
           </a:p>
@@ -4532,10 +4539,7878 @@
           <a:chExt cx="0" cy="0"/>
         </a:xfrm>
       </p:grpSpPr>
+      <p:sp>
+        <p:nvSpPr>
+          <p:cNvPr id="11" name="Rectangle 10">
+            <a:extLst>
+              <a:ext uri="{FF2B5EF4-FFF2-40B4-BE49-F238E27FC236}">
+                <a16:creationId xmlns:a16="http://schemas.microsoft.com/office/drawing/2014/main" id="{EFBB1C7A-4EF2-B7E8-09BB-817AE6434274}"/>
+              </a:ext>
+            </a:extLst>
+          </p:cNvPr>
+          <p:cNvSpPr/>
+          <p:nvPr/>
+        </p:nvSpPr>
+        <p:spPr>
+          <a:xfrm>
+            <a:off x="8596669" y="2570312"/>
+            <a:ext cx="3154680" cy="363388"/>
+          </a:xfrm>
+          <a:prstGeom prst="rect">
+            <a:avLst/>
+          </a:prstGeom>
+          <a:noFill/>
+          <a:ln w="19050">
+            <a:solidFill>
+              <a:schemeClr val="tx1"/>
+            </a:solidFill>
+          </a:ln>
+        </p:spPr>
+        <p:style>
+          <a:lnRef idx="2">
+            <a:schemeClr val="accent1">
+              <a:shade val="15000"/>
+            </a:schemeClr>
+          </a:lnRef>
+          <a:fillRef idx="1">
+            <a:schemeClr val="accent1"/>
+          </a:fillRef>
+          <a:effectRef idx="0">
+            <a:schemeClr val="accent1"/>
+          </a:effectRef>
+          <a:fontRef idx="minor">
+            <a:schemeClr val="lt1"/>
+          </a:fontRef>
+        </p:style>
+        <p:txBody>
+          <a:bodyPr rtlCol="0" anchor="ctr"/>
+          <a:lstStyle/>
+          <a:p>
+            <a:pPr algn="ctr"/>
+            <a:endParaRPr lang="en-GB"/>
+          </a:p>
+        </p:txBody>
+      </p:sp>
+      <p:sp>
+        <p:nvSpPr>
+          <p:cNvPr id="10" name="Rectangle 9">
+            <a:extLst>
+              <a:ext uri="{FF2B5EF4-FFF2-40B4-BE49-F238E27FC236}">
+                <a16:creationId xmlns:a16="http://schemas.microsoft.com/office/drawing/2014/main" id="{2BAFDC2D-D94D-8A84-28B4-D4579620E567}"/>
+              </a:ext>
+            </a:extLst>
+          </p:cNvPr>
+          <p:cNvSpPr/>
+          <p:nvPr/>
+        </p:nvSpPr>
+        <p:spPr>
+          <a:xfrm>
+            <a:off x="4337089" y="2570312"/>
+            <a:ext cx="3154680" cy="363388"/>
+          </a:xfrm>
+          <a:prstGeom prst="rect">
+            <a:avLst/>
+          </a:prstGeom>
+          <a:noFill/>
+          <a:ln w="19050">
+            <a:solidFill>
+              <a:schemeClr val="tx1"/>
+            </a:solidFill>
+          </a:ln>
+        </p:spPr>
+        <p:style>
+          <a:lnRef idx="2">
+            <a:schemeClr val="accent1">
+              <a:shade val="15000"/>
+            </a:schemeClr>
+          </a:lnRef>
+          <a:fillRef idx="1">
+            <a:schemeClr val="accent1"/>
+          </a:fillRef>
+          <a:effectRef idx="0">
+            <a:schemeClr val="accent1"/>
+          </a:effectRef>
+          <a:fontRef idx="minor">
+            <a:schemeClr val="lt1"/>
+          </a:fontRef>
+        </p:style>
+        <p:txBody>
+          <a:bodyPr rtlCol="0" anchor="ctr"/>
+          <a:lstStyle/>
+          <a:p>
+            <a:pPr algn="ctr"/>
+            <a:endParaRPr lang="en-GB"/>
+          </a:p>
+        </p:txBody>
+      </p:sp>
+      <p:sp>
+        <p:nvSpPr>
+          <p:cNvPr id="9" name="Rectangle 8">
+            <a:extLst>
+              <a:ext uri="{FF2B5EF4-FFF2-40B4-BE49-F238E27FC236}">
+                <a16:creationId xmlns:a16="http://schemas.microsoft.com/office/drawing/2014/main" id="{2BDE9C29-0F7D-B1A8-351C-F9E7702F8B56}"/>
+              </a:ext>
+            </a:extLst>
+          </p:cNvPr>
+          <p:cNvSpPr/>
+          <p:nvPr/>
+        </p:nvSpPr>
+        <p:spPr>
+          <a:xfrm>
+            <a:off x="602029" y="2570312"/>
+            <a:ext cx="3154680" cy="363388"/>
+          </a:xfrm>
+          <a:prstGeom prst="rect">
+            <a:avLst/>
+          </a:prstGeom>
+          <a:noFill/>
+          <a:ln w="19050">
+            <a:solidFill>
+              <a:schemeClr val="tx1"/>
+            </a:solidFill>
+          </a:ln>
+        </p:spPr>
+        <p:style>
+          <a:lnRef idx="2">
+            <a:schemeClr val="accent1">
+              <a:shade val="15000"/>
+            </a:schemeClr>
+          </a:lnRef>
+          <a:fillRef idx="1">
+            <a:schemeClr val="accent1"/>
+          </a:fillRef>
+          <a:effectRef idx="0">
+            <a:schemeClr val="accent1"/>
+          </a:effectRef>
+          <a:fontRef idx="minor">
+            <a:schemeClr val="lt1"/>
+          </a:fontRef>
+        </p:style>
+        <p:txBody>
+          <a:bodyPr rtlCol="0" anchor="ctr"/>
+          <a:lstStyle/>
+          <a:p>
+            <a:pPr algn="ctr"/>
+            <a:endParaRPr lang="en-GB"/>
+          </a:p>
+        </p:txBody>
+      </p:sp>
+      <p:pic>
+        <p:nvPicPr>
+          <p:cNvPr id="3" name="Picture 2" descr="A yellow rectangular object with black text&#10;&#10;AI-generated content may be incorrect.">
+            <a:extLst>
+              <a:ext uri="{FF2B5EF4-FFF2-40B4-BE49-F238E27FC236}">
+                <a16:creationId xmlns:a16="http://schemas.microsoft.com/office/drawing/2014/main" id="{054E99FE-099E-D781-8EB0-33F9C99997F9}"/>
+              </a:ext>
+            </a:extLst>
+          </p:cNvPr>
+          <p:cNvPicPr>
+            <a:picLocks noChangeAspect="1"/>
+          </p:cNvPicPr>
+          <p:nvPr/>
+        </p:nvPicPr>
+        <p:blipFill>
+          <a:blip r:embed="rId2">
+            <a:extLst>
+              <a:ext uri="{28A0092B-C50C-407E-A947-70E740481C1C}">
+                <a14:useLocalDpi xmlns:a14="http://schemas.microsoft.com/office/drawing/2010/main" val="0"/>
+              </a:ext>
+            </a:extLst>
+          </a:blip>
+          <a:stretch>
+            <a:fillRect/>
+          </a:stretch>
+        </p:blipFill>
+        <p:spPr>
+          <a:xfrm>
+            <a:off x="440508" y="513890"/>
+            <a:ext cx="10740522" cy="807916"/>
+          </a:xfrm>
+          <a:prstGeom prst="rect">
+            <a:avLst/>
+          </a:prstGeom>
+        </p:spPr>
+      </p:pic>
+      <p:graphicFrame>
+        <p:nvGraphicFramePr>
+          <p:cNvPr id="4" name="Table 3">
+            <a:extLst>
+              <a:ext uri="{FF2B5EF4-FFF2-40B4-BE49-F238E27FC236}">
+                <a16:creationId xmlns:a16="http://schemas.microsoft.com/office/drawing/2014/main" id="{3E10B97A-9591-DCF1-6265-F26D35564506}"/>
+              </a:ext>
+            </a:extLst>
+          </p:cNvPr>
+          <p:cNvGraphicFramePr>
+            <a:graphicFrameLocks noGrp="1"/>
+          </p:cNvGraphicFramePr>
+          <p:nvPr>
+            <p:extLst>
+              <p:ext uri="{D42A27DB-BD31-4B8C-83A1-F6EECF244321}">
+                <p14:modId xmlns:p14="http://schemas.microsoft.com/office/powerpoint/2010/main" val="4227471316"/>
+              </p:ext>
+            </p:extLst>
+          </p:nvPr>
+        </p:nvGraphicFramePr>
+        <p:xfrm>
+          <a:off x="311839" y="2412664"/>
+          <a:ext cx="3735060" cy="304800"/>
+        </p:xfrm>
+        <a:graphic>
+          <a:graphicData uri="http://schemas.openxmlformats.org/drawingml/2006/table">
+            <a:tbl>
+              <a:tblPr firstRow="1" bandRow="1">
+                <a:solidFill>
+                  <a:srgbClr val="92D050"/>
+                </a:solidFill>
+                <a:tableStyleId>{5940675A-B579-460E-94D1-54222C63F5DA}</a:tableStyleId>
+              </a:tblPr>
+              <a:tblGrid>
+                <a:gridCol w="622510">
+                  <a:extLst>
+                    <a:ext uri="{9D8B030D-6E8A-4147-A177-3AD203B41FA5}">
+                      <a16:colId xmlns:a16="http://schemas.microsoft.com/office/drawing/2014/main" val="832077596"/>
+                    </a:ext>
+                  </a:extLst>
+                </a:gridCol>
+                <a:gridCol w="622510">
+                  <a:extLst>
+                    <a:ext uri="{9D8B030D-6E8A-4147-A177-3AD203B41FA5}">
+                      <a16:colId xmlns:a16="http://schemas.microsoft.com/office/drawing/2014/main" val="3697675172"/>
+                    </a:ext>
+                  </a:extLst>
+                </a:gridCol>
+                <a:gridCol w="622510">
+                  <a:extLst>
+                    <a:ext uri="{9D8B030D-6E8A-4147-A177-3AD203B41FA5}">
+                      <a16:colId xmlns:a16="http://schemas.microsoft.com/office/drawing/2014/main" val="1500684634"/>
+                    </a:ext>
+                  </a:extLst>
+                </a:gridCol>
+                <a:gridCol w="622510">
+                  <a:extLst>
+                    <a:ext uri="{9D8B030D-6E8A-4147-A177-3AD203B41FA5}">
+                      <a16:colId xmlns:a16="http://schemas.microsoft.com/office/drawing/2014/main" val="728625790"/>
+                    </a:ext>
+                  </a:extLst>
+                </a:gridCol>
+                <a:gridCol w="622510">
+                  <a:extLst>
+                    <a:ext uri="{9D8B030D-6E8A-4147-A177-3AD203B41FA5}">
+                      <a16:colId xmlns:a16="http://schemas.microsoft.com/office/drawing/2014/main" val="3959092481"/>
+                    </a:ext>
+                  </a:extLst>
+                </a:gridCol>
+                <a:gridCol w="622510">
+                  <a:extLst>
+                    <a:ext uri="{9D8B030D-6E8A-4147-A177-3AD203B41FA5}">
+                      <a16:colId xmlns:a16="http://schemas.microsoft.com/office/drawing/2014/main" val="1581759457"/>
+                    </a:ext>
+                  </a:extLst>
+                </a:gridCol>
+              </a:tblGrid>
+              <a:tr h="194734">
+                <a:tc>
+                  <a:txBody>
+                    <a:bodyPr/>
+                    <a:lstStyle/>
+                    <a:p>
+                      <a:r>
+                        <a:rPr lang="en-GB" sz="1400" b="1" dirty="0"/>
+                        <a:t>DOF-1</a:t>
+                      </a:r>
+                    </a:p>
+                  </a:txBody>
+                  <a:tcPr marL="45720" marR="45720">
+                    <a:lnL w="12700" cap="flat" cmpd="sng" algn="ctr">
+                      <a:solidFill>
+                        <a:schemeClr val="tx1"/>
+                      </a:solidFill>
+                      <a:prstDash val="solid"/>
+                      <a:round/>
+                      <a:headEnd type="none" w="med" len="med"/>
+                      <a:tailEnd type="none" w="med" len="med"/>
+                    </a:lnL>
+                    <a:lnR w="12700" cap="flat" cmpd="sng" algn="ctr">
+                      <a:solidFill>
+                        <a:schemeClr val="tx1"/>
+                      </a:solidFill>
+                      <a:prstDash val="solid"/>
+                      <a:round/>
+                      <a:headEnd type="none" w="med" len="med"/>
+                      <a:tailEnd type="none" w="med" len="med"/>
+                    </a:lnR>
+                    <a:lnT w="12700" cap="flat" cmpd="sng" algn="ctr">
+                      <a:solidFill>
+                        <a:schemeClr val="tx1"/>
+                      </a:solidFill>
+                      <a:prstDash val="solid"/>
+                      <a:round/>
+                      <a:headEnd type="none" w="med" len="med"/>
+                      <a:tailEnd type="none" w="med" len="med"/>
+                    </a:lnT>
+                    <a:lnB w="12700" cap="flat" cmpd="sng" algn="ctr">
+                      <a:solidFill>
+                        <a:schemeClr val="tx1"/>
+                      </a:solidFill>
+                      <a:prstDash val="solid"/>
+                      <a:round/>
+                      <a:headEnd type="none" w="med" len="med"/>
+                      <a:tailEnd type="none" w="med" len="med"/>
+                    </a:lnB>
+                  </a:tcPr>
+                </a:tc>
+                <a:tc>
+                  <a:txBody>
+                    <a:bodyPr/>
+                    <a:lstStyle/>
+                    <a:p>
+                      <a:r>
+                        <a:rPr lang="en-GB" sz="1400" b="1" dirty="0"/>
+                        <a:t>DOF-2</a:t>
+                      </a:r>
+                    </a:p>
+                  </a:txBody>
+                  <a:tcPr marL="45720" marR="45720">
+                    <a:lnL w="12700" cap="flat" cmpd="sng" algn="ctr">
+                      <a:solidFill>
+                        <a:schemeClr val="tx1"/>
+                      </a:solidFill>
+                      <a:prstDash val="solid"/>
+                      <a:round/>
+                      <a:headEnd type="none" w="med" len="med"/>
+                      <a:tailEnd type="none" w="med" len="med"/>
+                    </a:lnL>
+                    <a:lnR w="12700" cap="flat" cmpd="sng" algn="ctr">
+                      <a:solidFill>
+                        <a:schemeClr val="tx1"/>
+                      </a:solidFill>
+                      <a:prstDash val="solid"/>
+                      <a:round/>
+                      <a:headEnd type="none" w="med" len="med"/>
+                      <a:tailEnd type="none" w="med" len="med"/>
+                    </a:lnR>
+                    <a:lnT w="12700" cap="flat" cmpd="sng" algn="ctr">
+                      <a:solidFill>
+                        <a:schemeClr val="tx1"/>
+                      </a:solidFill>
+                      <a:prstDash val="solid"/>
+                      <a:round/>
+                      <a:headEnd type="none" w="med" len="med"/>
+                      <a:tailEnd type="none" w="med" len="med"/>
+                    </a:lnT>
+                    <a:lnB w="12700" cap="flat" cmpd="sng" algn="ctr">
+                      <a:solidFill>
+                        <a:schemeClr val="tx1"/>
+                      </a:solidFill>
+                      <a:prstDash val="solid"/>
+                      <a:round/>
+                      <a:headEnd type="none" w="med" len="med"/>
+                      <a:tailEnd type="none" w="med" len="med"/>
+                    </a:lnB>
+                  </a:tcPr>
+                </a:tc>
+                <a:tc>
+                  <a:txBody>
+                    <a:bodyPr/>
+                    <a:lstStyle/>
+                    <a:p>
+                      <a:r>
+                        <a:rPr lang="en-GB" sz="1400" b="1" dirty="0"/>
+                        <a:t>DOF-3</a:t>
+                      </a:r>
+                    </a:p>
+                  </a:txBody>
+                  <a:tcPr marL="45720" marR="45720">
+                    <a:lnL w="12700" cap="flat" cmpd="sng" algn="ctr">
+                      <a:solidFill>
+                        <a:schemeClr val="tx1"/>
+                      </a:solidFill>
+                      <a:prstDash val="solid"/>
+                      <a:round/>
+                      <a:headEnd type="none" w="med" len="med"/>
+                      <a:tailEnd type="none" w="med" len="med"/>
+                    </a:lnL>
+                    <a:lnR w="12700" cap="flat" cmpd="sng" algn="ctr">
+                      <a:solidFill>
+                        <a:schemeClr val="tx1"/>
+                      </a:solidFill>
+                      <a:prstDash val="solid"/>
+                      <a:round/>
+                      <a:headEnd type="none" w="med" len="med"/>
+                      <a:tailEnd type="none" w="med" len="med"/>
+                    </a:lnR>
+                    <a:lnT w="12700" cap="flat" cmpd="sng" algn="ctr">
+                      <a:solidFill>
+                        <a:schemeClr val="tx1"/>
+                      </a:solidFill>
+                      <a:prstDash val="solid"/>
+                      <a:round/>
+                      <a:headEnd type="none" w="med" len="med"/>
+                      <a:tailEnd type="none" w="med" len="med"/>
+                    </a:lnT>
+                    <a:lnB w="12700" cap="flat" cmpd="sng" algn="ctr">
+                      <a:solidFill>
+                        <a:schemeClr val="tx1"/>
+                      </a:solidFill>
+                      <a:prstDash val="solid"/>
+                      <a:round/>
+                      <a:headEnd type="none" w="med" len="med"/>
+                      <a:tailEnd type="none" w="med" len="med"/>
+                    </a:lnB>
+                  </a:tcPr>
+                </a:tc>
+                <a:tc>
+                  <a:txBody>
+                    <a:bodyPr/>
+                    <a:lstStyle/>
+                    <a:p>
+                      <a:r>
+                        <a:rPr lang="en-GB" sz="1400" b="1" dirty="0"/>
+                        <a:t>DOF-4</a:t>
+                      </a:r>
+                    </a:p>
+                  </a:txBody>
+                  <a:tcPr marL="45720" marR="45720">
+                    <a:lnL w="12700" cap="flat" cmpd="sng" algn="ctr">
+                      <a:solidFill>
+                        <a:schemeClr val="tx1"/>
+                      </a:solidFill>
+                      <a:prstDash val="solid"/>
+                      <a:round/>
+                      <a:headEnd type="none" w="med" len="med"/>
+                      <a:tailEnd type="none" w="med" len="med"/>
+                    </a:lnL>
+                    <a:lnR w="12700" cap="flat" cmpd="sng" algn="ctr">
+                      <a:solidFill>
+                        <a:schemeClr val="tx1"/>
+                      </a:solidFill>
+                      <a:prstDash val="solid"/>
+                      <a:round/>
+                      <a:headEnd type="none" w="med" len="med"/>
+                      <a:tailEnd type="none" w="med" len="med"/>
+                    </a:lnR>
+                    <a:lnT w="12700" cap="flat" cmpd="sng" algn="ctr">
+                      <a:solidFill>
+                        <a:schemeClr val="tx1"/>
+                      </a:solidFill>
+                      <a:prstDash val="solid"/>
+                      <a:round/>
+                      <a:headEnd type="none" w="med" len="med"/>
+                      <a:tailEnd type="none" w="med" len="med"/>
+                    </a:lnT>
+                    <a:lnB w="12700" cap="flat" cmpd="sng" algn="ctr">
+                      <a:solidFill>
+                        <a:schemeClr val="tx1"/>
+                      </a:solidFill>
+                      <a:prstDash val="solid"/>
+                      <a:round/>
+                      <a:headEnd type="none" w="med" len="med"/>
+                      <a:tailEnd type="none" w="med" len="med"/>
+                    </a:lnB>
+                  </a:tcPr>
+                </a:tc>
+                <a:tc>
+                  <a:txBody>
+                    <a:bodyPr/>
+                    <a:lstStyle/>
+                    <a:p>
+                      <a:r>
+                        <a:rPr lang="en-GB" sz="1400" b="1" dirty="0"/>
+                        <a:t>DOF-5</a:t>
+                      </a:r>
+                    </a:p>
+                  </a:txBody>
+                  <a:tcPr marL="45720" marR="45720">
+                    <a:lnL w="12700" cap="flat" cmpd="sng" algn="ctr">
+                      <a:solidFill>
+                        <a:schemeClr val="tx1"/>
+                      </a:solidFill>
+                      <a:prstDash val="solid"/>
+                      <a:round/>
+                      <a:headEnd type="none" w="med" len="med"/>
+                      <a:tailEnd type="none" w="med" len="med"/>
+                    </a:lnL>
+                    <a:lnR w="12700" cap="flat" cmpd="sng" algn="ctr">
+                      <a:solidFill>
+                        <a:schemeClr val="tx1"/>
+                      </a:solidFill>
+                      <a:prstDash val="solid"/>
+                      <a:round/>
+                      <a:headEnd type="none" w="med" len="med"/>
+                      <a:tailEnd type="none" w="med" len="med"/>
+                    </a:lnR>
+                    <a:lnT w="12700" cap="flat" cmpd="sng" algn="ctr">
+                      <a:solidFill>
+                        <a:schemeClr val="tx1"/>
+                      </a:solidFill>
+                      <a:prstDash val="solid"/>
+                      <a:round/>
+                      <a:headEnd type="none" w="med" len="med"/>
+                      <a:tailEnd type="none" w="med" len="med"/>
+                    </a:lnT>
+                    <a:lnB w="12700" cap="flat" cmpd="sng" algn="ctr">
+                      <a:solidFill>
+                        <a:schemeClr val="tx1"/>
+                      </a:solidFill>
+                      <a:prstDash val="solid"/>
+                      <a:round/>
+                      <a:headEnd type="none" w="med" len="med"/>
+                      <a:tailEnd type="none" w="med" len="med"/>
+                    </a:lnB>
+                  </a:tcPr>
+                </a:tc>
+                <a:tc>
+                  <a:txBody>
+                    <a:bodyPr/>
+                    <a:lstStyle/>
+                    <a:p>
+                      <a:r>
+                        <a:rPr lang="en-GB" sz="1400" b="1" dirty="0"/>
+                        <a:t>DOF-6</a:t>
+                      </a:r>
+                    </a:p>
+                  </a:txBody>
+                  <a:tcPr marL="45720" marR="45720">
+                    <a:lnL w="12700" cap="flat" cmpd="sng" algn="ctr">
+                      <a:solidFill>
+                        <a:schemeClr val="tx1"/>
+                      </a:solidFill>
+                      <a:prstDash val="solid"/>
+                      <a:round/>
+                      <a:headEnd type="none" w="med" len="med"/>
+                      <a:tailEnd type="none" w="med" len="med"/>
+                    </a:lnL>
+                    <a:lnR w="12700" cap="flat" cmpd="sng" algn="ctr">
+                      <a:solidFill>
+                        <a:schemeClr val="tx1"/>
+                      </a:solidFill>
+                      <a:prstDash val="solid"/>
+                      <a:round/>
+                      <a:headEnd type="none" w="med" len="med"/>
+                      <a:tailEnd type="none" w="med" len="med"/>
+                    </a:lnR>
+                    <a:lnT w="12700" cap="flat" cmpd="sng" algn="ctr">
+                      <a:solidFill>
+                        <a:schemeClr val="tx1"/>
+                      </a:solidFill>
+                      <a:prstDash val="solid"/>
+                      <a:round/>
+                      <a:headEnd type="none" w="med" len="med"/>
+                      <a:tailEnd type="none" w="med" len="med"/>
+                    </a:lnT>
+                    <a:lnB w="12700" cap="flat" cmpd="sng" algn="ctr">
+                      <a:solidFill>
+                        <a:schemeClr val="tx1"/>
+                      </a:solidFill>
+                      <a:prstDash val="solid"/>
+                      <a:round/>
+                      <a:headEnd type="none" w="med" len="med"/>
+                      <a:tailEnd type="none" w="med" len="med"/>
+                    </a:lnB>
+                  </a:tcPr>
+                </a:tc>
+                <a:extLst>
+                  <a:ext uri="{0D108BD9-81ED-4DB2-BD59-A6C34878D82A}">
+                    <a16:rowId xmlns:a16="http://schemas.microsoft.com/office/drawing/2014/main" val="3736478379"/>
+                  </a:ext>
+                </a:extLst>
+              </a:tr>
+            </a:tbl>
+          </a:graphicData>
+        </a:graphic>
+      </p:graphicFrame>
+      <p:graphicFrame>
+        <p:nvGraphicFramePr>
+          <p:cNvPr id="6" name="Table 5">
+            <a:extLst>
+              <a:ext uri="{FF2B5EF4-FFF2-40B4-BE49-F238E27FC236}">
+                <a16:creationId xmlns:a16="http://schemas.microsoft.com/office/drawing/2014/main" id="{ADBD6765-756B-F36E-8B9F-D0677BC4B766}"/>
+              </a:ext>
+            </a:extLst>
+          </p:cNvPr>
+          <p:cNvGraphicFramePr>
+            <a:graphicFrameLocks noGrp="1"/>
+          </p:cNvGraphicFramePr>
+          <p:nvPr>
+            <p:extLst>
+              <p:ext uri="{D42A27DB-BD31-4B8C-83A1-F6EECF244321}">
+                <p14:modId xmlns:p14="http://schemas.microsoft.com/office/powerpoint/2010/main" val="1128396946"/>
+              </p:ext>
+            </p:extLst>
+          </p:nvPr>
+        </p:nvGraphicFramePr>
+        <p:xfrm>
+          <a:off x="8306479" y="2412664"/>
+          <a:ext cx="3735060" cy="304800"/>
+        </p:xfrm>
+        <a:graphic>
+          <a:graphicData uri="http://schemas.openxmlformats.org/drawingml/2006/table">
+            <a:tbl>
+              <a:tblPr firstRow="1" bandRow="1">
+                <a:solidFill>
+                  <a:srgbClr val="92D050"/>
+                </a:solidFill>
+                <a:tableStyleId>{5940675A-B579-460E-94D1-54222C63F5DA}</a:tableStyleId>
+              </a:tblPr>
+              <a:tblGrid>
+                <a:gridCol w="622510">
+                  <a:extLst>
+                    <a:ext uri="{9D8B030D-6E8A-4147-A177-3AD203B41FA5}">
+                      <a16:colId xmlns:a16="http://schemas.microsoft.com/office/drawing/2014/main" val="832077596"/>
+                    </a:ext>
+                  </a:extLst>
+                </a:gridCol>
+                <a:gridCol w="622510">
+                  <a:extLst>
+                    <a:ext uri="{9D8B030D-6E8A-4147-A177-3AD203B41FA5}">
+                      <a16:colId xmlns:a16="http://schemas.microsoft.com/office/drawing/2014/main" val="3697675172"/>
+                    </a:ext>
+                  </a:extLst>
+                </a:gridCol>
+                <a:gridCol w="622510">
+                  <a:extLst>
+                    <a:ext uri="{9D8B030D-6E8A-4147-A177-3AD203B41FA5}">
+                      <a16:colId xmlns:a16="http://schemas.microsoft.com/office/drawing/2014/main" val="1500684634"/>
+                    </a:ext>
+                  </a:extLst>
+                </a:gridCol>
+                <a:gridCol w="622510">
+                  <a:extLst>
+                    <a:ext uri="{9D8B030D-6E8A-4147-A177-3AD203B41FA5}">
+                      <a16:colId xmlns:a16="http://schemas.microsoft.com/office/drawing/2014/main" val="728625790"/>
+                    </a:ext>
+                  </a:extLst>
+                </a:gridCol>
+                <a:gridCol w="622510">
+                  <a:extLst>
+                    <a:ext uri="{9D8B030D-6E8A-4147-A177-3AD203B41FA5}">
+                      <a16:colId xmlns:a16="http://schemas.microsoft.com/office/drawing/2014/main" val="3959092481"/>
+                    </a:ext>
+                  </a:extLst>
+                </a:gridCol>
+                <a:gridCol w="622510">
+                  <a:extLst>
+                    <a:ext uri="{9D8B030D-6E8A-4147-A177-3AD203B41FA5}">
+                      <a16:colId xmlns:a16="http://schemas.microsoft.com/office/drawing/2014/main" val="1581759457"/>
+                    </a:ext>
+                  </a:extLst>
+                </a:gridCol>
+              </a:tblGrid>
+              <a:tr h="194734">
+                <a:tc>
+                  <a:txBody>
+                    <a:bodyPr/>
+                    <a:lstStyle/>
+                    <a:p>
+                      <a:r>
+                        <a:rPr lang="en-GB" sz="1400" b="1" dirty="0"/>
+                        <a:t>DOF-1</a:t>
+                      </a:r>
+                    </a:p>
+                  </a:txBody>
+                  <a:tcPr marL="45720" marR="45720">
+                    <a:lnL w="12700" cap="flat" cmpd="sng" algn="ctr">
+                      <a:solidFill>
+                        <a:schemeClr val="tx1"/>
+                      </a:solidFill>
+                      <a:prstDash val="solid"/>
+                      <a:round/>
+                      <a:headEnd type="none" w="med" len="med"/>
+                      <a:tailEnd type="none" w="med" len="med"/>
+                    </a:lnL>
+                    <a:lnR w="12700" cap="flat" cmpd="sng" algn="ctr">
+                      <a:solidFill>
+                        <a:schemeClr val="tx1"/>
+                      </a:solidFill>
+                      <a:prstDash val="solid"/>
+                      <a:round/>
+                      <a:headEnd type="none" w="med" len="med"/>
+                      <a:tailEnd type="none" w="med" len="med"/>
+                    </a:lnR>
+                    <a:lnT w="12700" cap="flat" cmpd="sng" algn="ctr">
+                      <a:solidFill>
+                        <a:schemeClr val="tx1"/>
+                      </a:solidFill>
+                      <a:prstDash val="solid"/>
+                      <a:round/>
+                      <a:headEnd type="none" w="med" len="med"/>
+                      <a:tailEnd type="none" w="med" len="med"/>
+                    </a:lnT>
+                    <a:lnB w="12700" cap="flat" cmpd="sng" algn="ctr">
+                      <a:solidFill>
+                        <a:schemeClr val="tx1"/>
+                      </a:solidFill>
+                      <a:prstDash val="solid"/>
+                      <a:round/>
+                      <a:headEnd type="none" w="med" len="med"/>
+                      <a:tailEnd type="none" w="med" len="med"/>
+                    </a:lnB>
+                    <a:solidFill>
+                      <a:srgbClr val="C00000"/>
+                    </a:solidFill>
+                  </a:tcPr>
+                </a:tc>
+                <a:tc>
+                  <a:txBody>
+                    <a:bodyPr/>
+                    <a:lstStyle/>
+                    <a:p>
+                      <a:r>
+                        <a:rPr lang="en-GB" sz="1400" b="1" dirty="0"/>
+                        <a:t>DOF-2</a:t>
+                      </a:r>
+                    </a:p>
+                  </a:txBody>
+                  <a:tcPr marL="45720" marR="45720">
+                    <a:lnL w="12700" cap="flat" cmpd="sng" algn="ctr">
+                      <a:solidFill>
+                        <a:schemeClr val="tx1"/>
+                      </a:solidFill>
+                      <a:prstDash val="solid"/>
+                      <a:round/>
+                      <a:headEnd type="none" w="med" len="med"/>
+                      <a:tailEnd type="none" w="med" len="med"/>
+                    </a:lnL>
+                    <a:lnR w="12700" cap="flat" cmpd="sng" algn="ctr">
+                      <a:solidFill>
+                        <a:schemeClr val="tx1"/>
+                      </a:solidFill>
+                      <a:prstDash val="solid"/>
+                      <a:round/>
+                      <a:headEnd type="none" w="med" len="med"/>
+                      <a:tailEnd type="none" w="med" len="med"/>
+                    </a:lnR>
+                    <a:lnT w="12700" cap="flat" cmpd="sng" algn="ctr">
+                      <a:solidFill>
+                        <a:schemeClr val="tx1"/>
+                      </a:solidFill>
+                      <a:prstDash val="solid"/>
+                      <a:round/>
+                      <a:headEnd type="none" w="med" len="med"/>
+                      <a:tailEnd type="none" w="med" len="med"/>
+                    </a:lnT>
+                    <a:lnB w="12700" cap="flat" cmpd="sng" algn="ctr">
+                      <a:solidFill>
+                        <a:schemeClr val="tx1"/>
+                      </a:solidFill>
+                      <a:prstDash val="solid"/>
+                      <a:round/>
+                      <a:headEnd type="none" w="med" len="med"/>
+                      <a:tailEnd type="none" w="med" len="med"/>
+                    </a:lnB>
+                    <a:solidFill>
+                      <a:srgbClr val="C00000"/>
+                    </a:solidFill>
+                  </a:tcPr>
+                </a:tc>
+                <a:tc>
+                  <a:txBody>
+                    <a:bodyPr/>
+                    <a:lstStyle/>
+                    <a:p>
+                      <a:r>
+                        <a:rPr lang="en-GB" sz="1400" b="1" dirty="0"/>
+                        <a:t>DOF-3</a:t>
+                      </a:r>
+                    </a:p>
+                  </a:txBody>
+                  <a:tcPr marL="45720" marR="45720">
+                    <a:lnL w="12700" cap="flat" cmpd="sng" algn="ctr">
+                      <a:solidFill>
+                        <a:schemeClr val="tx1"/>
+                      </a:solidFill>
+                      <a:prstDash val="solid"/>
+                      <a:round/>
+                      <a:headEnd type="none" w="med" len="med"/>
+                      <a:tailEnd type="none" w="med" len="med"/>
+                    </a:lnL>
+                    <a:lnR w="12700" cap="flat" cmpd="sng" algn="ctr">
+                      <a:solidFill>
+                        <a:schemeClr val="tx1"/>
+                      </a:solidFill>
+                      <a:prstDash val="solid"/>
+                      <a:round/>
+                      <a:headEnd type="none" w="med" len="med"/>
+                      <a:tailEnd type="none" w="med" len="med"/>
+                    </a:lnR>
+                    <a:lnT w="12700" cap="flat" cmpd="sng" algn="ctr">
+                      <a:solidFill>
+                        <a:schemeClr val="tx1"/>
+                      </a:solidFill>
+                      <a:prstDash val="solid"/>
+                      <a:round/>
+                      <a:headEnd type="none" w="med" len="med"/>
+                      <a:tailEnd type="none" w="med" len="med"/>
+                    </a:lnT>
+                    <a:lnB w="12700" cap="flat" cmpd="sng" algn="ctr">
+                      <a:solidFill>
+                        <a:schemeClr val="tx1"/>
+                      </a:solidFill>
+                      <a:prstDash val="solid"/>
+                      <a:round/>
+                      <a:headEnd type="none" w="med" len="med"/>
+                      <a:tailEnd type="none" w="med" len="med"/>
+                    </a:lnB>
+                    <a:solidFill>
+                      <a:srgbClr val="C00000"/>
+                    </a:solidFill>
+                  </a:tcPr>
+                </a:tc>
+                <a:tc>
+                  <a:txBody>
+                    <a:bodyPr/>
+                    <a:lstStyle/>
+                    <a:p>
+                      <a:r>
+                        <a:rPr lang="en-GB" sz="1400" b="1" dirty="0"/>
+                        <a:t>DOF-4</a:t>
+                      </a:r>
+                    </a:p>
+                  </a:txBody>
+                  <a:tcPr marL="45720" marR="45720">
+                    <a:lnL w="12700" cap="flat" cmpd="sng" algn="ctr">
+                      <a:solidFill>
+                        <a:schemeClr val="tx1"/>
+                      </a:solidFill>
+                      <a:prstDash val="solid"/>
+                      <a:round/>
+                      <a:headEnd type="none" w="med" len="med"/>
+                      <a:tailEnd type="none" w="med" len="med"/>
+                    </a:lnL>
+                    <a:lnR w="12700" cap="flat" cmpd="sng" algn="ctr">
+                      <a:solidFill>
+                        <a:schemeClr val="tx1"/>
+                      </a:solidFill>
+                      <a:prstDash val="solid"/>
+                      <a:round/>
+                      <a:headEnd type="none" w="med" len="med"/>
+                      <a:tailEnd type="none" w="med" len="med"/>
+                    </a:lnR>
+                    <a:lnT w="12700" cap="flat" cmpd="sng" algn="ctr">
+                      <a:solidFill>
+                        <a:schemeClr val="tx1"/>
+                      </a:solidFill>
+                      <a:prstDash val="solid"/>
+                      <a:round/>
+                      <a:headEnd type="none" w="med" len="med"/>
+                      <a:tailEnd type="none" w="med" len="med"/>
+                    </a:lnT>
+                    <a:lnB w="12700" cap="flat" cmpd="sng" algn="ctr">
+                      <a:solidFill>
+                        <a:schemeClr val="tx1"/>
+                      </a:solidFill>
+                      <a:prstDash val="solid"/>
+                      <a:round/>
+                      <a:headEnd type="none" w="med" len="med"/>
+                      <a:tailEnd type="none" w="med" len="med"/>
+                    </a:lnB>
+                    <a:solidFill>
+                      <a:srgbClr val="C00000"/>
+                    </a:solidFill>
+                  </a:tcPr>
+                </a:tc>
+                <a:tc>
+                  <a:txBody>
+                    <a:bodyPr/>
+                    <a:lstStyle/>
+                    <a:p>
+                      <a:r>
+                        <a:rPr lang="en-GB" sz="1400" b="1" dirty="0"/>
+                        <a:t>DOF-5</a:t>
+                      </a:r>
+                    </a:p>
+                  </a:txBody>
+                  <a:tcPr marL="45720" marR="45720">
+                    <a:lnL w="12700" cap="flat" cmpd="sng" algn="ctr">
+                      <a:solidFill>
+                        <a:schemeClr val="tx1"/>
+                      </a:solidFill>
+                      <a:prstDash val="solid"/>
+                      <a:round/>
+                      <a:headEnd type="none" w="med" len="med"/>
+                      <a:tailEnd type="none" w="med" len="med"/>
+                    </a:lnL>
+                    <a:lnR w="12700" cap="flat" cmpd="sng" algn="ctr">
+                      <a:solidFill>
+                        <a:schemeClr val="tx1"/>
+                      </a:solidFill>
+                      <a:prstDash val="solid"/>
+                      <a:round/>
+                      <a:headEnd type="none" w="med" len="med"/>
+                      <a:tailEnd type="none" w="med" len="med"/>
+                    </a:lnR>
+                    <a:lnT w="12700" cap="flat" cmpd="sng" algn="ctr">
+                      <a:solidFill>
+                        <a:schemeClr val="tx1"/>
+                      </a:solidFill>
+                      <a:prstDash val="solid"/>
+                      <a:round/>
+                      <a:headEnd type="none" w="med" len="med"/>
+                      <a:tailEnd type="none" w="med" len="med"/>
+                    </a:lnT>
+                    <a:lnB w="12700" cap="flat" cmpd="sng" algn="ctr">
+                      <a:solidFill>
+                        <a:schemeClr val="tx1"/>
+                      </a:solidFill>
+                      <a:prstDash val="solid"/>
+                      <a:round/>
+                      <a:headEnd type="none" w="med" len="med"/>
+                      <a:tailEnd type="none" w="med" len="med"/>
+                    </a:lnB>
+                    <a:solidFill>
+                      <a:srgbClr val="C00000"/>
+                    </a:solidFill>
+                  </a:tcPr>
+                </a:tc>
+                <a:tc>
+                  <a:txBody>
+                    <a:bodyPr/>
+                    <a:lstStyle/>
+                    <a:p>
+                      <a:r>
+                        <a:rPr lang="en-GB" sz="1400" b="1" dirty="0"/>
+                        <a:t>DOF-6</a:t>
+                      </a:r>
+                    </a:p>
+                  </a:txBody>
+                  <a:tcPr marL="45720" marR="45720">
+                    <a:lnL w="12700" cap="flat" cmpd="sng" algn="ctr">
+                      <a:solidFill>
+                        <a:schemeClr val="tx1"/>
+                      </a:solidFill>
+                      <a:prstDash val="solid"/>
+                      <a:round/>
+                      <a:headEnd type="none" w="med" len="med"/>
+                      <a:tailEnd type="none" w="med" len="med"/>
+                    </a:lnL>
+                    <a:lnR w="12700" cap="flat" cmpd="sng" algn="ctr">
+                      <a:solidFill>
+                        <a:schemeClr val="tx1"/>
+                      </a:solidFill>
+                      <a:prstDash val="solid"/>
+                      <a:round/>
+                      <a:headEnd type="none" w="med" len="med"/>
+                      <a:tailEnd type="none" w="med" len="med"/>
+                    </a:lnR>
+                    <a:lnT w="12700" cap="flat" cmpd="sng" algn="ctr">
+                      <a:solidFill>
+                        <a:schemeClr val="tx1"/>
+                      </a:solidFill>
+                      <a:prstDash val="solid"/>
+                      <a:round/>
+                      <a:headEnd type="none" w="med" len="med"/>
+                      <a:tailEnd type="none" w="med" len="med"/>
+                    </a:lnT>
+                    <a:lnB w="12700" cap="flat" cmpd="sng" algn="ctr">
+                      <a:solidFill>
+                        <a:schemeClr val="tx1"/>
+                      </a:solidFill>
+                      <a:prstDash val="solid"/>
+                      <a:round/>
+                      <a:headEnd type="none" w="med" len="med"/>
+                      <a:tailEnd type="none" w="med" len="med"/>
+                    </a:lnB>
+                    <a:solidFill>
+                      <a:srgbClr val="C00000"/>
+                    </a:solidFill>
+                  </a:tcPr>
+                </a:tc>
+                <a:extLst>
+                  <a:ext uri="{0D108BD9-81ED-4DB2-BD59-A6C34878D82A}">
+                    <a16:rowId xmlns:a16="http://schemas.microsoft.com/office/drawing/2014/main" val="3736478379"/>
+                  </a:ext>
+                </a:extLst>
+              </a:tr>
+            </a:tbl>
+          </a:graphicData>
+        </a:graphic>
+      </p:graphicFrame>
+      <p:graphicFrame>
+        <p:nvGraphicFramePr>
+          <p:cNvPr id="7" name="Table 6">
+            <a:extLst>
+              <a:ext uri="{FF2B5EF4-FFF2-40B4-BE49-F238E27FC236}">
+                <a16:creationId xmlns:a16="http://schemas.microsoft.com/office/drawing/2014/main" id="{460DE1F7-2921-D29D-5E58-75447269A037}"/>
+              </a:ext>
+            </a:extLst>
+          </p:cNvPr>
+          <p:cNvGraphicFramePr>
+            <a:graphicFrameLocks noGrp="1"/>
+          </p:cNvGraphicFramePr>
+          <p:nvPr>
+            <p:extLst>
+              <p:ext uri="{D42A27DB-BD31-4B8C-83A1-F6EECF244321}">
+                <p14:modId xmlns:p14="http://schemas.microsoft.com/office/powerpoint/2010/main" val="166567128"/>
+              </p:ext>
+            </p:extLst>
+          </p:nvPr>
+        </p:nvGraphicFramePr>
+        <p:xfrm>
+          <a:off x="4046899" y="2412664"/>
+          <a:ext cx="3753773" cy="304800"/>
+        </p:xfrm>
+        <a:graphic>
+          <a:graphicData uri="http://schemas.openxmlformats.org/drawingml/2006/table">
+            <a:tbl>
+              <a:tblPr firstRow="1" bandRow="1">
+                <a:solidFill>
+                  <a:srgbClr val="92D050"/>
+                </a:solidFill>
+                <a:tableStyleId>{5940675A-B579-460E-94D1-54222C63F5DA}</a:tableStyleId>
+              </a:tblPr>
+              <a:tblGrid>
+                <a:gridCol w="641223">
+                  <a:extLst>
+                    <a:ext uri="{9D8B030D-6E8A-4147-A177-3AD203B41FA5}">
+                      <a16:colId xmlns:a16="http://schemas.microsoft.com/office/drawing/2014/main" val="832077596"/>
+                    </a:ext>
+                  </a:extLst>
+                </a:gridCol>
+                <a:gridCol w="622510">
+                  <a:extLst>
+                    <a:ext uri="{9D8B030D-6E8A-4147-A177-3AD203B41FA5}">
+                      <a16:colId xmlns:a16="http://schemas.microsoft.com/office/drawing/2014/main" val="3697675172"/>
+                    </a:ext>
+                  </a:extLst>
+                </a:gridCol>
+                <a:gridCol w="622510">
+                  <a:extLst>
+                    <a:ext uri="{9D8B030D-6E8A-4147-A177-3AD203B41FA5}">
+                      <a16:colId xmlns:a16="http://schemas.microsoft.com/office/drawing/2014/main" val="1500684634"/>
+                    </a:ext>
+                  </a:extLst>
+                </a:gridCol>
+                <a:gridCol w="622510">
+                  <a:extLst>
+                    <a:ext uri="{9D8B030D-6E8A-4147-A177-3AD203B41FA5}">
+                      <a16:colId xmlns:a16="http://schemas.microsoft.com/office/drawing/2014/main" val="728625790"/>
+                    </a:ext>
+                  </a:extLst>
+                </a:gridCol>
+                <a:gridCol w="622510">
+                  <a:extLst>
+                    <a:ext uri="{9D8B030D-6E8A-4147-A177-3AD203B41FA5}">
+                      <a16:colId xmlns:a16="http://schemas.microsoft.com/office/drawing/2014/main" val="3959092481"/>
+                    </a:ext>
+                  </a:extLst>
+                </a:gridCol>
+                <a:gridCol w="622510">
+                  <a:extLst>
+                    <a:ext uri="{9D8B030D-6E8A-4147-A177-3AD203B41FA5}">
+                      <a16:colId xmlns:a16="http://schemas.microsoft.com/office/drawing/2014/main" val="1581759457"/>
+                    </a:ext>
+                  </a:extLst>
+                </a:gridCol>
+              </a:tblGrid>
+              <a:tr h="194734">
+                <a:tc>
+                  <a:txBody>
+                    <a:bodyPr/>
+                    <a:lstStyle/>
+                    <a:p>
+                      <a:r>
+                        <a:rPr lang="en-GB" sz="1400" b="1" dirty="0"/>
+                        <a:t>DOF-1</a:t>
+                      </a:r>
+                    </a:p>
+                  </a:txBody>
+                  <a:tcPr marL="45720" marR="45720">
+                    <a:lnL w="12700" cap="flat" cmpd="sng" algn="ctr">
+                      <a:solidFill>
+                        <a:schemeClr val="tx1"/>
+                      </a:solidFill>
+                      <a:prstDash val="solid"/>
+                      <a:round/>
+                      <a:headEnd type="none" w="med" len="med"/>
+                      <a:tailEnd type="none" w="med" len="med"/>
+                    </a:lnL>
+                    <a:lnR w="12700" cap="flat" cmpd="sng" algn="ctr">
+                      <a:solidFill>
+                        <a:schemeClr val="tx1"/>
+                      </a:solidFill>
+                      <a:prstDash val="solid"/>
+                      <a:round/>
+                      <a:headEnd type="none" w="med" len="med"/>
+                      <a:tailEnd type="none" w="med" len="med"/>
+                    </a:lnR>
+                    <a:lnT w="12700" cap="flat" cmpd="sng" algn="ctr">
+                      <a:solidFill>
+                        <a:schemeClr val="tx1"/>
+                      </a:solidFill>
+                      <a:prstDash val="solid"/>
+                      <a:round/>
+                      <a:headEnd type="none" w="med" len="med"/>
+                      <a:tailEnd type="none" w="med" len="med"/>
+                    </a:lnT>
+                    <a:lnB w="12700" cap="flat" cmpd="sng" algn="ctr">
+                      <a:solidFill>
+                        <a:schemeClr val="tx1"/>
+                      </a:solidFill>
+                      <a:prstDash val="solid"/>
+                      <a:round/>
+                      <a:headEnd type="none" w="med" len="med"/>
+                      <a:tailEnd type="none" w="med" len="med"/>
+                    </a:lnB>
+                    <a:solidFill>
+                      <a:srgbClr val="FFC000"/>
+                    </a:solidFill>
+                  </a:tcPr>
+                </a:tc>
+                <a:tc>
+                  <a:txBody>
+                    <a:bodyPr/>
+                    <a:lstStyle/>
+                    <a:p>
+                      <a:r>
+                        <a:rPr lang="en-GB" sz="1400" b="1" dirty="0"/>
+                        <a:t>DOF-2</a:t>
+                      </a:r>
+                    </a:p>
+                  </a:txBody>
+                  <a:tcPr marL="45720" marR="45720">
+                    <a:lnL w="12700" cap="flat" cmpd="sng" algn="ctr">
+                      <a:solidFill>
+                        <a:schemeClr val="tx1"/>
+                      </a:solidFill>
+                      <a:prstDash val="solid"/>
+                      <a:round/>
+                      <a:headEnd type="none" w="med" len="med"/>
+                      <a:tailEnd type="none" w="med" len="med"/>
+                    </a:lnL>
+                    <a:lnR w="12700" cap="flat" cmpd="sng" algn="ctr">
+                      <a:solidFill>
+                        <a:schemeClr val="tx1"/>
+                      </a:solidFill>
+                      <a:prstDash val="solid"/>
+                      <a:round/>
+                      <a:headEnd type="none" w="med" len="med"/>
+                      <a:tailEnd type="none" w="med" len="med"/>
+                    </a:lnR>
+                    <a:lnT w="12700" cap="flat" cmpd="sng" algn="ctr">
+                      <a:solidFill>
+                        <a:schemeClr val="tx1"/>
+                      </a:solidFill>
+                      <a:prstDash val="solid"/>
+                      <a:round/>
+                      <a:headEnd type="none" w="med" len="med"/>
+                      <a:tailEnd type="none" w="med" len="med"/>
+                    </a:lnT>
+                    <a:lnB w="12700" cap="flat" cmpd="sng" algn="ctr">
+                      <a:solidFill>
+                        <a:schemeClr val="tx1"/>
+                      </a:solidFill>
+                      <a:prstDash val="solid"/>
+                      <a:round/>
+                      <a:headEnd type="none" w="med" len="med"/>
+                      <a:tailEnd type="none" w="med" len="med"/>
+                    </a:lnB>
+                    <a:solidFill>
+                      <a:srgbClr val="FFC000"/>
+                    </a:solidFill>
+                  </a:tcPr>
+                </a:tc>
+                <a:tc>
+                  <a:txBody>
+                    <a:bodyPr/>
+                    <a:lstStyle/>
+                    <a:p>
+                      <a:r>
+                        <a:rPr lang="en-GB" sz="1400" b="1" dirty="0"/>
+                        <a:t>DOF-3</a:t>
+                      </a:r>
+                    </a:p>
+                  </a:txBody>
+                  <a:tcPr marL="45720" marR="45720">
+                    <a:lnL w="12700" cap="flat" cmpd="sng" algn="ctr">
+                      <a:solidFill>
+                        <a:schemeClr val="tx1"/>
+                      </a:solidFill>
+                      <a:prstDash val="solid"/>
+                      <a:round/>
+                      <a:headEnd type="none" w="med" len="med"/>
+                      <a:tailEnd type="none" w="med" len="med"/>
+                    </a:lnL>
+                    <a:lnR w="12700" cap="flat" cmpd="sng" algn="ctr">
+                      <a:solidFill>
+                        <a:schemeClr val="tx1"/>
+                      </a:solidFill>
+                      <a:prstDash val="solid"/>
+                      <a:round/>
+                      <a:headEnd type="none" w="med" len="med"/>
+                      <a:tailEnd type="none" w="med" len="med"/>
+                    </a:lnR>
+                    <a:lnT w="12700" cap="flat" cmpd="sng" algn="ctr">
+                      <a:solidFill>
+                        <a:schemeClr val="tx1"/>
+                      </a:solidFill>
+                      <a:prstDash val="solid"/>
+                      <a:round/>
+                      <a:headEnd type="none" w="med" len="med"/>
+                      <a:tailEnd type="none" w="med" len="med"/>
+                    </a:lnT>
+                    <a:lnB w="12700" cap="flat" cmpd="sng" algn="ctr">
+                      <a:solidFill>
+                        <a:schemeClr val="tx1"/>
+                      </a:solidFill>
+                      <a:prstDash val="solid"/>
+                      <a:round/>
+                      <a:headEnd type="none" w="med" len="med"/>
+                      <a:tailEnd type="none" w="med" len="med"/>
+                    </a:lnB>
+                    <a:solidFill>
+                      <a:srgbClr val="FFC000"/>
+                    </a:solidFill>
+                  </a:tcPr>
+                </a:tc>
+                <a:tc>
+                  <a:txBody>
+                    <a:bodyPr/>
+                    <a:lstStyle/>
+                    <a:p>
+                      <a:r>
+                        <a:rPr lang="en-GB" sz="1400" b="1" dirty="0"/>
+                        <a:t>DOF-4</a:t>
+                      </a:r>
+                    </a:p>
+                  </a:txBody>
+                  <a:tcPr marL="45720" marR="45720">
+                    <a:lnL w="12700" cap="flat" cmpd="sng" algn="ctr">
+                      <a:solidFill>
+                        <a:schemeClr val="tx1"/>
+                      </a:solidFill>
+                      <a:prstDash val="solid"/>
+                      <a:round/>
+                      <a:headEnd type="none" w="med" len="med"/>
+                      <a:tailEnd type="none" w="med" len="med"/>
+                    </a:lnL>
+                    <a:lnR w="12700" cap="flat" cmpd="sng" algn="ctr">
+                      <a:solidFill>
+                        <a:schemeClr val="tx1"/>
+                      </a:solidFill>
+                      <a:prstDash val="solid"/>
+                      <a:round/>
+                      <a:headEnd type="none" w="med" len="med"/>
+                      <a:tailEnd type="none" w="med" len="med"/>
+                    </a:lnR>
+                    <a:lnT w="12700" cap="flat" cmpd="sng" algn="ctr">
+                      <a:solidFill>
+                        <a:schemeClr val="tx1"/>
+                      </a:solidFill>
+                      <a:prstDash val="solid"/>
+                      <a:round/>
+                      <a:headEnd type="none" w="med" len="med"/>
+                      <a:tailEnd type="none" w="med" len="med"/>
+                    </a:lnT>
+                    <a:lnB w="12700" cap="flat" cmpd="sng" algn="ctr">
+                      <a:solidFill>
+                        <a:schemeClr val="tx1"/>
+                      </a:solidFill>
+                      <a:prstDash val="solid"/>
+                      <a:round/>
+                      <a:headEnd type="none" w="med" len="med"/>
+                      <a:tailEnd type="none" w="med" len="med"/>
+                    </a:lnB>
+                    <a:solidFill>
+                      <a:srgbClr val="FFC000"/>
+                    </a:solidFill>
+                  </a:tcPr>
+                </a:tc>
+                <a:tc>
+                  <a:txBody>
+                    <a:bodyPr/>
+                    <a:lstStyle/>
+                    <a:p>
+                      <a:r>
+                        <a:rPr lang="en-GB" sz="1400" b="1" dirty="0"/>
+                        <a:t>DOF-5</a:t>
+                      </a:r>
+                    </a:p>
+                  </a:txBody>
+                  <a:tcPr marL="45720" marR="45720">
+                    <a:lnL w="12700" cap="flat" cmpd="sng" algn="ctr">
+                      <a:solidFill>
+                        <a:schemeClr val="tx1"/>
+                      </a:solidFill>
+                      <a:prstDash val="solid"/>
+                      <a:round/>
+                      <a:headEnd type="none" w="med" len="med"/>
+                      <a:tailEnd type="none" w="med" len="med"/>
+                    </a:lnL>
+                    <a:lnR w="12700" cap="flat" cmpd="sng" algn="ctr">
+                      <a:solidFill>
+                        <a:schemeClr val="tx1"/>
+                      </a:solidFill>
+                      <a:prstDash val="solid"/>
+                      <a:round/>
+                      <a:headEnd type="none" w="med" len="med"/>
+                      <a:tailEnd type="none" w="med" len="med"/>
+                    </a:lnR>
+                    <a:lnT w="12700" cap="flat" cmpd="sng" algn="ctr">
+                      <a:solidFill>
+                        <a:schemeClr val="tx1"/>
+                      </a:solidFill>
+                      <a:prstDash val="solid"/>
+                      <a:round/>
+                      <a:headEnd type="none" w="med" len="med"/>
+                      <a:tailEnd type="none" w="med" len="med"/>
+                    </a:lnT>
+                    <a:lnB w="12700" cap="flat" cmpd="sng" algn="ctr">
+                      <a:solidFill>
+                        <a:schemeClr val="tx1"/>
+                      </a:solidFill>
+                      <a:prstDash val="solid"/>
+                      <a:round/>
+                      <a:headEnd type="none" w="med" len="med"/>
+                      <a:tailEnd type="none" w="med" len="med"/>
+                    </a:lnB>
+                    <a:solidFill>
+                      <a:srgbClr val="FFC000"/>
+                    </a:solidFill>
+                  </a:tcPr>
+                </a:tc>
+                <a:tc>
+                  <a:txBody>
+                    <a:bodyPr/>
+                    <a:lstStyle/>
+                    <a:p>
+                      <a:r>
+                        <a:rPr lang="en-GB" sz="1400" b="1" dirty="0"/>
+                        <a:t>DOF-6</a:t>
+                      </a:r>
+                    </a:p>
+                  </a:txBody>
+                  <a:tcPr marL="45720" marR="45720">
+                    <a:lnL w="12700" cap="flat" cmpd="sng" algn="ctr">
+                      <a:solidFill>
+                        <a:schemeClr val="tx1"/>
+                      </a:solidFill>
+                      <a:prstDash val="solid"/>
+                      <a:round/>
+                      <a:headEnd type="none" w="med" len="med"/>
+                      <a:tailEnd type="none" w="med" len="med"/>
+                    </a:lnL>
+                    <a:lnR w="12700" cap="flat" cmpd="sng" algn="ctr">
+                      <a:solidFill>
+                        <a:schemeClr val="tx1"/>
+                      </a:solidFill>
+                      <a:prstDash val="solid"/>
+                      <a:round/>
+                      <a:headEnd type="none" w="med" len="med"/>
+                      <a:tailEnd type="none" w="med" len="med"/>
+                    </a:lnR>
+                    <a:lnT w="12700" cap="flat" cmpd="sng" algn="ctr">
+                      <a:solidFill>
+                        <a:schemeClr val="tx1"/>
+                      </a:solidFill>
+                      <a:prstDash val="solid"/>
+                      <a:round/>
+                      <a:headEnd type="none" w="med" len="med"/>
+                      <a:tailEnd type="none" w="med" len="med"/>
+                    </a:lnT>
+                    <a:lnB w="12700" cap="flat" cmpd="sng" algn="ctr">
+                      <a:solidFill>
+                        <a:schemeClr val="tx1"/>
+                      </a:solidFill>
+                      <a:prstDash val="solid"/>
+                      <a:round/>
+                      <a:headEnd type="none" w="med" len="med"/>
+                      <a:tailEnd type="none" w="med" len="med"/>
+                    </a:lnB>
+                    <a:solidFill>
+                      <a:srgbClr val="FFC000"/>
+                    </a:solidFill>
+                  </a:tcPr>
+                </a:tc>
+                <a:extLst>
+                  <a:ext uri="{0D108BD9-81ED-4DB2-BD59-A6C34878D82A}">
+                    <a16:rowId xmlns:a16="http://schemas.microsoft.com/office/drawing/2014/main" val="3736478379"/>
+                  </a:ext>
+                </a:extLst>
+              </a:tr>
+            </a:tbl>
+          </a:graphicData>
+        </a:graphic>
+      </p:graphicFrame>
+      <p:sp>
+        <p:nvSpPr>
+          <p:cNvPr id="12" name="TextBox 11">
+            <a:extLst>
+              <a:ext uri="{FF2B5EF4-FFF2-40B4-BE49-F238E27FC236}">
+                <a16:creationId xmlns:a16="http://schemas.microsoft.com/office/drawing/2014/main" id="{7531E98C-C71A-1344-3CBC-64155943B696}"/>
+              </a:ext>
+            </a:extLst>
+          </p:cNvPr>
+          <p:cNvSpPr txBox="1"/>
+          <p:nvPr/>
+        </p:nvSpPr>
+        <p:spPr>
+          <a:xfrm>
+            <a:off x="1748839" y="2752006"/>
+            <a:ext cx="861060" cy="369332"/>
+          </a:xfrm>
+          <a:prstGeom prst="rect">
+            <a:avLst/>
+          </a:prstGeom>
+          <a:solidFill>
+            <a:schemeClr val="bg1"/>
+          </a:solidFill>
+        </p:spPr>
+        <p:txBody>
+          <a:bodyPr wrap="square" rtlCol="0">
+            <a:spAutoFit/>
+          </a:bodyPr>
+          <a:lstStyle/>
+          <a:p>
+            <a:pPr algn="ctr"/>
+            <a:r>
+              <a:rPr lang="en-GB" dirty="0"/>
+              <a:t>pin - 1</a:t>
+            </a:r>
+          </a:p>
+        </p:txBody>
+      </p:sp>
+      <p:sp>
+        <p:nvSpPr>
+          <p:cNvPr id="13" name="TextBox 12">
+            <a:extLst>
+              <a:ext uri="{FF2B5EF4-FFF2-40B4-BE49-F238E27FC236}">
+                <a16:creationId xmlns:a16="http://schemas.microsoft.com/office/drawing/2014/main" id="{473F22EB-2F1F-F5BE-8109-EE9B03BE9570}"/>
+              </a:ext>
+            </a:extLst>
+          </p:cNvPr>
+          <p:cNvSpPr txBox="1"/>
+          <p:nvPr/>
+        </p:nvSpPr>
+        <p:spPr>
+          <a:xfrm>
+            <a:off x="5483899" y="2752006"/>
+            <a:ext cx="861060" cy="369332"/>
+          </a:xfrm>
+          <a:prstGeom prst="rect">
+            <a:avLst/>
+          </a:prstGeom>
+          <a:solidFill>
+            <a:schemeClr val="bg1"/>
+          </a:solidFill>
+        </p:spPr>
+        <p:txBody>
+          <a:bodyPr wrap="square" rtlCol="0">
+            <a:spAutoFit/>
+          </a:bodyPr>
+          <a:lstStyle/>
+          <a:p>
+            <a:pPr algn="ctr"/>
+            <a:r>
+              <a:rPr lang="en-GB" dirty="0"/>
+              <a:t>pin - 2</a:t>
+            </a:r>
+          </a:p>
+        </p:txBody>
+      </p:sp>
+      <p:sp>
+        <p:nvSpPr>
+          <p:cNvPr id="14" name="TextBox 13">
+            <a:extLst>
+              <a:ext uri="{FF2B5EF4-FFF2-40B4-BE49-F238E27FC236}">
+                <a16:creationId xmlns:a16="http://schemas.microsoft.com/office/drawing/2014/main" id="{CC49EE40-2A37-64A3-A487-1BEF8CCE40AF}"/>
+              </a:ext>
+            </a:extLst>
+          </p:cNvPr>
+          <p:cNvSpPr txBox="1"/>
+          <p:nvPr/>
+        </p:nvSpPr>
+        <p:spPr>
+          <a:xfrm>
+            <a:off x="9743479" y="2749034"/>
+            <a:ext cx="861060" cy="369332"/>
+          </a:xfrm>
+          <a:prstGeom prst="rect">
+            <a:avLst/>
+          </a:prstGeom>
+          <a:solidFill>
+            <a:schemeClr val="bg1"/>
+          </a:solidFill>
+        </p:spPr>
+        <p:txBody>
+          <a:bodyPr wrap="square" rtlCol="0">
+            <a:spAutoFit/>
+          </a:bodyPr>
+          <a:lstStyle/>
+          <a:p>
+            <a:pPr algn="ctr"/>
+            <a:r>
+              <a:rPr lang="en-GB" dirty="0"/>
+              <a:t>pin - n</a:t>
+            </a:r>
+          </a:p>
+        </p:txBody>
+      </p:sp>
+      <p:sp>
+        <p:nvSpPr>
+          <p:cNvPr id="15" name="TextBox 14">
+            <a:extLst>
+              <a:ext uri="{FF2B5EF4-FFF2-40B4-BE49-F238E27FC236}">
+                <a16:creationId xmlns:a16="http://schemas.microsoft.com/office/drawing/2014/main" id="{7DD7D43F-DD22-4A4E-44EA-D6CAA6E79843}"/>
+              </a:ext>
+            </a:extLst>
+          </p:cNvPr>
+          <p:cNvSpPr txBox="1"/>
+          <p:nvPr/>
+        </p:nvSpPr>
+        <p:spPr>
+          <a:xfrm>
+            <a:off x="7613689" y="2297669"/>
+            <a:ext cx="861060" cy="369332"/>
+          </a:xfrm>
+          <a:prstGeom prst="rect">
+            <a:avLst/>
+          </a:prstGeom>
+          <a:noFill/>
+        </p:spPr>
+        <p:txBody>
+          <a:bodyPr wrap="square" rtlCol="0">
+            <a:spAutoFit/>
+          </a:bodyPr>
+          <a:lstStyle/>
+          <a:p>
+            <a:pPr algn="ctr"/>
+            <a:r>
+              <a:rPr lang="en-GB" dirty="0"/>
+              <a:t>… …</a:t>
+            </a:r>
+          </a:p>
+        </p:txBody>
+      </p:sp>
     </p:spTree>
     <p:extLst>
       <p:ext uri="{BB962C8B-B14F-4D97-AF65-F5344CB8AC3E}">
         <p14:creationId xmlns:p14="http://schemas.microsoft.com/office/powerpoint/2010/main" val="2332635462"/>
+      </p:ext>
+    </p:extLst>
+  </p:cSld>
+  <p:clrMapOvr>
+    <a:masterClrMapping/>
+  </p:clrMapOvr>
+</p:sld>
+</file>
+
+<file path=ppt/slides/slide5.xml><?xml version="1.0" encoding="utf-8"?>
+<p:sld xmlns:a="http://schemas.openxmlformats.org/drawingml/2006/main" xmlns:r="http://schemas.openxmlformats.org/officeDocument/2006/relationships" xmlns:p="http://schemas.openxmlformats.org/presentationml/2006/main">
+  <p:cSld>
+    <p:spTree>
+      <p:nvGrpSpPr>
+        <p:cNvPr id="1" name=""/>
+        <p:cNvGrpSpPr/>
+        <p:nvPr/>
+      </p:nvGrpSpPr>
+      <p:grpSpPr>
+        <a:xfrm>
+          <a:off x="0" y="0"/>
+          <a:ext cx="0" cy="0"/>
+          <a:chOff x="0" y="0"/>
+          <a:chExt cx="0" cy="0"/>
+        </a:xfrm>
+      </p:grpSpPr>
+      <p:cxnSp>
+        <p:nvCxnSpPr>
+          <p:cNvPr id="46" name="Straight Arrow Connector 45">
+            <a:extLst>
+              <a:ext uri="{FF2B5EF4-FFF2-40B4-BE49-F238E27FC236}">
+                <a16:creationId xmlns:a16="http://schemas.microsoft.com/office/drawing/2014/main" id="{4699F1C5-48B9-C9CD-6CC8-B32DB53D689C}"/>
+              </a:ext>
+            </a:extLst>
+          </p:cNvPr>
+          <p:cNvCxnSpPr>
+            <a:cxnSpLocks/>
+            <a:endCxn id="61" idx="0"/>
+          </p:cNvCxnSpPr>
+          <p:nvPr/>
+        </p:nvCxnSpPr>
+        <p:spPr>
+          <a:xfrm flipH="1">
+            <a:off x="2536696" y="3746982"/>
+            <a:ext cx="494567" cy="687897"/>
+          </a:xfrm>
+          <a:prstGeom prst="straightConnector1">
+            <a:avLst/>
+          </a:prstGeom>
+          <a:noFill/>
+          <a:ln w="57150" cap="flat" cmpd="sng" algn="ctr">
+            <a:solidFill>
+              <a:sysClr val="windowText" lastClr="000000"/>
+            </a:solidFill>
+            <a:prstDash val="solid"/>
+            <a:miter lim="800000"/>
+            <a:tailEnd type="triangle"/>
+          </a:ln>
+          <a:effectLst/>
+        </p:spPr>
+      </p:cxnSp>
+      <p:cxnSp>
+        <p:nvCxnSpPr>
+          <p:cNvPr id="48" name="Straight Arrow Connector 47">
+            <a:extLst>
+              <a:ext uri="{FF2B5EF4-FFF2-40B4-BE49-F238E27FC236}">
+                <a16:creationId xmlns:a16="http://schemas.microsoft.com/office/drawing/2014/main" id="{D880AD30-4C6C-C405-FEB7-1FF16A59636D}"/>
+              </a:ext>
+            </a:extLst>
+          </p:cNvPr>
+          <p:cNvCxnSpPr>
+            <a:cxnSpLocks/>
+            <a:endCxn id="62" idx="0"/>
+          </p:cNvCxnSpPr>
+          <p:nvPr/>
+        </p:nvCxnSpPr>
+        <p:spPr>
+          <a:xfrm>
+            <a:off x="9215572" y="3746982"/>
+            <a:ext cx="611543" cy="687897"/>
+          </a:xfrm>
+          <a:prstGeom prst="straightConnector1">
+            <a:avLst/>
+          </a:prstGeom>
+          <a:noFill/>
+          <a:ln w="57150" cap="flat" cmpd="sng" algn="ctr">
+            <a:solidFill>
+              <a:sysClr val="windowText" lastClr="000000"/>
+            </a:solidFill>
+            <a:prstDash val="solid"/>
+            <a:miter lim="800000"/>
+            <a:tailEnd type="triangle"/>
+          </a:ln>
+          <a:effectLst/>
+        </p:spPr>
+      </p:cxnSp>
+      <p:cxnSp>
+        <p:nvCxnSpPr>
+          <p:cNvPr id="50" name="Straight Arrow Connector 49">
+            <a:extLst>
+              <a:ext uri="{FF2B5EF4-FFF2-40B4-BE49-F238E27FC236}">
+                <a16:creationId xmlns:a16="http://schemas.microsoft.com/office/drawing/2014/main" id="{872CA009-D68B-8539-3233-CC1CA25E3C35}"/>
+              </a:ext>
+            </a:extLst>
+          </p:cNvPr>
+          <p:cNvCxnSpPr>
+            <a:cxnSpLocks/>
+            <a:stCxn id="63" idx="2"/>
+          </p:cNvCxnSpPr>
+          <p:nvPr/>
+        </p:nvCxnSpPr>
+        <p:spPr>
+          <a:xfrm flipH="1">
+            <a:off x="9219501" y="1769398"/>
+            <a:ext cx="512005" cy="730521"/>
+          </a:xfrm>
+          <a:prstGeom prst="straightConnector1">
+            <a:avLst/>
+          </a:prstGeom>
+          <a:noFill/>
+          <a:ln w="57150" cap="flat" cmpd="sng" algn="ctr">
+            <a:solidFill>
+              <a:sysClr val="windowText" lastClr="000000"/>
+            </a:solidFill>
+            <a:prstDash val="solid"/>
+            <a:miter lim="800000"/>
+            <a:tailEnd type="triangle"/>
+          </a:ln>
+          <a:effectLst/>
+        </p:spPr>
+      </p:cxnSp>
+      <p:cxnSp>
+        <p:nvCxnSpPr>
+          <p:cNvPr id="51" name="Straight Arrow Connector 50">
+            <a:extLst>
+              <a:ext uri="{FF2B5EF4-FFF2-40B4-BE49-F238E27FC236}">
+                <a16:creationId xmlns:a16="http://schemas.microsoft.com/office/drawing/2014/main" id="{B186D45D-9A22-AEEA-6561-CDD9621E467F}"/>
+              </a:ext>
+            </a:extLst>
+          </p:cNvPr>
+          <p:cNvCxnSpPr>
+            <a:cxnSpLocks/>
+            <a:stCxn id="60" idx="2"/>
+          </p:cNvCxnSpPr>
+          <p:nvPr/>
+        </p:nvCxnSpPr>
+        <p:spPr>
+          <a:xfrm>
+            <a:off x="2364882" y="1773648"/>
+            <a:ext cx="666381" cy="734043"/>
+          </a:xfrm>
+          <a:prstGeom prst="straightConnector1">
+            <a:avLst/>
+          </a:prstGeom>
+          <a:noFill/>
+          <a:ln w="57150" cap="flat" cmpd="sng" algn="ctr">
+            <a:solidFill>
+              <a:sysClr val="windowText" lastClr="000000"/>
+            </a:solidFill>
+            <a:prstDash val="solid"/>
+            <a:miter lim="800000"/>
+            <a:tailEnd type="triangle"/>
+          </a:ln>
+          <a:effectLst/>
+        </p:spPr>
+      </p:cxnSp>
+      <p:sp>
+        <p:nvSpPr>
+          <p:cNvPr id="52" name="Rectangle: Rounded Corners 51">
+            <a:extLst>
+              <a:ext uri="{FF2B5EF4-FFF2-40B4-BE49-F238E27FC236}">
+                <a16:creationId xmlns:a16="http://schemas.microsoft.com/office/drawing/2014/main" id="{7CD4CA82-404F-AAD4-62C4-56059A2FD2F3}"/>
+              </a:ext>
+            </a:extLst>
+          </p:cNvPr>
+          <p:cNvSpPr/>
+          <p:nvPr/>
+        </p:nvSpPr>
+        <p:spPr>
+          <a:xfrm>
+            <a:off x="2934055" y="2438635"/>
+            <a:ext cx="2637448" cy="1392387"/>
+          </a:xfrm>
+          <a:prstGeom prst="roundRect">
+            <a:avLst/>
+          </a:prstGeom>
+          <a:solidFill>
+            <a:srgbClr val="5B9BD5">
+              <a:lumMod val="20000"/>
+              <a:lumOff val="80000"/>
+            </a:srgbClr>
+          </a:solidFill>
+          <a:ln w="28575" cap="flat" cmpd="sng" algn="ctr">
+            <a:solidFill>
+              <a:srgbClr val="4472C4"/>
+            </a:solidFill>
+            <a:prstDash val="solid"/>
+            <a:miter lim="800000"/>
+          </a:ln>
+          <a:effectLst/>
+        </p:spPr>
+        <p:txBody>
+          <a:bodyPr rtlCol="0" anchor="ctr"/>
+          <a:lstStyle/>
+          <a:p>
+            <a:pPr marL="0" marR="0" lvl="0" indent="0" algn="ctr" defTabSz="914400" eaLnBrk="1" fontAlgn="auto" latinLnBrk="0" hangingPunct="1">
+              <a:lnSpc>
+                <a:spcPct val="100000"/>
+              </a:lnSpc>
+              <a:spcBef>
+                <a:spcPts val="0"/>
+              </a:spcBef>
+              <a:spcAft>
+                <a:spcPts val="0"/>
+              </a:spcAft>
+              <a:buClrTx/>
+              <a:buSzTx/>
+              <a:buFontTx/>
+              <a:buNone/>
+              <a:tabLst/>
+              <a:defRPr/>
+            </a:pPr>
+            <a:r>
+              <a:rPr kumimoji="0" lang="en-GB" sz="1400" b="0" i="0" u="sng" strike="noStrike" kern="0" cap="none" spc="0" normalizeH="0" baseline="0" noProof="0" dirty="0">
+                <a:ln>
+                  <a:noFill/>
+                </a:ln>
+                <a:solidFill>
+                  <a:prstClr val="black"/>
+                </a:solidFill>
+                <a:effectLst/>
+                <a:uLnTx/>
+                <a:uFillTx/>
+                <a:latin typeface="Helvetica" panose="020B0604020202020204" pitchFamily="34" charset="0"/>
+                <a:ea typeface="+mn-ea"/>
+                <a:cs typeface="Helvetica" panose="020B0604020202020204" pitchFamily="34" charset="0"/>
+              </a:rPr>
+              <a:t>System Level FMBD Model:</a:t>
+            </a:r>
+          </a:p>
+          <a:p>
+            <a:pPr marL="0" marR="0" lvl="0" indent="0" algn="ctr" defTabSz="914400" eaLnBrk="1" fontAlgn="auto" latinLnBrk="0" hangingPunct="1">
+              <a:lnSpc>
+                <a:spcPct val="100000"/>
+              </a:lnSpc>
+              <a:spcBef>
+                <a:spcPts val="0"/>
+              </a:spcBef>
+              <a:spcAft>
+                <a:spcPts val="0"/>
+              </a:spcAft>
+              <a:buClrTx/>
+              <a:buSzTx/>
+              <a:buFontTx/>
+              <a:buNone/>
+              <a:tabLst/>
+              <a:defRPr/>
+            </a:pPr>
+            <a:r>
+              <a:rPr kumimoji="0" lang="en-GB" sz="1400" b="0" i="1" u="none" strike="noStrike" kern="0" cap="none" spc="0" normalizeH="0" baseline="0" noProof="0" dirty="0">
+                <a:ln>
+                  <a:noFill/>
+                </a:ln>
+                <a:solidFill>
+                  <a:prstClr val="black"/>
+                </a:solidFill>
+                <a:effectLst/>
+                <a:uLnTx/>
+                <a:uFillTx/>
+                <a:latin typeface="Helvetica" panose="020B0604020202020204" pitchFamily="34" charset="0"/>
+                <a:ea typeface="+mn-ea"/>
+                <a:cs typeface="Helvetica" panose="020B0604020202020204" pitchFamily="34" charset="0"/>
+              </a:rPr>
+              <a:t>AVL </a:t>
+            </a:r>
+            <a:r>
+              <a:rPr kumimoji="0" lang="en-US" sz="1400" b="0" i="1" u="none" strike="noStrike" kern="0" cap="none" spc="0" normalizeH="0" baseline="0" noProof="0" dirty="0">
+                <a:ln>
+                  <a:noFill/>
+                </a:ln>
+                <a:solidFill>
+                  <a:prstClr val="black"/>
+                </a:solidFill>
+                <a:effectLst/>
+                <a:uLnTx/>
+                <a:uFillTx/>
+                <a:latin typeface="Helvetica" panose="020B0604020202020204" pitchFamily="34" charset="0"/>
+                <a:ea typeface="Arial" panose="020B0604020202020204" pitchFamily="34" charset="0"/>
+                <a:cs typeface="Helvetica" panose="020B0604020202020204" pitchFamily="34" charset="0"/>
+              </a:rPr>
+              <a:t>EXCITE</a:t>
+            </a:r>
+            <a:r>
+              <a:rPr kumimoji="0" lang="en-US" sz="1400" b="0" i="1" u="none" strike="noStrike" kern="0" cap="none" spc="0" normalizeH="0" baseline="30000" noProof="0" dirty="0">
+                <a:ln>
+                  <a:noFill/>
+                </a:ln>
+                <a:solidFill>
+                  <a:prstClr val="black"/>
+                </a:solidFill>
+                <a:effectLst/>
+                <a:uLnTx/>
+                <a:uFillTx/>
+                <a:latin typeface="Helvetica" panose="020B0604020202020204" pitchFamily="34" charset="0"/>
+                <a:ea typeface="Arial" panose="020B0604020202020204" pitchFamily="34" charset="0"/>
+                <a:cs typeface="Helvetica" panose="020B0604020202020204" pitchFamily="34" charset="0"/>
+              </a:rPr>
+              <a:t>TM</a:t>
+            </a:r>
+            <a:endParaRPr kumimoji="0" lang="en-GB" sz="1400" b="0" i="1" u="none" strike="noStrike" kern="0" cap="none" spc="0" normalizeH="0" baseline="0" noProof="0" dirty="0">
+              <a:ln>
+                <a:noFill/>
+              </a:ln>
+              <a:solidFill>
+                <a:prstClr val="black"/>
+              </a:solidFill>
+              <a:effectLst/>
+              <a:uLnTx/>
+              <a:uFillTx/>
+              <a:latin typeface="Helvetica" panose="020B0604020202020204" pitchFamily="34" charset="0"/>
+              <a:ea typeface="Arial" panose="020B0604020202020204" pitchFamily="34" charset="0"/>
+              <a:cs typeface="Helvetica" panose="020B0604020202020204" pitchFamily="34" charset="0"/>
+            </a:endParaRPr>
+          </a:p>
+          <a:p>
+            <a:pPr marL="0" marR="0" lvl="0" indent="0" defTabSz="914400" eaLnBrk="1" fontAlgn="auto" latinLnBrk="0" hangingPunct="1">
+              <a:lnSpc>
+                <a:spcPct val="100000"/>
+              </a:lnSpc>
+              <a:spcBef>
+                <a:spcPts val="0"/>
+              </a:spcBef>
+              <a:spcAft>
+                <a:spcPts val="0"/>
+              </a:spcAft>
+              <a:buClrTx/>
+              <a:buSzTx/>
+              <a:buFontTx/>
+              <a:buNone/>
+              <a:tabLst/>
+              <a:defRPr/>
+            </a:pPr>
+            <a:endParaRPr kumimoji="0" lang="en-GB" sz="1400" b="0" i="0" u="sng" strike="noStrike" kern="0" cap="none" spc="0" normalizeH="0" baseline="0" noProof="0" dirty="0">
+              <a:ln>
+                <a:noFill/>
+              </a:ln>
+              <a:solidFill>
+                <a:prstClr val="black"/>
+              </a:solidFill>
+              <a:effectLst/>
+              <a:uLnTx/>
+              <a:uFillTx/>
+              <a:latin typeface="Helvetica" panose="020B0604020202020204" pitchFamily="34" charset="0"/>
+              <a:ea typeface="+mn-ea"/>
+              <a:cs typeface="Helvetica" panose="020B0604020202020204" pitchFamily="34" charset="0"/>
+            </a:endParaRPr>
+          </a:p>
+          <a:p>
+            <a:pPr marL="285750" marR="0" lvl="0" indent="-285750" defTabSz="914400" eaLnBrk="1" fontAlgn="auto" latinLnBrk="0" hangingPunct="1">
+              <a:lnSpc>
+                <a:spcPct val="100000"/>
+              </a:lnSpc>
+              <a:spcBef>
+                <a:spcPts val="0"/>
+              </a:spcBef>
+              <a:spcAft>
+                <a:spcPts val="0"/>
+              </a:spcAft>
+              <a:buClrTx/>
+              <a:buSzTx/>
+              <a:buFont typeface="Arial" panose="020B0604020202020204" pitchFamily="34" charset="0"/>
+              <a:buChar char="•"/>
+              <a:tabLst/>
+              <a:defRPr/>
+            </a:pPr>
+            <a:r>
+              <a:rPr kumimoji="0" lang="en-GB" sz="1400" b="0" i="0" u="none" strike="noStrike" kern="0" cap="none" spc="0" normalizeH="0" baseline="0" noProof="0" dirty="0">
+                <a:ln>
+                  <a:noFill/>
+                </a:ln>
+                <a:solidFill>
+                  <a:prstClr val="black"/>
+                </a:solidFill>
+                <a:effectLst/>
+                <a:uLnTx/>
+                <a:uFillTx/>
+                <a:latin typeface="Helvetica" panose="020B0604020202020204" pitchFamily="34" charset="0"/>
+                <a:ea typeface="+mn-ea"/>
+                <a:cs typeface="Helvetica" panose="020B0604020202020204" pitchFamily="34" charset="0"/>
+              </a:rPr>
+              <a:t>Flexible bodies</a:t>
+            </a:r>
+          </a:p>
+          <a:p>
+            <a:pPr marL="285750" marR="0" lvl="0" indent="-285750" defTabSz="914400" eaLnBrk="1" fontAlgn="auto" latinLnBrk="0" hangingPunct="1">
+              <a:lnSpc>
+                <a:spcPct val="100000"/>
+              </a:lnSpc>
+              <a:spcBef>
+                <a:spcPts val="0"/>
+              </a:spcBef>
+              <a:spcAft>
+                <a:spcPts val="0"/>
+              </a:spcAft>
+              <a:buClrTx/>
+              <a:buSzTx/>
+              <a:buFont typeface="Arial" panose="020B0604020202020204" pitchFamily="34" charset="0"/>
+              <a:buChar char="•"/>
+              <a:tabLst/>
+              <a:defRPr/>
+            </a:pPr>
+            <a:r>
+              <a:rPr kumimoji="0" lang="en-GB" sz="1400" b="0" i="0" u="none" strike="noStrike" kern="0" cap="none" spc="0" normalizeH="0" baseline="0" noProof="0" dirty="0">
+                <a:ln>
+                  <a:noFill/>
+                </a:ln>
+                <a:solidFill>
+                  <a:prstClr val="black"/>
+                </a:solidFill>
+                <a:effectLst/>
+                <a:uLnTx/>
+                <a:uFillTx/>
+                <a:latin typeface="Helvetica" panose="020B0604020202020204" pitchFamily="34" charset="0"/>
+                <a:ea typeface="+mn-ea"/>
+                <a:cs typeface="Helvetica" panose="020B0604020202020204" pitchFamily="34" charset="0"/>
+              </a:rPr>
+              <a:t>Simulation control</a:t>
+            </a:r>
+          </a:p>
+        </p:txBody>
+      </p:sp>
+      <mc:AlternateContent xmlns:mc="http://schemas.openxmlformats.org/markup-compatibility/2006">
+        <mc:Choice xmlns:a14="http://schemas.microsoft.com/office/drawing/2010/main" Requires="a14">
+          <p:sp>
+            <p:nvSpPr>
+              <p:cNvPr id="53" name="Rectangle: Rounded Corners 52">
+                <a:extLst>
+                  <a:ext uri="{FF2B5EF4-FFF2-40B4-BE49-F238E27FC236}">
+                    <a16:creationId xmlns:a16="http://schemas.microsoft.com/office/drawing/2014/main" id="{29EA902C-A234-18BE-5924-D8718347CCE0}"/>
+                  </a:ext>
+                </a:extLst>
+              </p:cNvPr>
+              <p:cNvSpPr/>
+              <p:nvPr/>
+            </p:nvSpPr>
+            <p:spPr>
+              <a:xfrm>
+                <a:off x="4925698" y="4032501"/>
+                <a:ext cx="2478883" cy="1045972"/>
+              </a:xfrm>
+              <a:prstGeom prst="roundRect">
+                <a:avLst/>
+              </a:prstGeom>
+              <a:solidFill>
+                <a:srgbClr val="ED7D31">
+                  <a:lumMod val="20000"/>
+                  <a:lumOff val="80000"/>
+                </a:srgbClr>
+              </a:solidFill>
+              <a:ln w="28575" cap="flat" cmpd="sng" algn="ctr">
+                <a:solidFill>
+                  <a:srgbClr val="ED7D31">
+                    <a:lumMod val="60000"/>
+                    <a:lumOff val="40000"/>
+                  </a:srgbClr>
+                </a:solidFill>
+                <a:prstDash val="solid"/>
+                <a:miter lim="800000"/>
+              </a:ln>
+              <a:effectLst/>
+            </p:spPr>
+            <p:txBody>
+              <a:bodyPr rtlCol="0" anchor="ctr"/>
+              <a:lstStyle/>
+              <a:p>
+                <a:pPr marL="0" marR="0" lvl="0" indent="0" algn="ctr" defTabSz="914400" eaLnBrk="1" fontAlgn="auto" latinLnBrk="0" hangingPunct="1">
+                  <a:lnSpc>
+                    <a:spcPct val="100000"/>
+                  </a:lnSpc>
+                  <a:spcBef>
+                    <a:spcPts val="0"/>
+                  </a:spcBef>
+                  <a:spcAft>
+                    <a:spcPts val="0"/>
+                  </a:spcAft>
+                  <a:buClrTx/>
+                  <a:buSzTx/>
+                  <a:buFontTx/>
+                  <a:buNone/>
+                  <a:tabLst/>
+                  <a:defRPr/>
+                </a:pPr>
+                <a:r>
+                  <a:rPr kumimoji="0" lang="en-GB" sz="1400" b="0" i="0" u="sng" strike="noStrike" kern="0" cap="none" spc="0" normalizeH="0" baseline="0" noProof="0" dirty="0">
+                    <a:ln>
+                      <a:noFill/>
+                    </a:ln>
+                    <a:solidFill>
+                      <a:prstClr val="black"/>
+                    </a:solidFill>
+                    <a:effectLst/>
+                    <a:uLnTx/>
+                    <a:uFillTx/>
+                    <a:latin typeface="Palatino Linotype" panose="02040502050505030304" pitchFamily="18" charset="0"/>
+                    <a:ea typeface="Times New Roman" panose="02020603050405020304" pitchFamily="18" charset="0"/>
+                    <a:cs typeface="Times New Roman" panose="02020603050405020304" pitchFamily="18" charset="0"/>
+                  </a:rPr>
+                  <a:t>Co-Simulation Data Transfer - Forces</a:t>
+                </a:r>
+                <a:endParaRPr kumimoji="0" lang="en-GB" sz="1400" b="0" i="0" u="sng" strike="noStrike" kern="0" cap="none" spc="0" normalizeH="0" baseline="0" noProof="0" dirty="0">
+                  <a:ln>
+                    <a:noFill/>
+                  </a:ln>
+                  <a:solidFill>
+                    <a:prstClr val="black"/>
+                  </a:solidFill>
+                  <a:effectLst/>
+                  <a:uLnTx/>
+                  <a:uFillTx/>
+                  <a:latin typeface="Palatino Linotype" panose="02040502050505030304" pitchFamily="18" charset="0"/>
+                  <a:ea typeface="+mn-ea"/>
+                  <a:cs typeface="+mn-cs"/>
+                </a:endParaRPr>
+              </a:p>
+              <a:p>
+                <a:pPr marL="285750" marR="0" lvl="0" indent="-285750" defTabSz="914400" eaLnBrk="1" fontAlgn="auto" latinLnBrk="0" hangingPunct="1">
+                  <a:lnSpc>
+                    <a:spcPct val="100000"/>
+                  </a:lnSpc>
+                  <a:spcBef>
+                    <a:spcPts val="0"/>
+                  </a:spcBef>
+                  <a:spcAft>
+                    <a:spcPts val="0"/>
+                  </a:spcAft>
+                  <a:buClrTx/>
+                  <a:buSzTx/>
+                  <a:buFont typeface="Arial" panose="020B0604020202020204" pitchFamily="34" charset="0"/>
+                  <a:buChar char="•"/>
+                  <a:tabLst/>
+                  <a:defRPr/>
+                </a:pPr>
+                <a:r>
+                  <a:rPr kumimoji="0" lang="en-GB" sz="1400" b="0" i="1" u="none" strike="noStrike" kern="0" cap="none" spc="0" normalizeH="0" baseline="0" noProof="0" dirty="0">
+                    <a:ln>
+                      <a:noFill/>
+                    </a:ln>
+                    <a:solidFill>
+                      <a:prstClr val="black"/>
+                    </a:solidFill>
+                    <a:effectLst/>
+                    <a:uLnTx/>
+                    <a:uFillTx/>
+                    <a:latin typeface="Palatino Linotype" panose="02040502050505030304" pitchFamily="18" charset="0"/>
+                    <a:ea typeface="+mn-ea"/>
+                    <a:cs typeface="Times New Roman" panose="02020603050405020304" pitchFamily="18" charset="0"/>
+                  </a:rPr>
+                  <a:t>Non-linear forces: </a:t>
+                </a:r>
+                <a14:m>
+                  <m:oMath xmlns:m="http://schemas.openxmlformats.org/officeDocument/2006/math">
+                    <m:sSubSup>
+                      <m:sSubSupPr>
+                        <m:ctrlPr>
+                          <a:rPr kumimoji="0" lang="en-GB" sz="1400" b="0" i="1" u="none" strike="noStrike" kern="0" cap="none" spc="0" normalizeH="0" baseline="0" noProof="0" smtClean="0">
+                            <a:ln>
+                              <a:noFill/>
+                            </a:ln>
+                            <a:solidFill>
+                              <a:prstClr val="black"/>
+                            </a:solidFill>
+                            <a:effectLst/>
+                            <a:uLnTx/>
+                            <a:uFillTx/>
+                            <a:latin typeface="Cambria Math" panose="02040503050406030204" pitchFamily="18" charset="0"/>
+                            <a:ea typeface="+mn-ea"/>
+                            <a:cs typeface="+mn-cs"/>
+                          </a:rPr>
+                        </m:ctrlPr>
+                      </m:sSubSupPr>
+                      <m:e>
+                        <m:r>
+                          <a:rPr kumimoji="0" lang="en-GB" sz="1400" b="0" i="1" u="none" strike="noStrike" kern="0" cap="none" spc="0" normalizeH="0" baseline="0" noProof="0" smtClean="0">
+                            <a:ln>
+                              <a:noFill/>
+                            </a:ln>
+                            <a:solidFill>
+                              <a:prstClr val="black"/>
+                            </a:solidFill>
+                            <a:effectLst/>
+                            <a:uLnTx/>
+                            <a:uFillTx/>
+                            <a:latin typeface="Cambria Math" panose="02040503050406030204" pitchFamily="18" charset="0"/>
+                            <a:ea typeface="Times New Roman" panose="02020603050405020304" pitchFamily="18" charset="0"/>
+                            <a:cs typeface="Times New Roman" panose="02020603050405020304" pitchFamily="18" charset="0"/>
+                          </a:rPr>
+                          <m:t>𝑓</m:t>
+                        </m:r>
+                      </m:e>
+                      <m:sub>
+                        <m:r>
+                          <a:rPr kumimoji="0" lang="en-GB" sz="1400" b="0" i="1" u="none" strike="noStrike" kern="0" cap="none" spc="0" normalizeH="0" baseline="0" noProof="0" smtClean="0">
+                            <a:ln>
+                              <a:noFill/>
+                            </a:ln>
+                            <a:solidFill>
+                              <a:prstClr val="black"/>
+                            </a:solidFill>
+                            <a:effectLst/>
+                            <a:uLnTx/>
+                            <a:uFillTx/>
+                            <a:latin typeface="Cambria Math" panose="02040503050406030204" pitchFamily="18" charset="0"/>
+                            <a:ea typeface="Times New Roman" panose="02020603050405020304" pitchFamily="18" charset="0"/>
+                            <a:cs typeface="Times New Roman" panose="02020603050405020304" pitchFamily="18" charset="0"/>
+                          </a:rPr>
+                          <m:t>𝑧</m:t>
+                        </m:r>
+                        <m:r>
+                          <a:rPr kumimoji="0" lang="en-GB" sz="1400" b="0" i="1" u="none" strike="noStrike" kern="0" cap="none" spc="0" normalizeH="0" baseline="0" noProof="0" smtClean="0">
+                            <a:ln>
+                              <a:noFill/>
+                            </a:ln>
+                            <a:solidFill>
+                              <a:prstClr val="black"/>
+                            </a:solidFill>
+                            <a:effectLst/>
+                            <a:uLnTx/>
+                            <a:uFillTx/>
+                            <a:latin typeface="Cambria Math" panose="02040503050406030204" pitchFamily="18" charset="0"/>
+                            <a:ea typeface="Times New Roman" panose="02020603050405020304" pitchFamily="18" charset="0"/>
+                            <a:cs typeface="Times New Roman" panose="02020603050405020304" pitchFamily="18" charset="0"/>
+                          </a:rPr>
+                          <m:t>,</m:t>
+                        </m:r>
+                        <m:r>
+                          <a:rPr kumimoji="0" lang="en-GB" sz="1400" b="0" i="1" u="none" strike="noStrike" kern="0" cap="none" spc="0" normalizeH="0" baseline="0" noProof="0" smtClean="0">
+                            <a:ln>
+                              <a:noFill/>
+                            </a:ln>
+                            <a:solidFill>
+                              <a:prstClr val="black"/>
+                            </a:solidFill>
+                            <a:effectLst/>
+                            <a:uLnTx/>
+                            <a:uFillTx/>
+                            <a:latin typeface="Cambria Math" panose="02040503050406030204" pitchFamily="18" charset="0"/>
+                            <a:ea typeface="Times New Roman" panose="02020603050405020304" pitchFamily="18" charset="0"/>
+                            <a:cs typeface="Times New Roman" panose="02020603050405020304" pitchFamily="18" charset="0"/>
+                          </a:rPr>
+                          <m:t>𝑖</m:t>
+                        </m:r>
+                      </m:sub>
+                      <m:sup>
+                        <m:r>
+                          <a:rPr kumimoji="0" lang="en-GB" sz="1400" b="0" i="1" u="none" strike="noStrike" kern="0" cap="none" spc="0" normalizeH="0" baseline="0" noProof="0" smtClean="0">
+                            <a:ln>
+                              <a:noFill/>
+                            </a:ln>
+                            <a:solidFill>
+                              <a:prstClr val="black"/>
+                            </a:solidFill>
+                            <a:effectLst/>
+                            <a:uLnTx/>
+                            <a:uFillTx/>
+                            <a:latin typeface="Cambria Math" panose="02040503050406030204" pitchFamily="18" charset="0"/>
+                            <a:ea typeface="Times New Roman" panose="02020603050405020304" pitchFamily="18" charset="0"/>
+                            <a:cs typeface="Times New Roman" panose="02020603050405020304" pitchFamily="18" charset="0"/>
+                          </a:rPr>
+                          <m:t>∗</m:t>
+                        </m:r>
+                      </m:sup>
+                    </m:sSubSup>
+                  </m:oMath>
+                </a14:m>
+                <a:r>
+                  <a:rPr kumimoji="0" lang="en-GB" sz="1400" b="0" i="0" u="none" strike="noStrike" kern="0" cap="none" spc="0" normalizeH="0" baseline="0" noProof="0" dirty="0">
+                    <a:ln>
+                      <a:noFill/>
+                    </a:ln>
+                    <a:solidFill>
+                      <a:prstClr val="black"/>
+                    </a:solidFill>
+                    <a:effectLst/>
+                    <a:uLnTx/>
+                    <a:uFillTx/>
+                    <a:latin typeface="Palatino Linotype" panose="02040502050505030304" pitchFamily="18" charset="0"/>
+                    <a:ea typeface="+mn-ea"/>
+                    <a:cs typeface="+mn-cs"/>
+                  </a:rPr>
+                  <a:t>, </a:t>
+                </a:r>
+                <a14:m>
+                  <m:oMath xmlns:m="http://schemas.openxmlformats.org/officeDocument/2006/math">
+                    <m:sSubSup>
+                      <m:sSubSupPr>
+                        <m:ctrlPr>
+                          <a:rPr kumimoji="0" lang="en-GB" sz="1400" b="0" i="1" u="none" strike="noStrike" kern="0" cap="none" spc="0" normalizeH="0" baseline="0" noProof="0" smtClean="0">
+                            <a:ln>
+                              <a:noFill/>
+                            </a:ln>
+                            <a:solidFill>
+                              <a:prstClr val="black"/>
+                            </a:solidFill>
+                            <a:effectLst/>
+                            <a:uLnTx/>
+                            <a:uFillTx/>
+                            <a:latin typeface="Cambria Math" panose="02040503050406030204" pitchFamily="18" charset="0"/>
+                            <a:ea typeface="+mn-ea"/>
+                            <a:cs typeface="+mn-cs"/>
+                          </a:rPr>
+                        </m:ctrlPr>
+                      </m:sSubSupPr>
+                      <m:e>
+                        <m:r>
+                          <a:rPr kumimoji="0" lang="en-GB" sz="1400" b="0" i="1" u="none" strike="noStrike" kern="0" cap="none" spc="0" normalizeH="0" baseline="0" noProof="0" smtClean="0">
+                            <a:ln>
+                              <a:noFill/>
+                            </a:ln>
+                            <a:solidFill>
+                              <a:prstClr val="black"/>
+                            </a:solidFill>
+                            <a:effectLst/>
+                            <a:uLnTx/>
+                            <a:uFillTx/>
+                            <a:latin typeface="Cambria Math" panose="02040503050406030204" pitchFamily="18" charset="0"/>
+                            <a:ea typeface="Times New Roman" panose="02020603050405020304" pitchFamily="18" charset="0"/>
+                            <a:cs typeface="Times New Roman" panose="02020603050405020304" pitchFamily="18" charset="0"/>
+                          </a:rPr>
+                          <m:t>𝑓</m:t>
+                        </m:r>
+                      </m:e>
+                      <m:sub>
+                        <m:r>
+                          <a:rPr kumimoji="0" lang="en-GB" sz="1400" b="0" i="1" u="none" strike="noStrike" kern="0" cap="none" spc="0" normalizeH="0" baseline="0" noProof="0" smtClean="0">
+                            <a:ln>
+                              <a:noFill/>
+                            </a:ln>
+                            <a:solidFill>
+                              <a:prstClr val="black"/>
+                            </a:solidFill>
+                            <a:effectLst/>
+                            <a:uLnTx/>
+                            <a:uFillTx/>
+                            <a:latin typeface="Cambria Math" panose="02040503050406030204" pitchFamily="18" charset="0"/>
+                            <a:ea typeface="Times New Roman" panose="02020603050405020304" pitchFamily="18" charset="0"/>
+                            <a:cs typeface="Times New Roman" panose="02020603050405020304" pitchFamily="18" charset="0"/>
+                          </a:rPr>
+                          <m:t>𝑦</m:t>
+                        </m:r>
+                        <m:r>
+                          <a:rPr kumimoji="0" lang="en-GB" sz="1400" b="0" i="1" u="none" strike="noStrike" kern="0" cap="none" spc="0" normalizeH="0" baseline="0" noProof="0" smtClean="0">
+                            <a:ln>
+                              <a:noFill/>
+                            </a:ln>
+                            <a:solidFill>
+                              <a:prstClr val="black"/>
+                            </a:solidFill>
+                            <a:effectLst/>
+                            <a:uLnTx/>
+                            <a:uFillTx/>
+                            <a:latin typeface="Cambria Math" panose="02040503050406030204" pitchFamily="18" charset="0"/>
+                            <a:ea typeface="Times New Roman" panose="02020603050405020304" pitchFamily="18" charset="0"/>
+                            <a:cs typeface="Times New Roman" panose="02020603050405020304" pitchFamily="18" charset="0"/>
+                          </a:rPr>
+                          <m:t>,</m:t>
+                        </m:r>
+                        <m:r>
+                          <a:rPr kumimoji="0" lang="en-GB" sz="1400" b="0" i="1" u="none" strike="noStrike" kern="0" cap="none" spc="0" normalizeH="0" baseline="0" noProof="0" smtClean="0">
+                            <a:ln>
+                              <a:noFill/>
+                            </a:ln>
+                            <a:solidFill>
+                              <a:prstClr val="black"/>
+                            </a:solidFill>
+                            <a:effectLst/>
+                            <a:uLnTx/>
+                            <a:uFillTx/>
+                            <a:latin typeface="Cambria Math" panose="02040503050406030204" pitchFamily="18" charset="0"/>
+                            <a:ea typeface="Times New Roman" panose="02020603050405020304" pitchFamily="18" charset="0"/>
+                            <a:cs typeface="Times New Roman" panose="02020603050405020304" pitchFamily="18" charset="0"/>
+                          </a:rPr>
+                          <m:t>𝑖</m:t>
+                        </m:r>
+                      </m:sub>
+                      <m:sup>
+                        <m:r>
+                          <a:rPr kumimoji="0" lang="en-GB" sz="1400" b="0" i="1" u="none" strike="noStrike" kern="0" cap="none" spc="0" normalizeH="0" baseline="0" noProof="0" smtClean="0">
+                            <a:ln>
+                              <a:noFill/>
+                            </a:ln>
+                            <a:solidFill>
+                              <a:prstClr val="black"/>
+                            </a:solidFill>
+                            <a:effectLst/>
+                            <a:uLnTx/>
+                            <a:uFillTx/>
+                            <a:latin typeface="Cambria Math" panose="02040503050406030204" pitchFamily="18" charset="0"/>
+                            <a:ea typeface="Times New Roman" panose="02020603050405020304" pitchFamily="18" charset="0"/>
+                            <a:cs typeface="Times New Roman" panose="02020603050405020304" pitchFamily="18" charset="0"/>
+                          </a:rPr>
+                          <m:t>∗</m:t>
+                        </m:r>
+                      </m:sup>
+                    </m:sSubSup>
+                  </m:oMath>
+                </a14:m>
+                <a:endParaRPr kumimoji="0" lang="en-GB" sz="1400" b="0" i="0" u="none" strike="noStrike" kern="0" cap="none" spc="0" normalizeH="0" baseline="0" noProof="0" dirty="0">
+                  <a:ln>
+                    <a:noFill/>
+                  </a:ln>
+                  <a:solidFill>
+                    <a:prstClr val="black"/>
+                  </a:solidFill>
+                  <a:effectLst/>
+                  <a:uLnTx/>
+                  <a:uFillTx/>
+                  <a:latin typeface="Palatino Linotype" panose="02040502050505030304" pitchFamily="18" charset="0"/>
+                  <a:ea typeface="+mn-ea"/>
+                  <a:cs typeface="+mn-cs"/>
+                </a:endParaRPr>
+              </a:p>
+            </p:txBody>
+          </p:sp>
+        </mc:Choice>
+        <mc:Fallback>
+          <p:sp>
+            <p:nvSpPr>
+              <p:cNvPr id="53" name="Rectangle: Rounded Corners 52">
+                <a:extLst>
+                  <a:ext uri="{FF2B5EF4-FFF2-40B4-BE49-F238E27FC236}">
+                    <a16:creationId xmlns:a16="http://schemas.microsoft.com/office/drawing/2014/main" id="{29EA902C-A234-18BE-5924-D8718347CCE0}"/>
+                  </a:ext>
+                </a:extLst>
+              </p:cNvPr>
+              <p:cNvSpPr>
+                <a:spLocks noRot="1" noChangeAspect="1" noMove="1" noResize="1" noEditPoints="1" noAdjustHandles="1" noChangeArrowheads="1" noChangeShapeType="1" noTextEdit="1"/>
+              </p:cNvSpPr>
+              <p:nvPr/>
+            </p:nvSpPr>
+            <p:spPr>
+              <a:xfrm>
+                <a:off x="4925698" y="4032501"/>
+                <a:ext cx="2478883" cy="1045972"/>
+              </a:xfrm>
+              <a:prstGeom prst="roundRect">
+                <a:avLst/>
+              </a:prstGeom>
+              <a:blipFill>
+                <a:blip r:embed="rId2"/>
+                <a:stretch>
+                  <a:fillRect/>
+                </a:stretch>
+              </a:blipFill>
+              <a:ln w="28575" cap="flat" cmpd="sng" algn="ctr">
+                <a:solidFill>
+                  <a:srgbClr val="ED7D31">
+                    <a:lumMod val="60000"/>
+                    <a:lumOff val="40000"/>
+                  </a:srgbClr>
+                </a:solidFill>
+                <a:prstDash val="solid"/>
+                <a:miter lim="800000"/>
+              </a:ln>
+              <a:effectLst/>
+            </p:spPr>
+            <p:txBody>
+              <a:bodyPr/>
+              <a:lstStyle/>
+              <a:p>
+                <a:r>
+                  <a:rPr lang="en-GB">
+                    <a:noFill/>
+                  </a:rPr>
+                  <a:t> </a:t>
+                </a:r>
+              </a:p>
+            </p:txBody>
+          </p:sp>
+        </mc:Fallback>
+      </mc:AlternateContent>
+      <mc:AlternateContent xmlns:mc="http://schemas.openxmlformats.org/markup-compatibility/2006">
+        <mc:Choice xmlns:a14="http://schemas.microsoft.com/office/drawing/2010/main" Requires="a14">
+          <p:sp>
+            <p:nvSpPr>
+              <p:cNvPr id="54" name="Rectangle: Rounded Corners 53">
+                <a:extLst>
+                  <a:ext uri="{FF2B5EF4-FFF2-40B4-BE49-F238E27FC236}">
+                    <a16:creationId xmlns:a16="http://schemas.microsoft.com/office/drawing/2014/main" id="{3F08BD2D-2BC7-09A1-8B7F-918850C47A09}"/>
+                  </a:ext>
+                </a:extLst>
+              </p:cNvPr>
+              <p:cNvSpPr/>
+              <p:nvPr/>
+            </p:nvSpPr>
+            <p:spPr>
+              <a:xfrm>
+                <a:off x="4925698" y="1257348"/>
+                <a:ext cx="2478882" cy="1045972"/>
+              </a:xfrm>
+              <a:prstGeom prst="roundRect">
+                <a:avLst/>
+              </a:prstGeom>
+              <a:solidFill>
+                <a:srgbClr val="ED7D31">
+                  <a:lumMod val="20000"/>
+                  <a:lumOff val="80000"/>
+                </a:srgbClr>
+              </a:solidFill>
+              <a:ln w="28575" cap="flat" cmpd="sng" algn="ctr">
+                <a:solidFill>
+                  <a:srgbClr val="ED7D31">
+                    <a:lumMod val="60000"/>
+                    <a:lumOff val="40000"/>
+                  </a:srgbClr>
+                </a:solidFill>
+                <a:prstDash val="solid"/>
+                <a:miter lim="800000"/>
+              </a:ln>
+              <a:effectLst/>
+            </p:spPr>
+            <p:txBody>
+              <a:bodyPr rtlCol="0" anchor="ctr"/>
+              <a:lstStyle/>
+              <a:p>
+                <a:pPr marL="0" marR="0" lvl="0" indent="0" algn="ctr" defTabSz="914400" eaLnBrk="1" fontAlgn="auto" latinLnBrk="0" hangingPunct="1">
+                  <a:lnSpc>
+                    <a:spcPct val="100000"/>
+                  </a:lnSpc>
+                  <a:spcBef>
+                    <a:spcPts val="0"/>
+                  </a:spcBef>
+                  <a:spcAft>
+                    <a:spcPts val="0"/>
+                  </a:spcAft>
+                  <a:buClrTx/>
+                  <a:buSzTx/>
+                  <a:buFontTx/>
+                  <a:buNone/>
+                  <a:tabLst/>
+                  <a:defRPr/>
+                </a:pPr>
+                <a:r>
+                  <a:rPr kumimoji="0" lang="en-GB" sz="1400" b="0" i="0" u="sng" strike="noStrike" kern="0" cap="none" spc="0" normalizeH="0" baseline="0" noProof="0" dirty="0">
+                    <a:ln>
+                      <a:noFill/>
+                    </a:ln>
+                    <a:solidFill>
+                      <a:prstClr val="black"/>
+                    </a:solidFill>
+                    <a:effectLst/>
+                    <a:uLnTx/>
+                    <a:uFillTx/>
+                    <a:latin typeface="Helvetica" panose="020B0604020202020204" pitchFamily="34" charset="0"/>
+                    <a:ea typeface="Times New Roman" panose="02020603050405020304" pitchFamily="18" charset="0"/>
+                    <a:cs typeface="Helvetica" panose="020B0604020202020204" pitchFamily="34" charset="0"/>
+                  </a:rPr>
+                  <a:t>Co-Simulation Data Transfer - Kinematics</a:t>
+                </a:r>
+              </a:p>
+              <a:p>
+                <a:pPr marL="285750" marR="0" lvl="0" indent="-285750" defTabSz="914400" eaLnBrk="1" fontAlgn="auto" latinLnBrk="0" hangingPunct="1">
+                  <a:lnSpc>
+                    <a:spcPct val="100000"/>
+                  </a:lnSpc>
+                  <a:spcBef>
+                    <a:spcPts val="0"/>
+                  </a:spcBef>
+                  <a:spcAft>
+                    <a:spcPts val="0"/>
+                  </a:spcAft>
+                  <a:buClrTx/>
+                  <a:buSzTx/>
+                  <a:buFont typeface="Arial" panose="020B0604020202020204" pitchFamily="34" charset="0"/>
+                  <a:buChar char="•"/>
+                  <a:tabLst/>
+                  <a:defRPr/>
+                </a:pPr>
+                <a:r>
+                  <a:rPr kumimoji="0" lang="en-GB" sz="1400" b="0" i="1" u="none" strike="noStrike" kern="0" cap="none" spc="0" normalizeH="0" baseline="0" noProof="0" dirty="0">
+                    <a:ln>
+                      <a:noFill/>
+                    </a:ln>
+                    <a:solidFill>
+                      <a:prstClr val="black"/>
+                    </a:solidFill>
+                    <a:effectLst/>
+                    <a:uLnTx/>
+                    <a:uFillTx/>
+                    <a:latin typeface="Helvetica" panose="020B0604020202020204" pitchFamily="34" charset="0"/>
+                    <a:ea typeface="+mn-ea"/>
+                    <a:cs typeface="Helvetica" panose="020B0604020202020204" pitchFamily="34" charset="0"/>
+                  </a:rPr>
+                  <a:t>Displacements: </a:t>
+                </a:r>
+                <a14:m>
+                  <m:oMath xmlns:m="http://schemas.openxmlformats.org/officeDocument/2006/math">
+                    <m:r>
+                      <a:rPr kumimoji="0" lang="en-GB" sz="1400" b="0" i="1" u="none" strike="noStrike" kern="0" cap="none" spc="0" normalizeH="0" baseline="0" noProof="0" smtClean="0">
+                        <a:ln>
+                          <a:noFill/>
+                        </a:ln>
+                        <a:solidFill>
+                          <a:prstClr val="black"/>
+                        </a:solidFill>
+                        <a:effectLst/>
+                        <a:uLnTx/>
+                        <a:uFillTx/>
+                        <a:latin typeface="Cambria Math" panose="02040503050406030204" pitchFamily="18" charset="0"/>
+                        <a:ea typeface="Times New Roman" panose="02020603050405020304" pitchFamily="18" charset="0"/>
+                        <a:cs typeface="Times New Roman" panose="02020603050405020304" pitchFamily="18" charset="0"/>
+                      </a:rPr>
+                      <m:t>𝑞</m:t>
+                    </m:r>
+                  </m:oMath>
+                </a14:m>
+                <a:endParaRPr kumimoji="0" lang="en-GB" sz="1400" b="0" i="1" u="none" strike="noStrike" kern="0" cap="none" spc="0" normalizeH="0" baseline="0" noProof="0" dirty="0">
+                  <a:ln>
+                    <a:noFill/>
+                  </a:ln>
+                  <a:solidFill>
+                    <a:prstClr val="black"/>
+                  </a:solidFill>
+                  <a:effectLst/>
+                  <a:uLnTx/>
+                  <a:uFillTx/>
+                  <a:latin typeface="Helvetica" panose="020B0604020202020204" pitchFamily="34" charset="0"/>
+                  <a:ea typeface="Times New Roman" panose="02020603050405020304" pitchFamily="18" charset="0"/>
+                  <a:cs typeface="Helvetica" panose="020B0604020202020204" pitchFamily="34" charset="0"/>
+                </a:endParaRPr>
+              </a:p>
+              <a:p>
+                <a:pPr marL="285750" marR="0" lvl="0" indent="-285750" defTabSz="914400" eaLnBrk="1" fontAlgn="auto" latinLnBrk="0" hangingPunct="1">
+                  <a:lnSpc>
+                    <a:spcPct val="100000"/>
+                  </a:lnSpc>
+                  <a:spcBef>
+                    <a:spcPts val="0"/>
+                  </a:spcBef>
+                  <a:spcAft>
+                    <a:spcPts val="0"/>
+                  </a:spcAft>
+                  <a:buClrTx/>
+                  <a:buSzTx/>
+                  <a:buFont typeface="Arial" panose="020B0604020202020204" pitchFamily="34" charset="0"/>
+                  <a:buChar char="•"/>
+                  <a:tabLst/>
+                  <a:defRPr/>
+                </a:pPr>
+                <a:r>
+                  <a:rPr kumimoji="0" lang="en-GB" sz="1400" b="0" i="1" u="none" strike="noStrike" kern="0" cap="none" spc="0" normalizeH="0" baseline="0" noProof="0" dirty="0">
+                    <a:ln>
+                      <a:noFill/>
+                    </a:ln>
+                    <a:solidFill>
+                      <a:prstClr val="black"/>
+                    </a:solidFill>
+                    <a:effectLst/>
+                    <a:uLnTx/>
+                    <a:uFillTx/>
+                    <a:latin typeface="Helvetica" panose="020B0604020202020204" pitchFamily="34" charset="0"/>
+                    <a:ea typeface="+mn-ea"/>
+                    <a:cs typeface="Helvetica" panose="020B0604020202020204" pitchFamily="34" charset="0"/>
+                  </a:rPr>
+                  <a:t>Velocities: </a:t>
+                </a:r>
+                <a14:m>
+                  <m:oMath xmlns:m="http://schemas.openxmlformats.org/officeDocument/2006/math">
+                    <m:acc>
+                      <m:accPr>
+                        <m:chr m:val="̇"/>
+                        <m:ctrlPr>
+                          <a:rPr kumimoji="0" lang="en-GB" sz="1400" b="0" i="1" u="none" strike="noStrike" kern="0" cap="none" spc="0" normalizeH="0" baseline="0" noProof="0" smtClean="0">
+                            <a:ln>
+                              <a:noFill/>
+                            </a:ln>
+                            <a:solidFill>
+                              <a:prstClr val="black"/>
+                            </a:solidFill>
+                            <a:effectLst/>
+                            <a:uLnTx/>
+                            <a:uFillTx/>
+                            <a:latin typeface="Cambria Math" panose="02040503050406030204" pitchFamily="18" charset="0"/>
+                            <a:ea typeface="+mn-ea"/>
+                            <a:cs typeface="+mn-cs"/>
+                          </a:rPr>
+                        </m:ctrlPr>
+                      </m:accPr>
+                      <m:e>
+                        <m:r>
+                          <a:rPr kumimoji="0" lang="en-GB" sz="1400" b="0" i="1" u="none" strike="noStrike" kern="0" cap="none" spc="0" normalizeH="0" baseline="0" noProof="0" smtClean="0">
+                            <a:ln>
+                              <a:noFill/>
+                            </a:ln>
+                            <a:solidFill>
+                              <a:prstClr val="black"/>
+                            </a:solidFill>
+                            <a:effectLst/>
+                            <a:uLnTx/>
+                            <a:uFillTx/>
+                            <a:latin typeface="Cambria Math" panose="02040503050406030204" pitchFamily="18" charset="0"/>
+                            <a:ea typeface="Times New Roman" panose="02020603050405020304" pitchFamily="18" charset="0"/>
+                            <a:cs typeface="Times New Roman" panose="02020603050405020304" pitchFamily="18" charset="0"/>
+                          </a:rPr>
+                          <m:t>𝑞</m:t>
+                        </m:r>
+                      </m:e>
+                    </m:acc>
+                  </m:oMath>
+                </a14:m>
+                <a:endParaRPr kumimoji="0" lang="en-GB" sz="1400" b="0" i="0" u="none" strike="noStrike" kern="0" cap="none" spc="0" normalizeH="0" baseline="0" noProof="0" dirty="0">
+                  <a:ln>
+                    <a:noFill/>
+                  </a:ln>
+                  <a:solidFill>
+                    <a:prstClr val="black"/>
+                  </a:solidFill>
+                  <a:effectLst/>
+                  <a:uLnTx/>
+                  <a:uFillTx/>
+                  <a:latin typeface="Helvetica" panose="020B0604020202020204" pitchFamily="34" charset="0"/>
+                  <a:ea typeface="+mn-ea"/>
+                  <a:cs typeface="Helvetica" panose="020B0604020202020204" pitchFamily="34" charset="0"/>
+                </a:endParaRPr>
+              </a:p>
+            </p:txBody>
+          </p:sp>
+        </mc:Choice>
+        <mc:Fallback>
+          <p:sp>
+            <p:nvSpPr>
+              <p:cNvPr id="54" name="Rectangle: Rounded Corners 53">
+                <a:extLst>
+                  <a:ext uri="{FF2B5EF4-FFF2-40B4-BE49-F238E27FC236}">
+                    <a16:creationId xmlns:a16="http://schemas.microsoft.com/office/drawing/2014/main" id="{3F08BD2D-2BC7-09A1-8B7F-918850C47A09}"/>
+                  </a:ext>
+                </a:extLst>
+              </p:cNvPr>
+              <p:cNvSpPr>
+                <a:spLocks noRot="1" noChangeAspect="1" noMove="1" noResize="1" noEditPoints="1" noAdjustHandles="1" noChangeArrowheads="1" noChangeShapeType="1" noTextEdit="1"/>
+              </p:cNvSpPr>
+              <p:nvPr/>
+            </p:nvSpPr>
+            <p:spPr>
+              <a:xfrm>
+                <a:off x="4925698" y="1257348"/>
+                <a:ext cx="2478882" cy="1045972"/>
+              </a:xfrm>
+              <a:prstGeom prst="roundRect">
+                <a:avLst/>
+              </a:prstGeom>
+              <a:blipFill>
+                <a:blip r:embed="rId3"/>
+                <a:stretch>
+                  <a:fillRect/>
+                </a:stretch>
+              </a:blipFill>
+              <a:ln w="28575" cap="flat" cmpd="sng" algn="ctr">
+                <a:solidFill>
+                  <a:srgbClr val="ED7D31">
+                    <a:lumMod val="60000"/>
+                    <a:lumOff val="40000"/>
+                  </a:srgbClr>
+                </a:solidFill>
+                <a:prstDash val="solid"/>
+                <a:miter lim="800000"/>
+              </a:ln>
+              <a:effectLst/>
+            </p:spPr>
+            <p:txBody>
+              <a:bodyPr/>
+              <a:lstStyle/>
+              <a:p>
+                <a:r>
+                  <a:rPr lang="en-GB">
+                    <a:noFill/>
+                  </a:rPr>
+                  <a:t> </a:t>
+                </a:r>
+              </a:p>
+            </p:txBody>
+          </p:sp>
+        </mc:Fallback>
+      </mc:AlternateContent>
+      <p:sp>
+        <p:nvSpPr>
+          <p:cNvPr id="55" name="Rectangle: Rounded Corners 54">
+            <a:extLst>
+              <a:ext uri="{FF2B5EF4-FFF2-40B4-BE49-F238E27FC236}">
+                <a16:creationId xmlns:a16="http://schemas.microsoft.com/office/drawing/2014/main" id="{D6546C86-663E-F69A-E880-963DFB184A23}"/>
+              </a:ext>
+            </a:extLst>
+          </p:cNvPr>
+          <p:cNvSpPr/>
+          <p:nvPr/>
+        </p:nvSpPr>
+        <p:spPr>
+          <a:xfrm>
+            <a:off x="6658548" y="2433962"/>
+            <a:ext cx="2637447" cy="1397060"/>
+          </a:xfrm>
+          <a:prstGeom prst="roundRect">
+            <a:avLst/>
+          </a:prstGeom>
+          <a:solidFill>
+            <a:srgbClr val="4472C4">
+              <a:lumMod val="20000"/>
+              <a:lumOff val="80000"/>
+            </a:srgbClr>
+          </a:solidFill>
+          <a:ln w="28575" cap="flat" cmpd="sng" algn="ctr">
+            <a:solidFill>
+              <a:srgbClr val="0070C0"/>
+            </a:solidFill>
+            <a:prstDash val="solid"/>
+            <a:miter lim="800000"/>
+          </a:ln>
+          <a:effectLst/>
+        </p:spPr>
+        <p:txBody>
+          <a:bodyPr rtlCol="0" anchor="ctr"/>
+          <a:lstStyle/>
+          <a:p>
+            <a:pPr marL="0" marR="0" lvl="0" indent="0" algn="ctr" defTabSz="914400" eaLnBrk="1" fontAlgn="auto" latinLnBrk="0" hangingPunct="1">
+              <a:lnSpc>
+                <a:spcPct val="100000"/>
+              </a:lnSpc>
+              <a:spcBef>
+                <a:spcPts val="0"/>
+              </a:spcBef>
+              <a:spcAft>
+                <a:spcPts val="0"/>
+              </a:spcAft>
+              <a:buClrTx/>
+              <a:buSzTx/>
+              <a:buFontTx/>
+              <a:buNone/>
+              <a:tabLst/>
+              <a:defRPr/>
+            </a:pPr>
+            <a:r>
+              <a:rPr kumimoji="0" lang="en-GB" sz="1400" b="0" i="0" u="sng" strike="noStrike" kern="0" cap="none" spc="0" normalizeH="0" baseline="0" noProof="0" dirty="0">
+                <a:ln>
+                  <a:noFill/>
+                </a:ln>
+                <a:solidFill>
+                  <a:prstClr val="black"/>
+                </a:solidFill>
+                <a:effectLst/>
+                <a:uLnTx/>
+                <a:uFillTx/>
+                <a:latin typeface="Helvetica" panose="020B0604020202020204" pitchFamily="34" charset="0"/>
+                <a:ea typeface="+mn-ea"/>
+                <a:cs typeface="Helvetica" panose="020B0604020202020204" pitchFamily="34" charset="0"/>
+              </a:rPr>
+              <a:t>Lubricated Component Level Bearing Model: </a:t>
+            </a:r>
+            <a:r>
+              <a:rPr kumimoji="0" lang="en-GB" sz="1400" b="0" i="1" u="none" strike="noStrike" kern="0" cap="none" spc="0" normalizeH="0" baseline="0" noProof="0" dirty="0">
+                <a:ln>
+                  <a:noFill/>
+                </a:ln>
+                <a:solidFill>
+                  <a:prstClr val="black"/>
+                </a:solidFill>
+                <a:effectLst/>
+                <a:uLnTx/>
+                <a:uFillTx/>
+                <a:latin typeface="Helvetica" panose="020B0604020202020204" pitchFamily="34" charset="0"/>
+                <a:ea typeface="+mn-ea"/>
+                <a:cs typeface="Helvetica" panose="020B0604020202020204" pitchFamily="34" charset="0"/>
+              </a:rPr>
+              <a:t>MATLAB/Simulink</a:t>
+            </a:r>
+          </a:p>
+          <a:p>
+            <a:pPr marL="0" marR="0" lvl="0" indent="0" algn="ctr" defTabSz="914400" eaLnBrk="1" fontAlgn="auto" latinLnBrk="0" hangingPunct="1">
+              <a:lnSpc>
+                <a:spcPct val="100000"/>
+              </a:lnSpc>
+              <a:spcBef>
+                <a:spcPts val="0"/>
+              </a:spcBef>
+              <a:spcAft>
+                <a:spcPts val="0"/>
+              </a:spcAft>
+              <a:buClrTx/>
+              <a:buSzTx/>
+              <a:buFontTx/>
+              <a:buNone/>
+              <a:tabLst/>
+              <a:defRPr/>
+            </a:pPr>
+            <a:endParaRPr kumimoji="0" lang="en-GB" sz="1400" b="0" i="0" u="sng" strike="noStrike" kern="0" cap="none" spc="0" normalizeH="0" baseline="0" noProof="0" dirty="0">
+              <a:ln>
+                <a:noFill/>
+              </a:ln>
+              <a:solidFill>
+                <a:prstClr val="black"/>
+              </a:solidFill>
+              <a:effectLst/>
+              <a:uLnTx/>
+              <a:uFillTx/>
+              <a:latin typeface="Helvetica" panose="020B0604020202020204" pitchFamily="34" charset="0"/>
+              <a:ea typeface="+mn-ea"/>
+              <a:cs typeface="Helvetica" panose="020B0604020202020204" pitchFamily="34" charset="0"/>
+            </a:endParaRPr>
+          </a:p>
+          <a:p>
+            <a:pPr marL="285750" marR="0" lvl="0" indent="-285750" defTabSz="914400" eaLnBrk="1" fontAlgn="auto" latinLnBrk="0" hangingPunct="1">
+              <a:lnSpc>
+                <a:spcPct val="100000"/>
+              </a:lnSpc>
+              <a:spcBef>
+                <a:spcPts val="0"/>
+              </a:spcBef>
+              <a:spcAft>
+                <a:spcPts val="0"/>
+              </a:spcAft>
+              <a:buClrTx/>
+              <a:buSzTx/>
+              <a:buFont typeface="Arial" panose="020B0604020202020204" pitchFamily="34" charset="0"/>
+              <a:buChar char="•"/>
+              <a:tabLst/>
+              <a:defRPr/>
+            </a:pPr>
+            <a:r>
+              <a:rPr kumimoji="0" lang="en-GB" sz="1400" b="0" i="0" u="none" strike="noStrike" kern="0" cap="none" spc="0" normalizeH="0" baseline="0" noProof="0" dirty="0">
+                <a:ln>
+                  <a:noFill/>
+                </a:ln>
+                <a:solidFill>
+                  <a:prstClr val="black"/>
+                </a:solidFill>
+                <a:effectLst/>
+                <a:uLnTx/>
+                <a:uFillTx/>
+                <a:latin typeface="Helvetica" panose="020B0604020202020204" pitchFamily="34" charset="0"/>
+                <a:ea typeface="+mn-ea"/>
+                <a:cs typeface="Helvetica" panose="020B0604020202020204" pitchFamily="34" charset="0"/>
+              </a:rPr>
+              <a:t>Lubricated Contact Mechanics</a:t>
+            </a:r>
+          </a:p>
+        </p:txBody>
+      </p:sp>
+      <p:cxnSp>
+        <p:nvCxnSpPr>
+          <p:cNvPr id="56" name="Connector: Elbow 55">
+            <a:extLst>
+              <a:ext uri="{FF2B5EF4-FFF2-40B4-BE49-F238E27FC236}">
+                <a16:creationId xmlns:a16="http://schemas.microsoft.com/office/drawing/2014/main" id="{CC2B1F97-8935-25A4-6106-85C969900093}"/>
+              </a:ext>
+            </a:extLst>
+          </p:cNvPr>
+          <p:cNvCxnSpPr>
+            <a:cxnSpLocks/>
+            <a:stCxn id="52" idx="0"/>
+            <a:endCxn id="54" idx="1"/>
+          </p:cNvCxnSpPr>
+          <p:nvPr/>
+        </p:nvCxnSpPr>
+        <p:spPr>
+          <a:xfrm rot="5400000" flipH="1" flipV="1">
+            <a:off x="4260088" y="1773026"/>
+            <a:ext cx="658301" cy="672919"/>
+          </a:xfrm>
+          <a:prstGeom prst="bentConnector2">
+            <a:avLst/>
+          </a:prstGeom>
+          <a:noFill/>
+          <a:ln w="57150" cap="flat" cmpd="sng" algn="ctr">
+            <a:solidFill>
+              <a:sysClr val="windowText" lastClr="000000"/>
+            </a:solidFill>
+            <a:prstDash val="solid"/>
+            <a:miter lim="800000"/>
+            <a:tailEnd type="triangle"/>
+          </a:ln>
+          <a:effectLst/>
+        </p:spPr>
+      </p:cxnSp>
+      <p:cxnSp>
+        <p:nvCxnSpPr>
+          <p:cNvPr id="57" name="Connector: Elbow 56">
+            <a:extLst>
+              <a:ext uri="{FF2B5EF4-FFF2-40B4-BE49-F238E27FC236}">
+                <a16:creationId xmlns:a16="http://schemas.microsoft.com/office/drawing/2014/main" id="{CE152E44-807B-6152-280F-D36C4CB3D20A}"/>
+              </a:ext>
+            </a:extLst>
+          </p:cNvPr>
+          <p:cNvCxnSpPr>
+            <a:cxnSpLocks/>
+            <a:stCxn id="54" idx="3"/>
+            <a:endCxn id="55" idx="0"/>
+          </p:cNvCxnSpPr>
+          <p:nvPr/>
+        </p:nvCxnSpPr>
+        <p:spPr>
+          <a:xfrm>
+            <a:off x="7404580" y="1780334"/>
+            <a:ext cx="572692" cy="653628"/>
+          </a:xfrm>
+          <a:prstGeom prst="bentConnector2">
+            <a:avLst/>
+          </a:prstGeom>
+          <a:noFill/>
+          <a:ln w="57150" cap="flat" cmpd="sng" algn="ctr">
+            <a:solidFill>
+              <a:sysClr val="windowText" lastClr="000000"/>
+            </a:solidFill>
+            <a:prstDash val="solid"/>
+            <a:miter lim="800000"/>
+            <a:tailEnd type="triangle"/>
+          </a:ln>
+          <a:effectLst/>
+        </p:spPr>
+      </p:cxnSp>
+      <p:cxnSp>
+        <p:nvCxnSpPr>
+          <p:cNvPr id="58" name="Connector: Elbow 57">
+            <a:extLst>
+              <a:ext uri="{FF2B5EF4-FFF2-40B4-BE49-F238E27FC236}">
+                <a16:creationId xmlns:a16="http://schemas.microsoft.com/office/drawing/2014/main" id="{B36689FC-4181-712C-A569-5C4E7427D658}"/>
+              </a:ext>
+            </a:extLst>
+          </p:cNvPr>
+          <p:cNvCxnSpPr>
+            <a:cxnSpLocks/>
+            <a:stCxn id="55" idx="2"/>
+            <a:endCxn id="53" idx="3"/>
+          </p:cNvCxnSpPr>
+          <p:nvPr/>
+        </p:nvCxnSpPr>
+        <p:spPr>
+          <a:xfrm rot="5400000">
+            <a:off x="7328695" y="3906909"/>
+            <a:ext cx="724465" cy="572691"/>
+          </a:xfrm>
+          <a:prstGeom prst="bentConnector2">
+            <a:avLst/>
+          </a:prstGeom>
+          <a:noFill/>
+          <a:ln w="57150" cap="flat" cmpd="sng" algn="ctr">
+            <a:solidFill>
+              <a:sysClr val="windowText" lastClr="000000"/>
+            </a:solidFill>
+            <a:prstDash val="solid"/>
+            <a:miter lim="800000"/>
+            <a:tailEnd type="triangle"/>
+          </a:ln>
+          <a:effectLst/>
+        </p:spPr>
+      </p:cxnSp>
+      <p:cxnSp>
+        <p:nvCxnSpPr>
+          <p:cNvPr id="59" name="Connector: Elbow 58">
+            <a:extLst>
+              <a:ext uri="{FF2B5EF4-FFF2-40B4-BE49-F238E27FC236}">
+                <a16:creationId xmlns:a16="http://schemas.microsoft.com/office/drawing/2014/main" id="{054AD2FD-A91E-67A6-10E2-E16B4A6AA574}"/>
+              </a:ext>
+            </a:extLst>
+          </p:cNvPr>
+          <p:cNvCxnSpPr>
+            <a:cxnSpLocks/>
+            <a:stCxn id="53" idx="1"/>
+            <a:endCxn id="52" idx="2"/>
+          </p:cNvCxnSpPr>
+          <p:nvPr/>
+        </p:nvCxnSpPr>
+        <p:spPr>
+          <a:xfrm rot="10800000">
+            <a:off x="4252780" y="3831023"/>
+            <a:ext cx="672919" cy="724465"/>
+          </a:xfrm>
+          <a:prstGeom prst="bentConnector2">
+            <a:avLst/>
+          </a:prstGeom>
+          <a:noFill/>
+          <a:ln w="57150" cap="flat" cmpd="sng" algn="ctr">
+            <a:solidFill>
+              <a:sysClr val="windowText" lastClr="000000"/>
+            </a:solidFill>
+            <a:prstDash val="solid"/>
+            <a:miter lim="800000"/>
+            <a:tailEnd type="triangle"/>
+          </a:ln>
+          <a:effectLst/>
+        </p:spPr>
+      </p:cxnSp>
+      <mc:AlternateContent xmlns:mc="http://schemas.openxmlformats.org/markup-compatibility/2006">
+        <mc:Choice xmlns:a14="http://schemas.microsoft.com/office/drawing/2010/main" Requires="a14">
+          <p:sp>
+            <p:nvSpPr>
+              <p:cNvPr id="60" name="Rectangle: Rounded Corners 59">
+                <a:extLst>
+                  <a:ext uri="{FF2B5EF4-FFF2-40B4-BE49-F238E27FC236}">
+                    <a16:creationId xmlns:a16="http://schemas.microsoft.com/office/drawing/2014/main" id="{EA491710-4380-9FE6-773B-97A386AF1666}"/>
+                  </a:ext>
+                </a:extLst>
+              </p:cNvPr>
+              <p:cNvSpPr/>
+              <p:nvPr/>
+            </p:nvSpPr>
+            <p:spPr>
+              <a:xfrm>
+                <a:off x="931955" y="727676"/>
+                <a:ext cx="2865854" cy="1045972"/>
+              </a:xfrm>
+              <a:prstGeom prst="roundRect">
+                <a:avLst/>
+              </a:prstGeom>
+              <a:solidFill>
+                <a:srgbClr val="FFC000">
+                  <a:lumMod val="20000"/>
+                  <a:lumOff val="80000"/>
+                </a:srgbClr>
+              </a:solidFill>
+              <a:ln w="28575" cap="flat" cmpd="sng" algn="ctr">
+                <a:solidFill>
+                  <a:srgbClr val="FFC000"/>
+                </a:solidFill>
+                <a:prstDash val="solid"/>
+                <a:miter lim="800000"/>
+              </a:ln>
+              <a:effectLst/>
+            </p:spPr>
+            <p:txBody>
+              <a:bodyPr rtlCol="0" anchor="ctr"/>
+              <a:lstStyle/>
+              <a:p>
+                <a:pPr marL="0" marR="0" lvl="0" indent="0" algn="ctr" defTabSz="914400" eaLnBrk="1" fontAlgn="auto" latinLnBrk="0" hangingPunct="1">
+                  <a:lnSpc>
+                    <a:spcPct val="100000"/>
+                  </a:lnSpc>
+                  <a:spcBef>
+                    <a:spcPts val="0"/>
+                  </a:spcBef>
+                  <a:spcAft>
+                    <a:spcPts val="0"/>
+                  </a:spcAft>
+                  <a:buClrTx/>
+                  <a:buSzTx/>
+                  <a:buFontTx/>
+                  <a:buNone/>
+                  <a:tabLst/>
+                  <a:defRPr/>
+                </a:pPr>
+                <a:r>
+                  <a:rPr kumimoji="0" lang="en-GB" sz="1400" b="0" i="0" u="sng" strike="noStrike" kern="0" cap="none" spc="0" normalizeH="0" baseline="0" noProof="0" dirty="0">
+                    <a:ln>
+                      <a:noFill/>
+                    </a:ln>
+                    <a:solidFill>
+                      <a:prstClr val="black"/>
+                    </a:solidFill>
+                    <a:effectLst/>
+                    <a:uLnTx/>
+                    <a:uFillTx/>
+                    <a:latin typeface="Helvetica" panose="020B0604020202020204" pitchFamily="34" charset="0"/>
+                    <a:ea typeface="+mn-ea"/>
+                    <a:cs typeface="Helvetica" panose="020B0604020202020204" pitchFamily="34" charset="0"/>
+                  </a:rPr>
+                  <a:t>System Level Inputs</a:t>
+                </a:r>
+              </a:p>
+              <a:p>
+                <a:pPr marL="285750" marR="0" lvl="0" indent="-285750" defTabSz="914400" eaLnBrk="1" fontAlgn="auto" latinLnBrk="0" hangingPunct="1">
+                  <a:lnSpc>
+                    <a:spcPct val="100000"/>
+                  </a:lnSpc>
+                  <a:spcBef>
+                    <a:spcPts val="0"/>
+                  </a:spcBef>
+                  <a:spcAft>
+                    <a:spcPts val="0"/>
+                  </a:spcAft>
+                  <a:buClrTx/>
+                  <a:buSzTx/>
+                  <a:buFont typeface="Arial" panose="020B0604020202020204" pitchFamily="34" charset="0"/>
+                  <a:buChar char="•"/>
+                  <a:tabLst/>
+                  <a:defRPr/>
+                </a:pPr>
+                <a:r>
+                  <a:rPr kumimoji="0" lang="en-GB" sz="1400" b="0" i="1" u="none" strike="noStrike" kern="0" cap="none" spc="0" normalizeH="0" baseline="0" noProof="0" dirty="0">
+                    <a:ln>
+                      <a:noFill/>
+                    </a:ln>
+                    <a:solidFill>
+                      <a:prstClr val="black"/>
+                    </a:solidFill>
+                    <a:effectLst/>
+                    <a:uLnTx/>
+                    <a:uFillTx/>
+                    <a:latin typeface="Helvetica" panose="020B0604020202020204" pitchFamily="34" charset="0"/>
+                    <a:ea typeface="+mn-ea"/>
+                    <a:cs typeface="Helvetica" panose="020B0604020202020204" pitchFamily="34" charset="0"/>
+                  </a:rPr>
+                  <a:t>Time-domain forces</a:t>
+                </a:r>
+                <a14:m>
+                  <m:oMath xmlns:m="http://schemas.openxmlformats.org/officeDocument/2006/math">
+                    <m:r>
+                      <a:rPr kumimoji="0" lang="de-AT" sz="1400" b="0" i="1" u="none" strike="noStrike" kern="0" cap="none" spc="0" normalizeH="0" baseline="0" noProof="0" smtClean="0">
+                        <a:ln>
+                          <a:noFill/>
+                        </a:ln>
+                        <a:solidFill>
+                          <a:prstClr val="black"/>
+                        </a:solidFill>
+                        <a:effectLst/>
+                        <a:uLnTx/>
+                        <a:uFillTx/>
+                        <a:latin typeface="Cambria Math" panose="02040503050406030204" pitchFamily="18" charset="0"/>
+                        <a:ea typeface="+mn-ea"/>
+                        <a:cs typeface="+mn-cs"/>
+                      </a:rPr>
+                      <m:t>: </m:t>
+                    </m:r>
+                    <m:sSup>
+                      <m:sSupPr>
+                        <m:ctrlPr>
+                          <a:rPr kumimoji="0" lang="en-GB" sz="1400" b="0" i="1" u="none" strike="noStrike" kern="0" cap="none" spc="0" normalizeH="0" baseline="0" noProof="0" smtClean="0">
+                            <a:ln>
+                              <a:noFill/>
+                            </a:ln>
+                            <a:solidFill>
+                              <a:prstClr val="black"/>
+                            </a:solidFill>
+                            <a:effectLst/>
+                            <a:uLnTx/>
+                            <a:uFillTx/>
+                            <a:latin typeface="Cambria Math" panose="02040503050406030204" pitchFamily="18" charset="0"/>
+                            <a:ea typeface="+mn-ea"/>
+                            <a:cs typeface="+mn-cs"/>
+                          </a:rPr>
+                        </m:ctrlPr>
+                      </m:sSupPr>
+                      <m:e>
+                        <m:r>
+                          <a:rPr kumimoji="0" lang="en-GB" sz="1400" b="0" i="1" u="none" strike="noStrike" kern="0" cap="none" spc="0" normalizeH="0" baseline="0" noProof="0" smtClean="0">
+                            <a:ln>
+                              <a:noFill/>
+                            </a:ln>
+                            <a:solidFill>
+                              <a:prstClr val="black"/>
+                            </a:solidFill>
+                            <a:effectLst/>
+                            <a:uLnTx/>
+                            <a:uFillTx/>
+                            <a:latin typeface="Cambria Math" panose="02040503050406030204" pitchFamily="18" charset="0"/>
+                            <a:ea typeface="Times New Roman" panose="02020603050405020304" pitchFamily="18" charset="0"/>
+                            <a:cs typeface="Times New Roman" panose="02020603050405020304" pitchFamily="18" charset="0"/>
+                          </a:rPr>
+                          <m:t>𝑓</m:t>
+                        </m:r>
+                      </m:e>
+                      <m:sup>
+                        <m:r>
+                          <a:rPr kumimoji="0" lang="en-GB" sz="1400" b="0" i="1" u="none" strike="noStrike" kern="0" cap="none" spc="0" normalizeH="0" baseline="0" noProof="0" smtClean="0">
+                            <a:ln>
+                              <a:noFill/>
+                            </a:ln>
+                            <a:solidFill>
+                              <a:prstClr val="black"/>
+                            </a:solidFill>
+                            <a:effectLst/>
+                            <a:uLnTx/>
+                            <a:uFillTx/>
+                            <a:latin typeface="Cambria Math" panose="02040503050406030204" pitchFamily="18" charset="0"/>
+                            <a:ea typeface="Times New Roman" panose="02020603050405020304" pitchFamily="18" charset="0"/>
+                            <a:cs typeface="Times New Roman" panose="02020603050405020304" pitchFamily="18" charset="0"/>
+                          </a:rPr>
+                          <m:t>𝑎</m:t>
+                        </m:r>
+                      </m:sup>
+                    </m:sSup>
+                  </m:oMath>
+                </a14:m>
+                <a:endParaRPr kumimoji="0" lang="en-GB" sz="1400" b="0" i="1" u="none" strike="noStrike" kern="0" cap="none" spc="0" normalizeH="0" baseline="0" noProof="0" dirty="0">
+                  <a:ln>
+                    <a:noFill/>
+                  </a:ln>
+                  <a:solidFill>
+                    <a:prstClr val="black"/>
+                  </a:solidFill>
+                  <a:effectLst/>
+                  <a:uLnTx/>
+                  <a:uFillTx/>
+                  <a:latin typeface="Helvetica" panose="020B0604020202020204" pitchFamily="34" charset="0"/>
+                  <a:ea typeface="+mn-ea"/>
+                  <a:cs typeface="Helvetica" panose="020B0604020202020204" pitchFamily="34" charset="0"/>
+                </a:endParaRPr>
+              </a:p>
+            </p:txBody>
+          </p:sp>
+        </mc:Choice>
+        <mc:Fallback>
+          <p:sp>
+            <p:nvSpPr>
+              <p:cNvPr id="60" name="Rectangle: Rounded Corners 59">
+                <a:extLst>
+                  <a:ext uri="{FF2B5EF4-FFF2-40B4-BE49-F238E27FC236}">
+                    <a16:creationId xmlns:a16="http://schemas.microsoft.com/office/drawing/2014/main" id="{EA491710-4380-9FE6-773B-97A386AF1666}"/>
+                  </a:ext>
+                </a:extLst>
+              </p:cNvPr>
+              <p:cNvSpPr>
+                <a:spLocks noRot="1" noChangeAspect="1" noMove="1" noResize="1" noEditPoints="1" noAdjustHandles="1" noChangeArrowheads="1" noChangeShapeType="1" noTextEdit="1"/>
+              </p:cNvSpPr>
+              <p:nvPr/>
+            </p:nvSpPr>
+            <p:spPr>
+              <a:xfrm>
+                <a:off x="931955" y="727676"/>
+                <a:ext cx="2865854" cy="1045972"/>
+              </a:xfrm>
+              <a:prstGeom prst="roundRect">
+                <a:avLst/>
+              </a:prstGeom>
+              <a:blipFill>
+                <a:blip r:embed="rId4"/>
+                <a:stretch>
+                  <a:fillRect/>
+                </a:stretch>
+              </a:blipFill>
+              <a:ln w="28575" cap="flat" cmpd="sng" algn="ctr">
+                <a:solidFill>
+                  <a:srgbClr val="FFC000"/>
+                </a:solidFill>
+                <a:prstDash val="solid"/>
+                <a:miter lim="800000"/>
+              </a:ln>
+              <a:effectLst/>
+            </p:spPr>
+            <p:txBody>
+              <a:bodyPr/>
+              <a:lstStyle/>
+              <a:p>
+                <a:r>
+                  <a:rPr lang="en-GB">
+                    <a:noFill/>
+                  </a:rPr>
+                  <a:t> </a:t>
+                </a:r>
+              </a:p>
+            </p:txBody>
+          </p:sp>
+        </mc:Fallback>
+      </mc:AlternateContent>
+      <mc:AlternateContent xmlns:mc="http://schemas.openxmlformats.org/markup-compatibility/2006">
+        <mc:Choice xmlns:a14="http://schemas.microsoft.com/office/drawing/2010/main" Requires="a14">
+          <p:sp>
+            <p:nvSpPr>
+              <p:cNvPr id="61" name="Rectangle: Rounded Corners 60">
+                <a:extLst>
+                  <a:ext uri="{FF2B5EF4-FFF2-40B4-BE49-F238E27FC236}">
+                    <a16:creationId xmlns:a16="http://schemas.microsoft.com/office/drawing/2014/main" id="{5E04421A-F383-0537-20B1-9019DB39F578}"/>
+                  </a:ext>
+                </a:extLst>
+              </p:cNvPr>
+              <p:cNvSpPr/>
+              <p:nvPr/>
+            </p:nvSpPr>
+            <p:spPr>
+              <a:xfrm>
+                <a:off x="1103769" y="4434879"/>
+                <a:ext cx="2865854" cy="1397060"/>
+              </a:xfrm>
+              <a:prstGeom prst="roundRect">
+                <a:avLst/>
+              </a:prstGeom>
+              <a:solidFill>
+                <a:srgbClr val="70AD47">
+                  <a:lumMod val="20000"/>
+                  <a:lumOff val="80000"/>
+                </a:srgbClr>
+              </a:solidFill>
+              <a:ln w="28575" cap="flat" cmpd="sng" algn="ctr">
+                <a:solidFill>
+                  <a:srgbClr val="70AD47">
+                    <a:lumMod val="75000"/>
+                  </a:srgbClr>
+                </a:solidFill>
+                <a:prstDash val="solid"/>
+                <a:miter lim="800000"/>
+              </a:ln>
+              <a:effectLst/>
+            </p:spPr>
+            <p:txBody>
+              <a:bodyPr rtlCol="0" anchor="ctr"/>
+              <a:lstStyle/>
+              <a:p>
+                <a:pPr marL="0" marR="0" lvl="0" indent="0" algn="ctr" defTabSz="914400" eaLnBrk="1" fontAlgn="auto" latinLnBrk="0" hangingPunct="1">
+                  <a:lnSpc>
+                    <a:spcPct val="100000"/>
+                  </a:lnSpc>
+                  <a:spcBef>
+                    <a:spcPts val="0"/>
+                  </a:spcBef>
+                  <a:spcAft>
+                    <a:spcPts val="0"/>
+                  </a:spcAft>
+                  <a:buClrTx/>
+                  <a:buSzTx/>
+                  <a:buFontTx/>
+                  <a:buNone/>
+                  <a:tabLst/>
+                  <a:defRPr/>
+                </a:pPr>
+                <a:r>
+                  <a:rPr kumimoji="0" lang="en-GB" sz="1400" b="0" i="0" u="sng" strike="noStrike" kern="0" cap="none" spc="0" normalizeH="0" baseline="0" noProof="0" dirty="0">
+                    <a:ln>
+                      <a:noFill/>
+                    </a:ln>
+                    <a:solidFill>
+                      <a:prstClr val="black"/>
+                    </a:solidFill>
+                    <a:effectLst/>
+                    <a:uLnTx/>
+                    <a:uFillTx/>
+                    <a:latin typeface="Palatino Linotype" panose="02040502050505030304" pitchFamily="18" charset="0"/>
+                    <a:ea typeface="+mn-ea"/>
+                    <a:cs typeface="Times New Roman" panose="02020603050405020304" pitchFamily="18" charset="0"/>
+                  </a:rPr>
+                  <a:t>System Level Outputs</a:t>
+                </a:r>
+              </a:p>
+              <a:p>
+                <a:pPr marL="285750" marR="0" lvl="0" indent="-285750" defTabSz="914400" eaLnBrk="1" fontAlgn="auto" latinLnBrk="0" hangingPunct="1">
+                  <a:lnSpc>
+                    <a:spcPct val="100000"/>
+                  </a:lnSpc>
+                  <a:spcBef>
+                    <a:spcPts val="0"/>
+                  </a:spcBef>
+                  <a:spcAft>
+                    <a:spcPts val="0"/>
+                  </a:spcAft>
+                  <a:buClrTx/>
+                  <a:buSzTx/>
+                  <a:buFont typeface="Arial" panose="020B0604020202020204" pitchFamily="34" charset="0"/>
+                  <a:buChar char="•"/>
+                  <a:tabLst/>
+                  <a:defRPr/>
+                </a:pPr>
+                <a:r>
+                  <a:rPr kumimoji="0" lang="en-GB" sz="1400" b="0" i="1" u="none" strike="noStrike" kern="0" cap="none" spc="0" normalizeH="0" baseline="0" noProof="0" dirty="0">
+                    <a:ln>
+                      <a:noFill/>
+                    </a:ln>
+                    <a:solidFill>
+                      <a:prstClr val="black"/>
+                    </a:solidFill>
+                    <a:effectLst/>
+                    <a:uLnTx/>
+                    <a:uFillTx/>
+                    <a:latin typeface="Palatino Linotype" panose="02040502050505030304" pitchFamily="18" charset="0"/>
+                    <a:ea typeface="+mn-ea"/>
+                    <a:cs typeface="Times New Roman" panose="02020603050405020304" pitchFamily="18" charset="0"/>
+                  </a:rPr>
+                  <a:t>Total Bearing Force: </a:t>
+                </a:r>
+                <a14:m>
+                  <m:oMath xmlns:m="http://schemas.openxmlformats.org/officeDocument/2006/math">
+                    <m:sSubSup>
+                      <m:sSubSupPr>
+                        <m:ctrlPr>
+                          <a:rPr kumimoji="0" lang="en-GB" sz="1400" b="0" i="1" u="none" strike="noStrike" kern="0" cap="none" spc="0" normalizeH="0" baseline="0" noProof="0" smtClean="0">
+                            <a:ln>
+                              <a:noFill/>
+                            </a:ln>
+                            <a:solidFill>
+                              <a:prstClr val="black"/>
+                            </a:solidFill>
+                            <a:effectLst/>
+                            <a:uLnTx/>
+                            <a:uFillTx/>
+                            <a:latin typeface="Cambria Math" panose="02040503050406030204" pitchFamily="18" charset="0"/>
+                            <a:ea typeface="+mn-ea"/>
+                            <a:cs typeface="+mn-cs"/>
+                          </a:rPr>
+                        </m:ctrlPr>
+                      </m:sSubSupPr>
+                      <m:e>
+                        <m:r>
+                          <a:rPr kumimoji="0" lang="en-GB" sz="1400" b="0" i="1" u="none" strike="noStrike" kern="0" cap="none" spc="0" normalizeH="0" baseline="0" noProof="0" smtClean="0">
+                            <a:ln>
+                              <a:noFill/>
+                            </a:ln>
+                            <a:solidFill>
+                              <a:prstClr val="black"/>
+                            </a:solidFill>
+                            <a:effectLst/>
+                            <a:uLnTx/>
+                            <a:uFillTx/>
+                            <a:latin typeface="Cambria Math" panose="02040503050406030204" pitchFamily="18" charset="0"/>
+                            <a:ea typeface="Times New Roman" panose="02020603050405020304" pitchFamily="18" charset="0"/>
+                            <a:cs typeface="Times New Roman" panose="02020603050405020304" pitchFamily="18" charset="0"/>
+                          </a:rPr>
+                          <m:t>𝑓</m:t>
+                        </m:r>
+                      </m:e>
+                      <m:sub>
+                        <m:r>
+                          <a:rPr kumimoji="0" lang="en-GB" sz="1400" b="0" i="1" u="none" strike="noStrike" kern="0" cap="none" spc="0" normalizeH="0" baseline="0" noProof="0" smtClean="0">
+                            <a:ln>
+                              <a:noFill/>
+                            </a:ln>
+                            <a:solidFill>
+                              <a:prstClr val="black"/>
+                            </a:solidFill>
+                            <a:effectLst/>
+                            <a:uLnTx/>
+                            <a:uFillTx/>
+                            <a:latin typeface="Cambria Math" panose="02040503050406030204" pitchFamily="18" charset="0"/>
+                            <a:ea typeface="Times New Roman" panose="02020603050405020304" pitchFamily="18" charset="0"/>
+                            <a:cs typeface="Times New Roman" panose="02020603050405020304" pitchFamily="18" charset="0"/>
+                          </a:rPr>
+                          <m:t>𝑧</m:t>
+                        </m:r>
+                        <m:r>
+                          <a:rPr kumimoji="0" lang="en-GB" sz="1400" b="0" i="1" u="none" strike="noStrike" kern="0" cap="none" spc="0" normalizeH="0" baseline="0" noProof="0" smtClean="0">
+                            <a:ln>
+                              <a:noFill/>
+                            </a:ln>
+                            <a:solidFill>
+                              <a:prstClr val="black"/>
+                            </a:solidFill>
+                            <a:effectLst/>
+                            <a:uLnTx/>
+                            <a:uFillTx/>
+                            <a:latin typeface="Cambria Math" panose="02040503050406030204" pitchFamily="18" charset="0"/>
+                            <a:ea typeface="Times New Roman" panose="02020603050405020304" pitchFamily="18" charset="0"/>
+                            <a:cs typeface="Times New Roman" panose="02020603050405020304" pitchFamily="18" charset="0"/>
+                          </a:rPr>
+                          <m:t>,</m:t>
+                        </m:r>
+                        <m:r>
+                          <a:rPr kumimoji="0" lang="en-GB" sz="1400" b="0" i="1" u="none" strike="noStrike" kern="0" cap="none" spc="0" normalizeH="0" baseline="0" noProof="0" smtClean="0">
+                            <a:ln>
+                              <a:noFill/>
+                            </a:ln>
+                            <a:solidFill>
+                              <a:prstClr val="black"/>
+                            </a:solidFill>
+                            <a:effectLst/>
+                            <a:uLnTx/>
+                            <a:uFillTx/>
+                            <a:latin typeface="Cambria Math" panose="02040503050406030204" pitchFamily="18" charset="0"/>
+                            <a:ea typeface="Times New Roman" panose="02020603050405020304" pitchFamily="18" charset="0"/>
+                            <a:cs typeface="Times New Roman" panose="02020603050405020304" pitchFamily="18" charset="0"/>
+                          </a:rPr>
+                          <m:t>𝑖</m:t>
+                        </m:r>
+                      </m:sub>
+                      <m:sup>
+                        <m:r>
+                          <a:rPr kumimoji="0" lang="en-GB" sz="1400" b="0" i="1" u="none" strike="noStrike" kern="0" cap="none" spc="0" normalizeH="0" baseline="0" noProof="0" smtClean="0">
+                            <a:ln>
+                              <a:noFill/>
+                            </a:ln>
+                            <a:solidFill>
+                              <a:prstClr val="black"/>
+                            </a:solidFill>
+                            <a:effectLst/>
+                            <a:uLnTx/>
+                            <a:uFillTx/>
+                            <a:latin typeface="Cambria Math" panose="02040503050406030204" pitchFamily="18" charset="0"/>
+                            <a:ea typeface="Times New Roman" panose="02020603050405020304" pitchFamily="18" charset="0"/>
+                            <a:cs typeface="Times New Roman" panose="02020603050405020304" pitchFamily="18" charset="0"/>
+                          </a:rPr>
+                          <m:t>∗</m:t>
+                        </m:r>
+                      </m:sup>
+                    </m:sSubSup>
+                  </m:oMath>
+                </a14:m>
+                <a:r>
+                  <a:rPr kumimoji="0" lang="en-GB" sz="1400" b="0" i="0" u="none" strike="noStrike" kern="0" cap="none" spc="0" normalizeH="0" baseline="0" noProof="0" dirty="0">
+                    <a:ln>
+                      <a:noFill/>
+                    </a:ln>
+                    <a:solidFill>
+                      <a:prstClr val="black"/>
+                    </a:solidFill>
+                    <a:effectLst/>
+                    <a:uLnTx/>
+                    <a:uFillTx/>
+                    <a:latin typeface="Palatino Linotype" panose="02040502050505030304" pitchFamily="18" charset="0"/>
+                    <a:ea typeface="+mn-ea"/>
+                    <a:cs typeface="+mn-cs"/>
+                  </a:rPr>
+                  <a:t>, </a:t>
+                </a:r>
+                <a14:m>
+                  <m:oMath xmlns:m="http://schemas.openxmlformats.org/officeDocument/2006/math">
+                    <m:sSubSup>
+                      <m:sSubSupPr>
+                        <m:ctrlPr>
+                          <a:rPr kumimoji="0" lang="en-GB" sz="1400" b="0" i="1" u="none" strike="noStrike" kern="0" cap="none" spc="0" normalizeH="0" baseline="0" noProof="0" smtClean="0">
+                            <a:ln>
+                              <a:noFill/>
+                            </a:ln>
+                            <a:solidFill>
+                              <a:prstClr val="black"/>
+                            </a:solidFill>
+                            <a:effectLst/>
+                            <a:uLnTx/>
+                            <a:uFillTx/>
+                            <a:latin typeface="Cambria Math" panose="02040503050406030204" pitchFamily="18" charset="0"/>
+                            <a:ea typeface="+mn-ea"/>
+                            <a:cs typeface="+mn-cs"/>
+                          </a:rPr>
+                        </m:ctrlPr>
+                      </m:sSubSupPr>
+                      <m:e>
+                        <m:r>
+                          <a:rPr kumimoji="0" lang="en-GB" sz="1400" b="0" i="1" u="none" strike="noStrike" kern="0" cap="none" spc="0" normalizeH="0" baseline="0" noProof="0" smtClean="0">
+                            <a:ln>
+                              <a:noFill/>
+                            </a:ln>
+                            <a:solidFill>
+                              <a:prstClr val="black"/>
+                            </a:solidFill>
+                            <a:effectLst/>
+                            <a:uLnTx/>
+                            <a:uFillTx/>
+                            <a:latin typeface="Cambria Math" panose="02040503050406030204" pitchFamily="18" charset="0"/>
+                            <a:ea typeface="Times New Roman" panose="02020603050405020304" pitchFamily="18" charset="0"/>
+                            <a:cs typeface="Times New Roman" panose="02020603050405020304" pitchFamily="18" charset="0"/>
+                          </a:rPr>
+                          <m:t>𝑓</m:t>
+                        </m:r>
+                      </m:e>
+                      <m:sub>
+                        <m:r>
+                          <a:rPr kumimoji="0" lang="en-GB" sz="1400" b="0" i="1" u="none" strike="noStrike" kern="0" cap="none" spc="0" normalizeH="0" baseline="0" noProof="0" smtClean="0">
+                            <a:ln>
+                              <a:noFill/>
+                            </a:ln>
+                            <a:solidFill>
+                              <a:prstClr val="black"/>
+                            </a:solidFill>
+                            <a:effectLst/>
+                            <a:uLnTx/>
+                            <a:uFillTx/>
+                            <a:latin typeface="Cambria Math" panose="02040503050406030204" pitchFamily="18" charset="0"/>
+                            <a:ea typeface="Times New Roman" panose="02020603050405020304" pitchFamily="18" charset="0"/>
+                            <a:cs typeface="Times New Roman" panose="02020603050405020304" pitchFamily="18" charset="0"/>
+                          </a:rPr>
+                          <m:t>𝑦</m:t>
+                        </m:r>
+                        <m:r>
+                          <a:rPr kumimoji="0" lang="en-GB" sz="1400" b="0" i="1" u="none" strike="noStrike" kern="0" cap="none" spc="0" normalizeH="0" baseline="0" noProof="0" smtClean="0">
+                            <a:ln>
+                              <a:noFill/>
+                            </a:ln>
+                            <a:solidFill>
+                              <a:prstClr val="black"/>
+                            </a:solidFill>
+                            <a:effectLst/>
+                            <a:uLnTx/>
+                            <a:uFillTx/>
+                            <a:latin typeface="Cambria Math" panose="02040503050406030204" pitchFamily="18" charset="0"/>
+                            <a:ea typeface="Times New Roman" panose="02020603050405020304" pitchFamily="18" charset="0"/>
+                            <a:cs typeface="Times New Roman" panose="02020603050405020304" pitchFamily="18" charset="0"/>
+                          </a:rPr>
+                          <m:t>,</m:t>
+                        </m:r>
+                        <m:r>
+                          <a:rPr kumimoji="0" lang="en-GB" sz="1400" b="0" i="1" u="none" strike="noStrike" kern="0" cap="none" spc="0" normalizeH="0" baseline="0" noProof="0" smtClean="0">
+                            <a:ln>
+                              <a:noFill/>
+                            </a:ln>
+                            <a:solidFill>
+                              <a:prstClr val="black"/>
+                            </a:solidFill>
+                            <a:effectLst/>
+                            <a:uLnTx/>
+                            <a:uFillTx/>
+                            <a:latin typeface="Cambria Math" panose="02040503050406030204" pitchFamily="18" charset="0"/>
+                            <a:ea typeface="Times New Roman" panose="02020603050405020304" pitchFamily="18" charset="0"/>
+                            <a:cs typeface="Times New Roman" panose="02020603050405020304" pitchFamily="18" charset="0"/>
+                          </a:rPr>
+                          <m:t>𝑖</m:t>
+                        </m:r>
+                      </m:sub>
+                      <m:sup>
+                        <m:r>
+                          <a:rPr kumimoji="0" lang="en-GB" sz="1400" b="0" i="1" u="none" strike="noStrike" kern="0" cap="none" spc="0" normalizeH="0" baseline="0" noProof="0" smtClean="0">
+                            <a:ln>
+                              <a:noFill/>
+                            </a:ln>
+                            <a:solidFill>
+                              <a:prstClr val="black"/>
+                            </a:solidFill>
+                            <a:effectLst/>
+                            <a:uLnTx/>
+                            <a:uFillTx/>
+                            <a:latin typeface="Cambria Math" panose="02040503050406030204" pitchFamily="18" charset="0"/>
+                            <a:ea typeface="Times New Roman" panose="02020603050405020304" pitchFamily="18" charset="0"/>
+                            <a:cs typeface="Times New Roman" panose="02020603050405020304" pitchFamily="18" charset="0"/>
+                          </a:rPr>
+                          <m:t>∗</m:t>
+                        </m:r>
+                      </m:sup>
+                    </m:sSubSup>
+                  </m:oMath>
+                </a14:m>
+                <a:endParaRPr kumimoji="0" lang="en-GB" sz="1400" b="0" i="1" u="none" strike="noStrike" kern="0" cap="none" spc="0" normalizeH="0" baseline="0" noProof="0" dirty="0">
+                  <a:ln>
+                    <a:noFill/>
+                  </a:ln>
+                  <a:solidFill>
+                    <a:prstClr val="black"/>
+                  </a:solidFill>
+                  <a:effectLst/>
+                  <a:uLnTx/>
+                  <a:uFillTx/>
+                  <a:latin typeface="Palatino Linotype" panose="02040502050505030304" pitchFamily="18" charset="0"/>
+                  <a:ea typeface="+mn-ea"/>
+                  <a:cs typeface="Times New Roman" panose="02020603050405020304" pitchFamily="18" charset="0"/>
+                </a:endParaRPr>
+              </a:p>
+              <a:p>
+                <a:pPr marL="285750" marR="0" lvl="0" indent="-285750" defTabSz="914400" eaLnBrk="1" fontAlgn="auto" latinLnBrk="0" hangingPunct="1">
+                  <a:lnSpc>
+                    <a:spcPct val="100000"/>
+                  </a:lnSpc>
+                  <a:spcBef>
+                    <a:spcPts val="0"/>
+                  </a:spcBef>
+                  <a:spcAft>
+                    <a:spcPts val="0"/>
+                  </a:spcAft>
+                  <a:buClrTx/>
+                  <a:buSzTx/>
+                  <a:buFont typeface="Arial" panose="020B0604020202020204" pitchFamily="34" charset="0"/>
+                  <a:buChar char="•"/>
+                  <a:tabLst/>
+                  <a:defRPr/>
+                </a:pPr>
+                <a:r>
+                  <a:rPr kumimoji="0" lang="en-GB" sz="1400" b="0" i="1" u="none" strike="noStrike" kern="0" cap="none" spc="0" normalizeH="0" baseline="0" noProof="0" dirty="0">
+                    <a:ln>
+                      <a:noFill/>
+                    </a:ln>
+                    <a:solidFill>
+                      <a:prstClr val="black"/>
+                    </a:solidFill>
+                    <a:effectLst/>
+                    <a:uLnTx/>
+                    <a:uFillTx/>
+                    <a:latin typeface="Palatino Linotype" panose="02040502050505030304" pitchFamily="18" charset="0"/>
+                    <a:ea typeface="+mn-ea"/>
+                    <a:cs typeface="Times New Roman" panose="02020603050405020304" pitchFamily="18" charset="0"/>
+                  </a:rPr>
+                  <a:t>Total Bearing Displacement: </a:t>
+                </a:r>
+                <a14:m>
+                  <m:oMath xmlns:m="http://schemas.openxmlformats.org/officeDocument/2006/math">
+                    <m:r>
+                      <a:rPr kumimoji="0" lang="en-GB" sz="1400" b="0" i="1" u="none" strike="noStrike" kern="0" cap="none" spc="0" normalizeH="0" baseline="0" noProof="0" smtClean="0">
+                        <a:ln>
+                          <a:noFill/>
+                        </a:ln>
+                        <a:solidFill>
+                          <a:prstClr val="black"/>
+                        </a:solidFill>
+                        <a:effectLst/>
+                        <a:uLnTx/>
+                        <a:uFillTx/>
+                        <a:latin typeface="Cambria Math" panose="02040503050406030204" pitchFamily="18" charset="0"/>
+                        <a:ea typeface="Times New Roman" panose="02020603050405020304" pitchFamily="18" charset="0"/>
+                        <a:cs typeface="Times New Roman" panose="02020603050405020304" pitchFamily="18" charset="0"/>
+                      </a:rPr>
+                      <m:t>𝑞</m:t>
+                    </m:r>
+                  </m:oMath>
+                </a14:m>
+                <a:endParaRPr kumimoji="0" lang="en-GB" sz="1400" b="0" i="1" u="none" strike="noStrike" kern="0" cap="none" spc="0" normalizeH="0" baseline="0" noProof="0" dirty="0">
+                  <a:ln>
+                    <a:noFill/>
+                  </a:ln>
+                  <a:solidFill>
+                    <a:prstClr val="black"/>
+                  </a:solidFill>
+                  <a:effectLst/>
+                  <a:uLnTx/>
+                  <a:uFillTx/>
+                  <a:latin typeface="Palatino Linotype" panose="02040502050505030304" pitchFamily="18" charset="0"/>
+                  <a:ea typeface="+mn-ea"/>
+                  <a:cs typeface="Times New Roman" panose="02020603050405020304" pitchFamily="18" charset="0"/>
+                </a:endParaRPr>
+              </a:p>
+              <a:p>
+                <a:pPr marL="285750" marR="0" lvl="0" indent="-285750" defTabSz="914400" eaLnBrk="1" fontAlgn="auto" latinLnBrk="0" hangingPunct="1">
+                  <a:lnSpc>
+                    <a:spcPct val="100000"/>
+                  </a:lnSpc>
+                  <a:spcBef>
+                    <a:spcPts val="0"/>
+                  </a:spcBef>
+                  <a:spcAft>
+                    <a:spcPts val="0"/>
+                  </a:spcAft>
+                  <a:buClrTx/>
+                  <a:buSzTx/>
+                  <a:buFont typeface="Arial" panose="020B0604020202020204" pitchFamily="34" charset="0"/>
+                  <a:buChar char="•"/>
+                  <a:tabLst/>
+                  <a:defRPr/>
+                </a:pPr>
+                <a:r>
+                  <a:rPr kumimoji="0" lang="en-GB" sz="1400" b="0" i="1" u="none" strike="noStrike" kern="0" cap="none" spc="0" normalizeH="0" baseline="0" noProof="0" dirty="0">
+                    <a:ln>
+                      <a:noFill/>
+                    </a:ln>
+                    <a:solidFill>
+                      <a:prstClr val="black"/>
+                    </a:solidFill>
+                    <a:effectLst/>
+                    <a:uLnTx/>
+                    <a:uFillTx/>
+                    <a:latin typeface="Palatino Linotype" panose="02040502050505030304" pitchFamily="18" charset="0"/>
+                    <a:ea typeface="+mn-ea"/>
+                    <a:cs typeface="Times New Roman" panose="02020603050405020304" pitchFamily="18" charset="0"/>
+                  </a:rPr>
+                  <a:t>Total Bearing Stiffness: </a:t>
+                </a:r>
+                <a14:m>
+                  <m:oMath xmlns:m="http://schemas.openxmlformats.org/officeDocument/2006/math">
+                    <m:sSub>
+                      <m:sSubPr>
+                        <m:ctrlPr>
+                          <a:rPr kumimoji="0" lang="en-GB" sz="1400" b="0" i="1" u="none" strike="noStrike" kern="0" cap="none" spc="0" normalizeH="0" baseline="0" noProof="0" smtClean="0">
+                            <a:ln>
+                              <a:noFill/>
+                            </a:ln>
+                            <a:solidFill>
+                              <a:prstClr val="black"/>
+                            </a:solidFill>
+                            <a:effectLst/>
+                            <a:uLnTx/>
+                            <a:uFillTx/>
+                            <a:latin typeface="Cambria Math" panose="02040503050406030204" pitchFamily="18" charset="0"/>
+                            <a:ea typeface="Times New Roman" panose="02020603050405020304" pitchFamily="18" charset="0"/>
+                            <a:cs typeface="Times New Roman" panose="02020603050405020304" pitchFamily="18" charset="0"/>
+                          </a:rPr>
+                        </m:ctrlPr>
+                      </m:sSubPr>
+                      <m:e>
+                        <m:r>
+                          <a:rPr kumimoji="0" lang="en-GB" sz="1400" b="0" i="1" u="none" strike="noStrike" kern="0" cap="none" spc="0" normalizeH="0" baseline="0" noProof="0" smtClean="0">
+                            <a:ln>
+                              <a:noFill/>
+                            </a:ln>
+                            <a:solidFill>
+                              <a:prstClr val="black"/>
+                            </a:solidFill>
+                            <a:effectLst/>
+                            <a:uLnTx/>
+                            <a:uFillTx/>
+                            <a:latin typeface="Cambria Math" panose="02040503050406030204" pitchFamily="18" charset="0"/>
+                            <a:ea typeface="Times New Roman" panose="02020603050405020304" pitchFamily="18" charset="0"/>
+                            <a:cs typeface="Times New Roman" panose="02020603050405020304" pitchFamily="18" charset="0"/>
+                          </a:rPr>
+                          <m:t>𝐾</m:t>
+                        </m:r>
+                      </m:e>
+                      <m:sub>
+                        <m:r>
+                          <a:rPr kumimoji="0" lang="en-GB" sz="1400" b="0" i="1" u="none" strike="noStrike" kern="0" cap="none" spc="0" normalizeH="0" baseline="0" noProof="0" smtClean="0">
+                            <a:ln>
+                              <a:noFill/>
+                            </a:ln>
+                            <a:solidFill>
+                              <a:prstClr val="black"/>
+                            </a:solidFill>
+                            <a:effectLst/>
+                            <a:uLnTx/>
+                            <a:uFillTx/>
+                            <a:latin typeface="Cambria Math" panose="02040503050406030204" pitchFamily="18" charset="0"/>
+                            <a:ea typeface="Times New Roman" panose="02020603050405020304" pitchFamily="18" charset="0"/>
+                            <a:cs typeface="Times New Roman" panose="02020603050405020304" pitchFamily="18" charset="0"/>
+                          </a:rPr>
+                          <m:t>𝑏</m:t>
+                        </m:r>
+                      </m:sub>
+                    </m:sSub>
+                  </m:oMath>
+                </a14:m>
+                <a:endParaRPr kumimoji="0" lang="en-GB" sz="1400" b="0" i="1" u="none" strike="noStrike" kern="0" cap="none" spc="0" normalizeH="0" baseline="0" noProof="0" dirty="0">
+                  <a:ln>
+                    <a:noFill/>
+                  </a:ln>
+                  <a:solidFill>
+                    <a:prstClr val="black"/>
+                  </a:solidFill>
+                  <a:effectLst/>
+                  <a:uLnTx/>
+                  <a:uFillTx/>
+                  <a:latin typeface="Cambria Math" panose="02040503050406030204" pitchFamily="18" charset="0"/>
+                  <a:ea typeface="Times New Roman" panose="02020603050405020304" pitchFamily="18" charset="0"/>
+                  <a:cs typeface="Times New Roman" panose="02020603050405020304" pitchFamily="18" charset="0"/>
+                </a:endParaRPr>
+              </a:p>
+              <a:p>
+                <a:pPr marL="285750" marR="0" lvl="0" indent="-285750" defTabSz="914400" eaLnBrk="1" fontAlgn="auto" latinLnBrk="0" hangingPunct="1">
+                  <a:lnSpc>
+                    <a:spcPct val="100000"/>
+                  </a:lnSpc>
+                  <a:spcBef>
+                    <a:spcPts val="0"/>
+                  </a:spcBef>
+                  <a:spcAft>
+                    <a:spcPts val="0"/>
+                  </a:spcAft>
+                  <a:buClrTx/>
+                  <a:buSzTx/>
+                  <a:buFont typeface="Arial" panose="020B0604020202020204" pitchFamily="34" charset="0"/>
+                  <a:buChar char="•"/>
+                  <a:tabLst/>
+                  <a:defRPr/>
+                </a:pPr>
+                <a:r>
+                  <a:rPr kumimoji="0" lang="en-GB" sz="1400" b="0" i="1" u="none" strike="noStrike" kern="0" cap="none" spc="0" normalizeH="0" baseline="0" noProof="0" dirty="0">
+                    <a:ln>
+                      <a:noFill/>
+                    </a:ln>
+                    <a:solidFill>
+                      <a:prstClr val="black"/>
+                    </a:solidFill>
+                    <a:effectLst/>
+                    <a:uLnTx/>
+                    <a:uFillTx/>
+                    <a:latin typeface="Palatino Linotype" panose="02040502050505030304" pitchFamily="18" charset="0"/>
+                    <a:ea typeface="+mn-ea"/>
+                    <a:cs typeface="Times New Roman" panose="02020603050405020304" pitchFamily="18" charset="0"/>
+                  </a:rPr>
+                  <a:t>Shaft Acceleration: </a:t>
+                </a:r>
+                <a14:m>
+                  <m:oMath xmlns:m="http://schemas.openxmlformats.org/officeDocument/2006/math">
+                    <m:acc>
+                      <m:accPr>
+                        <m:chr m:val="̈"/>
+                        <m:ctrlPr>
+                          <a:rPr kumimoji="0" lang="en-GB" sz="1400" b="0" i="1" u="none" strike="noStrike" kern="0" cap="none" spc="0" normalizeH="0" baseline="0" noProof="0" smtClean="0">
+                            <a:ln>
+                              <a:noFill/>
+                            </a:ln>
+                            <a:solidFill>
+                              <a:prstClr val="black"/>
+                            </a:solidFill>
+                            <a:effectLst/>
+                            <a:uLnTx/>
+                            <a:uFillTx/>
+                            <a:latin typeface="Cambria Math" panose="02040503050406030204" pitchFamily="18" charset="0"/>
+                            <a:ea typeface="Times New Roman" panose="02020603050405020304" pitchFamily="18" charset="0"/>
+                            <a:cs typeface="Times New Roman" panose="02020603050405020304" pitchFamily="18" charset="0"/>
+                          </a:rPr>
+                        </m:ctrlPr>
+                      </m:accPr>
+                      <m:e>
+                        <m:r>
+                          <a:rPr kumimoji="0" lang="en-GB" sz="1400" b="0" i="1" u="none" strike="noStrike" kern="0" cap="none" spc="0" normalizeH="0" baseline="0" noProof="0" smtClean="0">
+                            <a:ln>
+                              <a:noFill/>
+                            </a:ln>
+                            <a:solidFill>
+                              <a:prstClr val="black"/>
+                            </a:solidFill>
+                            <a:effectLst/>
+                            <a:uLnTx/>
+                            <a:uFillTx/>
+                            <a:latin typeface="Cambria Math" panose="02040503050406030204" pitchFamily="18" charset="0"/>
+                            <a:ea typeface="Times New Roman" panose="02020603050405020304" pitchFamily="18" charset="0"/>
+                            <a:cs typeface="Times New Roman" panose="02020603050405020304" pitchFamily="18" charset="0"/>
+                          </a:rPr>
+                          <m:t>𝑞</m:t>
+                        </m:r>
+                      </m:e>
+                    </m:acc>
+                  </m:oMath>
+                </a14:m>
+                <a:endParaRPr kumimoji="0" lang="en-GB" sz="1400" b="0" i="1" u="none" strike="noStrike" kern="0" cap="none" spc="0" normalizeH="0" baseline="0" noProof="0" dirty="0">
+                  <a:ln>
+                    <a:noFill/>
+                  </a:ln>
+                  <a:solidFill>
+                    <a:prstClr val="black"/>
+                  </a:solidFill>
+                  <a:effectLst/>
+                  <a:uLnTx/>
+                  <a:uFillTx/>
+                  <a:latin typeface="Cambria Math" panose="02040503050406030204" pitchFamily="18" charset="0"/>
+                  <a:ea typeface="Times New Roman" panose="02020603050405020304" pitchFamily="18" charset="0"/>
+                  <a:cs typeface="Times New Roman" panose="02020603050405020304" pitchFamily="18" charset="0"/>
+                </a:endParaRPr>
+              </a:p>
+            </p:txBody>
+          </p:sp>
+        </mc:Choice>
+        <mc:Fallback>
+          <p:sp>
+            <p:nvSpPr>
+              <p:cNvPr id="61" name="Rectangle: Rounded Corners 60">
+                <a:extLst>
+                  <a:ext uri="{FF2B5EF4-FFF2-40B4-BE49-F238E27FC236}">
+                    <a16:creationId xmlns:a16="http://schemas.microsoft.com/office/drawing/2014/main" id="{5E04421A-F383-0537-20B1-9019DB39F578}"/>
+                  </a:ext>
+                </a:extLst>
+              </p:cNvPr>
+              <p:cNvSpPr>
+                <a:spLocks noRot="1" noChangeAspect="1" noMove="1" noResize="1" noEditPoints="1" noAdjustHandles="1" noChangeArrowheads="1" noChangeShapeType="1" noTextEdit="1"/>
+              </p:cNvSpPr>
+              <p:nvPr/>
+            </p:nvSpPr>
+            <p:spPr>
+              <a:xfrm>
+                <a:off x="1103769" y="4434879"/>
+                <a:ext cx="2865854" cy="1397060"/>
+              </a:xfrm>
+              <a:prstGeom prst="roundRect">
+                <a:avLst/>
+              </a:prstGeom>
+              <a:blipFill>
+                <a:blip r:embed="rId5"/>
+                <a:stretch>
+                  <a:fillRect/>
+                </a:stretch>
+              </a:blipFill>
+              <a:ln w="28575" cap="flat" cmpd="sng" algn="ctr">
+                <a:solidFill>
+                  <a:srgbClr val="70AD47">
+                    <a:lumMod val="75000"/>
+                  </a:srgbClr>
+                </a:solidFill>
+                <a:prstDash val="solid"/>
+                <a:miter lim="800000"/>
+              </a:ln>
+              <a:effectLst/>
+            </p:spPr>
+            <p:txBody>
+              <a:bodyPr/>
+              <a:lstStyle/>
+              <a:p>
+                <a:r>
+                  <a:rPr lang="en-GB">
+                    <a:noFill/>
+                  </a:rPr>
+                  <a:t> </a:t>
+                </a:r>
+              </a:p>
+            </p:txBody>
+          </p:sp>
+        </mc:Fallback>
+      </mc:AlternateContent>
+      <mc:AlternateContent xmlns:mc="http://schemas.openxmlformats.org/markup-compatibility/2006">
+        <mc:Choice xmlns:a14="http://schemas.microsoft.com/office/drawing/2010/main" Requires="a14">
+          <p:sp>
+            <p:nvSpPr>
+              <p:cNvPr id="62" name="Rectangle: Rounded Corners 61">
+                <a:extLst>
+                  <a:ext uri="{FF2B5EF4-FFF2-40B4-BE49-F238E27FC236}">
+                    <a16:creationId xmlns:a16="http://schemas.microsoft.com/office/drawing/2014/main" id="{A7454EC3-948E-B572-C910-DC323BD45E45}"/>
+                  </a:ext>
+                </a:extLst>
+              </p:cNvPr>
+              <p:cNvSpPr/>
+              <p:nvPr/>
+            </p:nvSpPr>
+            <p:spPr>
+              <a:xfrm>
+                <a:off x="8394188" y="4434879"/>
+                <a:ext cx="2865854" cy="1397060"/>
+              </a:xfrm>
+              <a:prstGeom prst="roundRect">
+                <a:avLst/>
+              </a:prstGeom>
+              <a:solidFill>
+                <a:srgbClr val="70AD47">
+                  <a:lumMod val="20000"/>
+                  <a:lumOff val="80000"/>
+                </a:srgbClr>
+              </a:solidFill>
+              <a:ln w="28575" cap="flat" cmpd="sng" algn="ctr">
+                <a:solidFill>
+                  <a:srgbClr val="70AD47">
+                    <a:lumMod val="75000"/>
+                  </a:srgbClr>
+                </a:solidFill>
+                <a:prstDash val="solid"/>
+                <a:miter lim="800000"/>
+              </a:ln>
+              <a:effectLst/>
+            </p:spPr>
+            <p:txBody>
+              <a:bodyPr rtlCol="0" anchor="ctr"/>
+              <a:lstStyle/>
+              <a:p>
+                <a:pPr marL="0" marR="0" lvl="0" indent="0" algn="ctr" defTabSz="914400" eaLnBrk="1" fontAlgn="auto" latinLnBrk="0" hangingPunct="1">
+                  <a:lnSpc>
+                    <a:spcPct val="100000"/>
+                  </a:lnSpc>
+                  <a:spcBef>
+                    <a:spcPts val="0"/>
+                  </a:spcBef>
+                  <a:spcAft>
+                    <a:spcPts val="0"/>
+                  </a:spcAft>
+                  <a:buClrTx/>
+                  <a:buSzTx/>
+                  <a:buFontTx/>
+                  <a:buNone/>
+                  <a:tabLst/>
+                  <a:defRPr/>
+                </a:pPr>
+                <a:r>
+                  <a:rPr kumimoji="0" lang="en-GB" sz="1400" b="0" i="0" u="sng" strike="noStrike" kern="0" cap="none" spc="0" normalizeH="0" baseline="0" noProof="0" dirty="0">
+                    <a:ln>
+                      <a:noFill/>
+                    </a:ln>
+                    <a:solidFill>
+                      <a:prstClr val="black"/>
+                    </a:solidFill>
+                    <a:effectLst/>
+                    <a:uLnTx/>
+                    <a:uFillTx/>
+                    <a:latin typeface="Times New Roman" panose="02020603050405020304" pitchFamily="18" charset="0"/>
+                    <a:ea typeface="Times New Roman" panose="02020603050405020304" pitchFamily="18" charset="0"/>
+                    <a:cs typeface="Times New Roman" panose="02020603050405020304" pitchFamily="18" charset="0"/>
+                  </a:rPr>
+                  <a:t>Contact Level Outputs</a:t>
+                </a:r>
+                <a:endParaRPr kumimoji="0" lang="en-GB" sz="1400" b="0" i="1" u="sng" strike="noStrike" kern="0" cap="none" spc="0" normalizeH="0" baseline="0" noProof="0" dirty="0">
+                  <a:ln>
+                    <a:noFill/>
+                  </a:ln>
+                  <a:solidFill>
+                    <a:prstClr val="black"/>
+                  </a:solidFill>
+                  <a:effectLst/>
+                  <a:uLnTx/>
+                  <a:uFillTx/>
+                  <a:latin typeface="Palatino Linotype" panose="02040502050505030304" pitchFamily="18" charset="0"/>
+                  <a:ea typeface="+mn-ea"/>
+                  <a:cs typeface="Times New Roman" panose="02020603050405020304" pitchFamily="18" charset="0"/>
+                </a:endParaRPr>
+              </a:p>
+              <a:p>
+                <a:pPr marL="285750" marR="0" lvl="0" indent="-285750" defTabSz="914400" eaLnBrk="1" fontAlgn="auto" latinLnBrk="0" hangingPunct="1">
+                  <a:lnSpc>
+                    <a:spcPct val="100000"/>
+                  </a:lnSpc>
+                  <a:spcBef>
+                    <a:spcPts val="0"/>
+                  </a:spcBef>
+                  <a:spcAft>
+                    <a:spcPts val="0"/>
+                  </a:spcAft>
+                  <a:buClrTx/>
+                  <a:buSzTx/>
+                  <a:buFont typeface="Arial" panose="020B0604020202020204" pitchFamily="34" charset="0"/>
+                  <a:buChar char="•"/>
+                  <a:tabLst/>
+                  <a:defRPr/>
+                </a:pPr>
+                <a:r>
+                  <a:rPr kumimoji="0" lang="en-GB" sz="1400" b="0" i="1" u="none" strike="noStrike" kern="0" cap="none" spc="0" normalizeH="0" baseline="0" noProof="0" dirty="0">
+                    <a:ln>
+                      <a:noFill/>
+                    </a:ln>
+                    <a:solidFill>
+                      <a:prstClr val="black"/>
+                    </a:solidFill>
+                    <a:effectLst/>
+                    <a:uLnTx/>
+                    <a:uFillTx/>
+                    <a:latin typeface="Palatino Linotype" panose="02040502050505030304" pitchFamily="18" charset="0"/>
+                    <a:ea typeface="+mn-ea"/>
+                    <a:cs typeface="Times New Roman" panose="02020603050405020304" pitchFamily="18" charset="0"/>
+                  </a:rPr>
+                  <a:t>Central Film Thickness: </a:t>
+                </a:r>
+                <a14:m>
+                  <m:oMath xmlns:m="http://schemas.openxmlformats.org/officeDocument/2006/math">
+                    <m:sSub>
+                      <m:sSubPr>
+                        <m:ctrlPr>
+                          <a:rPr kumimoji="0" lang="de-AT" sz="1400" b="0" i="1" u="none" strike="noStrike" kern="0" cap="none" spc="0" normalizeH="0" baseline="0" noProof="0" smtClean="0">
+                            <a:ln>
+                              <a:noFill/>
+                            </a:ln>
+                            <a:solidFill>
+                              <a:prstClr val="black"/>
+                            </a:solidFill>
+                            <a:effectLst/>
+                            <a:uLnTx/>
+                            <a:uFillTx/>
+                            <a:latin typeface="Cambria Math" panose="02040503050406030204" pitchFamily="18" charset="0"/>
+                            <a:ea typeface="+mn-ea"/>
+                            <a:cs typeface="Times New Roman" panose="02020603050405020304" pitchFamily="18" charset="0"/>
+                          </a:rPr>
+                        </m:ctrlPr>
+                      </m:sSubPr>
+                      <m:e>
+                        <m:r>
+                          <a:rPr kumimoji="0" lang="de-AT" sz="1400" b="0" i="1" u="none" strike="noStrike" kern="0" cap="none" spc="0" normalizeH="0" baseline="0" noProof="0" smtClean="0">
+                            <a:ln>
+                              <a:noFill/>
+                            </a:ln>
+                            <a:solidFill>
+                              <a:prstClr val="black"/>
+                            </a:solidFill>
+                            <a:effectLst/>
+                            <a:uLnTx/>
+                            <a:uFillTx/>
+                            <a:latin typeface="Cambria Math" panose="02040503050406030204" pitchFamily="18" charset="0"/>
+                            <a:ea typeface="+mn-ea"/>
+                            <a:cs typeface="Times New Roman" panose="02020603050405020304" pitchFamily="18" charset="0"/>
+                          </a:rPr>
+                          <m:t>h</m:t>
+                        </m:r>
+                      </m:e>
+                      <m:sub>
+                        <m:r>
+                          <a:rPr kumimoji="0" lang="de-AT" sz="1400" b="0" i="1" u="none" strike="noStrike" kern="0" cap="none" spc="0" normalizeH="0" baseline="0" noProof="0" smtClean="0">
+                            <a:ln>
+                              <a:noFill/>
+                            </a:ln>
+                            <a:solidFill>
+                              <a:prstClr val="black"/>
+                            </a:solidFill>
+                            <a:effectLst/>
+                            <a:uLnTx/>
+                            <a:uFillTx/>
+                            <a:latin typeface="Cambria Math" panose="02040503050406030204" pitchFamily="18" charset="0"/>
+                            <a:ea typeface="+mn-ea"/>
+                            <a:cs typeface="Times New Roman" panose="02020603050405020304" pitchFamily="18" charset="0"/>
+                          </a:rPr>
+                          <m:t>𝑐</m:t>
+                        </m:r>
+                      </m:sub>
+                    </m:sSub>
+                  </m:oMath>
+                </a14:m>
+                <a:endParaRPr kumimoji="0" lang="de-AT" sz="1400" b="0" i="1" u="none" strike="noStrike" kern="0" cap="none" spc="0" normalizeH="0" baseline="0" noProof="0" dirty="0">
+                  <a:ln>
+                    <a:noFill/>
+                  </a:ln>
+                  <a:solidFill>
+                    <a:prstClr val="black"/>
+                  </a:solidFill>
+                  <a:effectLst/>
+                  <a:uLnTx/>
+                  <a:uFillTx/>
+                  <a:latin typeface="Palatino Linotype" panose="02040502050505030304" pitchFamily="18" charset="0"/>
+                  <a:ea typeface="+mn-ea"/>
+                  <a:cs typeface="Times New Roman" panose="02020603050405020304" pitchFamily="18" charset="0"/>
+                </a:endParaRPr>
+              </a:p>
+              <a:p>
+                <a:pPr marL="285750" marR="0" lvl="0" indent="-285750" defTabSz="914400" eaLnBrk="1" fontAlgn="auto" latinLnBrk="0" hangingPunct="1">
+                  <a:lnSpc>
+                    <a:spcPct val="100000"/>
+                  </a:lnSpc>
+                  <a:spcBef>
+                    <a:spcPts val="0"/>
+                  </a:spcBef>
+                  <a:spcAft>
+                    <a:spcPts val="0"/>
+                  </a:spcAft>
+                  <a:buClrTx/>
+                  <a:buSzTx/>
+                  <a:buFont typeface="Arial" panose="020B0604020202020204" pitchFamily="34" charset="0"/>
+                  <a:buChar char="•"/>
+                  <a:tabLst/>
+                  <a:defRPr/>
+                </a:pPr>
+                <a:r>
+                  <a:rPr kumimoji="0" lang="en-GB" sz="1400" b="0" i="1" u="none" strike="noStrike" kern="0" cap="none" spc="0" normalizeH="0" baseline="0" noProof="0" dirty="0">
+                    <a:ln>
+                      <a:noFill/>
+                    </a:ln>
+                    <a:solidFill>
+                      <a:prstClr val="black"/>
+                    </a:solidFill>
+                    <a:effectLst/>
+                    <a:uLnTx/>
+                    <a:uFillTx/>
+                    <a:latin typeface="Palatino Linotype" panose="02040502050505030304" pitchFamily="18" charset="0"/>
+                    <a:ea typeface="+mn-ea"/>
+                    <a:cs typeface="Times New Roman" panose="02020603050405020304" pitchFamily="18" charset="0"/>
+                  </a:rPr>
+                  <a:t>Contact Force:</a:t>
+                </a:r>
+                <a:r>
+                  <a:rPr kumimoji="0" lang="en-GB" sz="1400" b="0" i="0" u="none" strike="noStrike" kern="0" cap="none" spc="0" normalizeH="0" baseline="0" noProof="0" dirty="0">
+                    <a:ln>
+                      <a:noFill/>
+                    </a:ln>
+                    <a:solidFill>
+                      <a:prstClr val="white"/>
+                    </a:solidFill>
+                    <a:effectLst/>
+                    <a:uLnTx/>
+                    <a:uFillTx/>
+                    <a:latin typeface="Calibri" panose="020F0502020204030204"/>
+                    <a:ea typeface="+mn-ea"/>
+                    <a:cs typeface="+mn-cs"/>
+                  </a:rPr>
+                  <a:t> </a:t>
+                </a:r>
+                <a14:m>
+                  <m:oMath xmlns:m="http://schemas.openxmlformats.org/officeDocument/2006/math">
+                    <m:r>
+                      <a:rPr kumimoji="0" lang="de-AT" sz="1400" b="0" i="1" u="none" strike="noStrike" kern="0" cap="none" spc="0" normalizeH="0" baseline="0" noProof="0" smtClean="0">
+                        <a:ln>
+                          <a:noFill/>
+                        </a:ln>
+                        <a:solidFill>
+                          <a:prstClr val="black"/>
+                        </a:solidFill>
+                        <a:effectLst/>
+                        <a:uLnTx/>
+                        <a:uFillTx/>
+                        <a:latin typeface="Cambria Math" panose="02040503050406030204" pitchFamily="18" charset="0"/>
+                        <a:ea typeface="+mn-ea"/>
+                        <a:cs typeface="Times New Roman" panose="02020603050405020304" pitchFamily="18" charset="0"/>
+                      </a:rPr>
+                      <m:t>𝑤</m:t>
+                    </m:r>
+                  </m:oMath>
+                </a14:m>
+                <a:endParaRPr kumimoji="0" lang="en-GB" sz="1400" b="0" i="1" u="none" strike="noStrike" kern="0" cap="none" spc="0" normalizeH="0" baseline="0" noProof="0" dirty="0">
+                  <a:ln>
+                    <a:noFill/>
+                  </a:ln>
+                  <a:solidFill>
+                    <a:prstClr val="black"/>
+                  </a:solidFill>
+                  <a:effectLst/>
+                  <a:uLnTx/>
+                  <a:uFillTx/>
+                  <a:latin typeface="Palatino Linotype" panose="02040502050505030304" pitchFamily="18" charset="0"/>
+                  <a:ea typeface="+mn-ea"/>
+                  <a:cs typeface="Times New Roman" panose="02020603050405020304" pitchFamily="18" charset="0"/>
+                </a:endParaRPr>
+              </a:p>
+              <a:p>
+                <a:pPr marL="285750" marR="0" lvl="0" indent="-285750" defTabSz="914400" eaLnBrk="1" fontAlgn="auto" latinLnBrk="0" hangingPunct="1">
+                  <a:lnSpc>
+                    <a:spcPct val="100000"/>
+                  </a:lnSpc>
+                  <a:spcBef>
+                    <a:spcPts val="0"/>
+                  </a:spcBef>
+                  <a:spcAft>
+                    <a:spcPts val="0"/>
+                  </a:spcAft>
+                  <a:buClrTx/>
+                  <a:buSzTx/>
+                  <a:buFont typeface="Arial" panose="020B0604020202020204" pitchFamily="34" charset="0"/>
+                  <a:buChar char="•"/>
+                  <a:tabLst/>
+                  <a:defRPr/>
+                </a:pPr>
+                <a:r>
+                  <a:rPr kumimoji="0" lang="en-GB" sz="1400" b="0" i="1" u="none" strike="noStrike" kern="0" cap="none" spc="0" normalizeH="0" baseline="0" noProof="0" dirty="0">
+                    <a:ln>
+                      <a:noFill/>
+                    </a:ln>
+                    <a:solidFill>
+                      <a:prstClr val="black"/>
+                    </a:solidFill>
+                    <a:effectLst/>
+                    <a:uLnTx/>
+                    <a:uFillTx/>
+                    <a:latin typeface="Palatino Linotype" panose="02040502050505030304" pitchFamily="18" charset="0"/>
+                    <a:ea typeface="+mn-ea"/>
+                    <a:cs typeface="Times New Roman" panose="02020603050405020304" pitchFamily="18" charset="0"/>
+                  </a:rPr>
+                  <a:t>Contact Deformation: </a:t>
+                </a:r>
+                <a14:m>
+                  <m:oMath xmlns:m="http://schemas.openxmlformats.org/officeDocument/2006/math">
+                    <m:r>
+                      <a:rPr kumimoji="0" lang="en-US" sz="1400" b="0" i="1" u="none" strike="noStrike" kern="0" cap="none" spc="0" normalizeH="0" baseline="0" noProof="0" smtClean="0">
+                        <a:ln>
+                          <a:noFill/>
+                        </a:ln>
+                        <a:solidFill>
+                          <a:prstClr val="black"/>
+                        </a:solidFill>
+                        <a:effectLst/>
+                        <a:uLnTx/>
+                        <a:uFillTx/>
+                        <a:latin typeface="Cambria Math" panose="02040503050406030204" pitchFamily="18" charset="0"/>
+                        <a:ea typeface="+mn-ea"/>
+                        <a:cs typeface="Times New Roman" panose="02020603050405020304" pitchFamily="18" charset="0"/>
+                      </a:rPr>
+                      <m:t>𝛿</m:t>
+                    </m:r>
+                  </m:oMath>
+                </a14:m>
+                <a:endParaRPr kumimoji="0" lang="en-GB" sz="1400" b="0" i="1" u="none" strike="noStrike" kern="0" cap="none" spc="0" normalizeH="0" baseline="0" noProof="0" dirty="0">
+                  <a:ln>
+                    <a:noFill/>
+                  </a:ln>
+                  <a:solidFill>
+                    <a:prstClr val="black"/>
+                  </a:solidFill>
+                  <a:effectLst/>
+                  <a:uLnTx/>
+                  <a:uFillTx/>
+                  <a:latin typeface="Cambria Math" panose="02040503050406030204" pitchFamily="18" charset="0"/>
+                  <a:ea typeface="+mn-ea"/>
+                  <a:cs typeface="Times New Roman" panose="02020603050405020304" pitchFamily="18" charset="0"/>
+                </a:endParaRPr>
+              </a:p>
+              <a:p>
+                <a:pPr marL="285750" marR="0" lvl="0" indent="-285750" defTabSz="914400" eaLnBrk="1" fontAlgn="auto" latinLnBrk="0" hangingPunct="1">
+                  <a:lnSpc>
+                    <a:spcPct val="100000"/>
+                  </a:lnSpc>
+                  <a:spcBef>
+                    <a:spcPts val="0"/>
+                  </a:spcBef>
+                  <a:spcAft>
+                    <a:spcPts val="0"/>
+                  </a:spcAft>
+                  <a:buClrTx/>
+                  <a:buSzTx/>
+                  <a:buFont typeface="Arial" panose="020B0604020202020204" pitchFamily="34" charset="0"/>
+                  <a:buChar char="•"/>
+                  <a:tabLst/>
+                  <a:defRPr/>
+                </a:pPr>
+                <a:r>
+                  <a:rPr kumimoji="0" lang="en-GB" sz="1400" b="0" i="1" u="none" strike="noStrike" kern="0" cap="none" spc="0" normalizeH="0" baseline="0" noProof="0" dirty="0">
+                    <a:ln>
+                      <a:noFill/>
+                    </a:ln>
+                    <a:solidFill>
+                      <a:prstClr val="black"/>
+                    </a:solidFill>
+                    <a:effectLst/>
+                    <a:uLnTx/>
+                    <a:uFillTx/>
+                    <a:latin typeface="Palatino Linotype" panose="02040502050505030304" pitchFamily="18" charset="0"/>
+                    <a:ea typeface="+mn-ea"/>
+                    <a:cs typeface="Times New Roman" panose="02020603050405020304" pitchFamily="18" charset="0"/>
+                  </a:rPr>
+                  <a:t>Contact Stiffness: </a:t>
+                </a:r>
+                <a14:m>
+                  <m:oMath xmlns:m="http://schemas.openxmlformats.org/officeDocument/2006/math">
+                    <m:sSub>
+                      <m:sSubPr>
+                        <m:ctrlPr>
+                          <a:rPr kumimoji="0" lang="en-GB" sz="1400" b="0" i="1" u="none" strike="noStrike" kern="0" cap="none" spc="0" normalizeH="0" baseline="0" noProof="0" smtClean="0">
+                            <a:ln>
+                              <a:noFill/>
+                            </a:ln>
+                            <a:solidFill>
+                              <a:prstClr val="black"/>
+                            </a:solidFill>
+                            <a:effectLst/>
+                            <a:uLnTx/>
+                            <a:uFillTx/>
+                            <a:latin typeface="Cambria Math" panose="02040503050406030204" pitchFamily="18" charset="0"/>
+                            <a:ea typeface="+mn-ea"/>
+                            <a:cs typeface="Times New Roman" panose="02020603050405020304" pitchFamily="18" charset="0"/>
+                          </a:rPr>
+                        </m:ctrlPr>
+                      </m:sSubPr>
+                      <m:e>
+                        <m:r>
+                          <a:rPr kumimoji="0" lang="en-US" sz="1400" b="0" i="1" u="none" strike="noStrike" kern="0" cap="none" spc="0" normalizeH="0" baseline="0" noProof="0" smtClean="0">
+                            <a:ln>
+                              <a:noFill/>
+                            </a:ln>
+                            <a:solidFill>
+                              <a:prstClr val="black"/>
+                            </a:solidFill>
+                            <a:effectLst/>
+                            <a:uLnTx/>
+                            <a:uFillTx/>
+                            <a:latin typeface="Cambria Math" panose="02040503050406030204" pitchFamily="18" charset="0"/>
+                            <a:ea typeface="+mn-ea"/>
+                            <a:cs typeface="Times New Roman" panose="02020603050405020304" pitchFamily="18" charset="0"/>
+                          </a:rPr>
+                          <m:t>𝐾</m:t>
+                        </m:r>
+                      </m:e>
+                      <m:sub>
+                        <m:r>
+                          <a:rPr kumimoji="0" lang="en-US" sz="1400" b="0" i="1" u="none" strike="noStrike" kern="0" cap="none" spc="0" normalizeH="0" baseline="0" noProof="0" smtClean="0">
+                            <a:ln>
+                              <a:noFill/>
+                            </a:ln>
+                            <a:solidFill>
+                              <a:prstClr val="black"/>
+                            </a:solidFill>
+                            <a:effectLst/>
+                            <a:uLnTx/>
+                            <a:uFillTx/>
+                            <a:latin typeface="Cambria Math" panose="02040503050406030204" pitchFamily="18" charset="0"/>
+                            <a:ea typeface="+mn-ea"/>
+                            <a:cs typeface="Times New Roman" panose="02020603050405020304" pitchFamily="18" charset="0"/>
+                          </a:rPr>
+                          <m:t>𝑐</m:t>
+                        </m:r>
+                      </m:sub>
+                    </m:sSub>
+                  </m:oMath>
+                </a14:m>
+                <a:endParaRPr kumimoji="0" lang="de-AT" sz="1400" b="0" i="1" u="none" strike="noStrike" kern="0" cap="none" spc="0" normalizeH="0" baseline="0" noProof="0" dirty="0">
+                  <a:ln>
+                    <a:noFill/>
+                  </a:ln>
+                  <a:solidFill>
+                    <a:prstClr val="black"/>
+                  </a:solidFill>
+                  <a:effectLst/>
+                  <a:uLnTx/>
+                  <a:uFillTx/>
+                  <a:latin typeface="Cambria Math" panose="02040503050406030204" pitchFamily="18" charset="0"/>
+                  <a:ea typeface="+mn-ea"/>
+                  <a:cs typeface="Times New Roman" panose="02020603050405020304" pitchFamily="18" charset="0"/>
+                </a:endParaRPr>
+              </a:p>
+            </p:txBody>
+          </p:sp>
+        </mc:Choice>
+        <mc:Fallback>
+          <p:sp>
+            <p:nvSpPr>
+              <p:cNvPr id="62" name="Rectangle: Rounded Corners 61">
+                <a:extLst>
+                  <a:ext uri="{FF2B5EF4-FFF2-40B4-BE49-F238E27FC236}">
+                    <a16:creationId xmlns:a16="http://schemas.microsoft.com/office/drawing/2014/main" id="{A7454EC3-948E-B572-C910-DC323BD45E45}"/>
+                  </a:ext>
+                </a:extLst>
+              </p:cNvPr>
+              <p:cNvSpPr>
+                <a:spLocks noRot="1" noChangeAspect="1" noMove="1" noResize="1" noEditPoints="1" noAdjustHandles="1" noChangeArrowheads="1" noChangeShapeType="1" noTextEdit="1"/>
+              </p:cNvSpPr>
+              <p:nvPr/>
+            </p:nvSpPr>
+            <p:spPr>
+              <a:xfrm>
+                <a:off x="8394188" y="4434879"/>
+                <a:ext cx="2865854" cy="1397060"/>
+              </a:xfrm>
+              <a:prstGeom prst="roundRect">
+                <a:avLst/>
+              </a:prstGeom>
+              <a:blipFill>
+                <a:blip r:embed="rId6"/>
+                <a:stretch>
+                  <a:fillRect/>
+                </a:stretch>
+              </a:blipFill>
+              <a:ln w="28575" cap="flat" cmpd="sng" algn="ctr">
+                <a:solidFill>
+                  <a:srgbClr val="70AD47">
+                    <a:lumMod val="75000"/>
+                  </a:srgbClr>
+                </a:solidFill>
+                <a:prstDash val="solid"/>
+                <a:miter lim="800000"/>
+              </a:ln>
+              <a:effectLst/>
+            </p:spPr>
+            <p:txBody>
+              <a:bodyPr/>
+              <a:lstStyle/>
+              <a:p>
+                <a:r>
+                  <a:rPr lang="en-GB">
+                    <a:noFill/>
+                  </a:rPr>
+                  <a:t> </a:t>
+                </a:r>
+              </a:p>
+            </p:txBody>
+          </p:sp>
+        </mc:Fallback>
+      </mc:AlternateContent>
+      <mc:AlternateContent xmlns:mc="http://schemas.openxmlformats.org/markup-compatibility/2006">
+        <mc:Choice xmlns:a14="http://schemas.microsoft.com/office/drawing/2010/main" Requires="a14">
+          <p:sp>
+            <p:nvSpPr>
+              <p:cNvPr id="63" name="Rectangle: Rounded Corners 62">
+                <a:extLst>
+                  <a:ext uri="{FF2B5EF4-FFF2-40B4-BE49-F238E27FC236}">
+                    <a16:creationId xmlns:a16="http://schemas.microsoft.com/office/drawing/2014/main" id="{80CEDE96-42DD-5E97-6C5B-31EFF9479B22}"/>
+                  </a:ext>
+                </a:extLst>
+              </p:cNvPr>
+              <p:cNvSpPr/>
+              <p:nvPr/>
+            </p:nvSpPr>
+            <p:spPr>
+              <a:xfrm>
+                <a:off x="8202967" y="723426"/>
+                <a:ext cx="3057078" cy="1045972"/>
+              </a:xfrm>
+              <a:prstGeom prst="roundRect">
+                <a:avLst/>
+              </a:prstGeom>
+              <a:solidFill>
+                <a:srgbClr val="FFC000">
+                  <a:lumMod val="20000"/>
+                  <a:lumOff val="80000"/>
+                </a:srgbClr>
+              </a:solidFill>
+              <a:ln w="28575" cap="flat" cmpd="sng" algn="ctr">
+                <a:solidFill>
+                  <a:srgbClr val="FFC000"/>
+                </a:solidFill>
+                <a:prstDash val="solid"/>
+                <a:miter lim="800000"/>
+              </a:ln>
+              <a:effectLst/>
+            </p:spPr>
+            <p:txBody>
+              <a:bodyPr rtlCol="0" anchor="ctr"/>
+              <a:lstStyle/>
+              <a:p>
+                <a:pPr marL="0" marR="0" lvl="0" indent="0" algn="ctr" defTabSz="914400" eaLnBrk="1" fontAlgn="auto" latinLnBrk="0" hangingPunct="1">
+                  <a:lnSpc>
+                    <a:spcPct val="100000"/>
+                  </a:lnSpc>
+                  <a:spcBef>
+                    <a:spcPts val="0"/>
+                  </a:spcBef>
+                  <a:spcAft>
+                    <a:spcPts val="0"/>
+                  </a:spcAft>
+                  <a:buClrTx/>
+                  <a:buSzTx/>
+                  <a:buFontTx/>
+                  <a:buNone/>
+                  <a:tabLst/>
+                  <a:defRPr/>
+                </a:pPr>
+                <a:r>
+                  <a:rPr kumimoji="0" lang="en-GB" sz="1400" b="0" i="0" u="sng" strike="noStrike" kern="0" cap="none" spc="0" normalizeH="0" baseline="0" noProof="0" dirty="0">
+                    <a:ln>
+                      <a:noFill/>
+                    </a:ln>
+                    <a:solidFill>
+                      <a:prstClr val="black"/>
+                    </a:solidFill>
+                    <a:effectLst/>
+                    <a:uLnTx/>
+                    <a:uFillTx/>
+                    <a:latin typeface="Helvetica" panose="020B0604020202020204" pitchFamily="34" charset="0"/>
+                    <a:ea typeface="+mn-ea"/>
+                    <a:cs typeface="Helvetica" panose="020B0604020202020204" pitchFamily="34" charset="0"/>
+                  </a:rPr>
+                  <a:t>Component Level Inputs</a:t>
+                </a:r>
+              </a:p>
+              <a:p>
+                <a:pPr marL="285750" marR="0" lvl="0" indent="-285750" defTabSz="914400" eaLnBrk="1" fontAlgn="auto" latinLnBrk="0" hangingPunct="1">
+                  <a:lnSpc>
+                    <a:spcPct val="100000"/>
+                  </a:lnSpc>
+                  <a:spcBef>
+                    <a:spcPts val="0"/>
+                  </a:spcBef>
+                  <a:spcAft>
+                    <a:spcPts val="0"/>
+                  </a:spcAft>
+                  <a:buClrTx/>
+                  <a:buSzTx/>
+                  <a:buFont typeface="Arial" panose="020B0604020202020204" pitchFamily="34" charset="0"/>
+                  <a:buChar char="•"/>
+                  <a:tabLst/>
+                  <a:defRPr/>
+                </a:pPr>
+                <a:r>
+                  <a:rPr kumimoji="0" lang="en-GB" sz="1400" b="0" i="1" u="none" strike="noStrike" kern="0" cap="none" spc="0" normalizeH="0" baseline="0" noProof="0" dirty="0">
+                    <a:ln>
+                      <a:noFill/>
+                    </a:ln>
+                    <a:solidFill>
+                      <a:prstClr val="black"/>
+                    </a:solidFill>
+                    <a:effectLst/>
+                    <a:uLnTx/>
+                    <a:uFillTx/>
+                    <a:latin typeface="Helvetica" panose="020B0604020202020204" pitchFamily="34" charset="0"/>
+                    <a:ea typeface="+mn-ea"/>
+                    <a:cs typeface="Helvetica" panose="020B0604020202020204" pitchFamily="34" charset="0"/>
+                  </a:rPr>
+                  <a:t>Bearing Geometry: </a:t>
+                </a:r>
+                <a14:m>
+                  <m:oMath xmlns:m="http://schemas.openxmlformats.org/officeDocument/2006/math">
+                    <m:r>
+                      <a:rPr kumimoji="0" lang="en-GB" sz="1400" b="0" i="1" u="none" strike="noStrike" kern="0" cap="none" spc="0" normalizeH="0" baseline="0" noProof="0" smtClean="0">
+                        <a:ln>
+                          <a:noFill/>
+                        </a:ln>
+                        <a:solidFill>
+                          <a:prstClr val="black"/>
+                        </a:solidFill>
+                        <a:effectLst/>
+                        <a:uLnTx/>
+                        <a:uFillTx/>
+                        <a:latin typeface="Cambria Math" panose="02040503050406030204" pitchFamily="18" charset="0"/>
+                        <a:ea typeface="+mn-ea"/>
+                        <a:cs typeface="+mn-cs"/>
+                      </a:rPr>
+                      <m:t>𝐿</m:t>
+                    </m:r>
+                    <m:r>
+                      <a:rPr kumimoji="0" lang="en-GB" sz="1400" b="0" i="1" u="none" strike="noStrike" kern="0" cap="none" spc="0" normalizeH="0" baseline="0" noProof="0" smtClean="0">
+                        <a:ln>
+                          <a:noFill/>
+                        </a:ln>
+                        <a:solidFill>
+                          <a:prstClr val="black"/>
+                        </a:solidFill>
+                        <a:effectLst/>
+                        <a:uLnTx/>
+                        <a:uFillTx/>
+                        <a:latin typeface="Cambria Math" panose="02040503050406030204" pitchFamily="18" charset="0"/>
+                        <a:ea typeface="+mn-ea"/>
+                        <a:cs typeface="+mn-cs"/>
+                      </a:rPr>
+                      <m:t>,</m:t>
+                    </m:r>
+                    <m:r>
+                      <a:rPr kumimoji="0" lang="en-GB" sz="1400" b="0" i="1" u="none" strike="noStrike" kern="0" cap="none" spc="0" normalizeH="0" baseline="0" noProof="0" smtClean="0">
+                        <a:ln>
+                          <a:noFill/>
+                        </a:ln>
+                        <a:solidFill>
+                          <a:prstClr val="black"/>
+                        </a:solidFill>
+                        <a:effectLst/>
+                        <a:uLnTx/>
+                        <a:uFillTx/>
+                        <a:latin typeface="Cambria Math" panose="02040503050406030204" pitchFamily="18" charset="0"/>
+                        <a:ea typeface="+mn-ea"/>
+                        <a:cs typeface="+mn-cs"/>
+                      </a:rPr>
+                      <m:t>𝑅</m:t>
+                    </m:r>
+                    <m:r>
+                      <a:rPr kumimoji="0" lang="en-GB" sz="1400" b="0" i="1" u="none" strike="noStrike" kern="0" cap="none" spc="0" normalizeH="0" baseline="0" noProof="0" smtClean="0">
+                        <a:ln>
+                          <a:noFill/>
+                        </a:ln>
+                        <a:solidFill>
+                          <a:prstClr val="black"/>
+                        </a:solidFill>
+                        <a:effectLst/>
+                        <a:uLnTx/>
+                        <a:uFillTx/>
+                        <a:latin typeface="Cambria Math" panose="02040503050406030204" pitchFamily="18" charset="0"/>
+                        <a:ea typeface="+mn-ea"/>
+                        <a:cs typeface="+mn-cs"/>
+                      </a:rPr>
+                      <m:t>,</m:t>
+                    </m:r>
+                    <m:r>
+                      <a:rPr kumimoji="0" lang="en-GB" sz="1400" b="0" i="1" u="none" strike="noStrike" kern="0" cap="none" spc="0" normalizeH="0" baseline="0" noProof="0" smtClean="0">
+                        <a:ln>
+                          <a:noFill/>
+                        </a:ln>
+                        <a:solidFill>
+                          <a:prstClr val="black"/>
+                        </a:solidFill>
+                        <a:effectLst/>
+                        <a:uLnTx/>
+                        <a:uFillTx/>
+                        <a:latin typeface="Cambria Math" panose="02040503050406030204" pitchFamily="18" charset="0"/>
+                        <a:ea typeface="+mn-ea"/>
+                        <a:cs typeface="+mn-cs"/>
+                      </a:rPr>
+                      <m:t>𝑟</m:t>
+                    </m:r>
+                    <m:r>
+                      <a:rPr kumimoji="0" lang="en-GB" sz="1400" b="0" i="1" u="none" strike="noStrike" kern="0" cap="none" spc="0" normalizeH="0" baseline="0" noProof="0" smtClean="0">
+                        <a:ln>
+                          <a:noFill/>
+                        </a:ln>
+                        <a:solidFill>
+                          <a:prstClr val="black"/>
+                        </a:solidFill>
+                        <a:effectLst/>
+                        <a:uLnTx/>
+                        <a:uFillTx/>
+                        <a:latin typeface="Cambria Math" panose="02040503050406030204" pitchFamily="18" charset="0"/>
+                        <a:ea typeface="+mn-ea"/>
+                        <a:cs typeface="+mn-cs"/>
+                      </a:rPr>
+                      <m:t>,</m:t>
+                    </m:r>
+                    <m:r>
+                      <a:rPr kumimoji="0" lang="en-GB" sz="1400" b="0" i="1" u="none" strike="noStrike" kern="0" cap="none" spc="0" normalizeH="0" baseline="0" noProof="0" smtClean="0">
+                        <a:ln>
+                          <a:noFill/>
+                        </a:ln>
+                        <a:solidFill>
+                          <a:prstClr val="black"/>
+                        </a:solidFill>
+                        <a:effectLst/>
+                        <a:uLnTx/>
+                        <a:uFillTx/>
+                        <a:latin typeface="Cambria Math" panose="02040503050406030204" pitchFamily="18" charset="0"/>
+                        <a:ea typeface="+mn-ea"/>
+                        <a:cs typeface="+mn-cs"/>
+                      </a:rPr>
+                      <m:t>𝐶</m:t>
+                    </m:r>
+                  </m:oMath>
+                </a14:m>
+                <a:r>
+                  <a:rPr kumimoji="0" lang="en-GB" sz="1400" b="0" i="1" u="none" strike="noStrike" kern="0" cap="none" spc="0" normalizeH="0" baseline="0" noProof="0" dirty="0">
+                    <a:ln>
+                      <a:noFill/>
+                    </a:ln>
+                    <a:solidFill>
+                      <a:prstClr val="black"/>
+                    </a:solidFill>
+                    <a:effectLst/>
+                    <a:uLnTx/>
+                    <a:uFillTx/>
+                    <a:latin typeface="Helvetica" panose="020B0604020202020204" pitchFamily="34" charset="0"/>
+                    <a:ea typeface="+mn-ea"/>
+                    <a:cs typeface="Helvetica" panose="020B0604020202020204" pitchFamily="34" charset="0"/>
+                  </a:rPr>
+                  <a:t>, </a:t>
+                </a:r>
+                <a14:m>
+                  <m:oMath xmlns:m="http://schemas.openxmlformats.org/officeDocument/2006/math">
+                    <m:sSub>
+                      <m:sSubPr>
+                        <m:ctrlPr>
+                          <a:rPr kumimoji="0" lang="en-GB" sz="1400" b="0" i="1" u="none" strike="noStrike" kern="0" cap="none" spc="0" normalizeH="0" baseline="0" noProof="0" smtClean="0">
+                            <a:ln>
+                              <a:noFill/>
+                            </a:ln>
+                            <a:solidFill>
+                              <a:prstClr val="black"/>
+                            </a:solidFill>
+                            <a:effectLst/>
+                            <a:uLnTx/>
+                            <a:uFillTx/>
+                            <a:latin typeface="Cambria Math" panose="02040503050406030204" pitchFamily="18" charset="0"/>
+                            <a:ea typeface="+mn-ea"/>
+                            <a:cs typeface="+mn-cs"/>
+                          </a:rPr>
+                        </m:ctrlPr>
+                      </m:sSubPr>
+                      <m:e>
+                        <m:r>
+                          <a:rPr kumimoji="0" lang="en-GB" sz="1400" b="0" i="1" u="none" strike="noStrike" kern="0" cap="none" spc="0" normalizeH="0" baseline="0" noProof="0" smtClean="0">
+                            <a:ln>
+                              <a:noFill/>
+                            </a:ln>
+                            <a:solidFill>
+                              <a:prstClr val="black"/>
+                            </a:solidFill>
+                            <a:effectLst/>
+                            <a:uLnTx/>
+                            <a:uFillTx/>
+                            <a:latin typeface="Cambria Math" panose="02040503050406030204" pitchFamily="18" charset="0"/>
+                            <a:ea typeface="+mn-ea"/>
+                            <a:cs typeface="+mn-cs"/>
+                          </a:rPr>
+                          <m:t>𝐸</m:t>
+                        </m:r>
+                      </m:e>
+                      <m:sub>
+                        <m:r>
+                          <a:rPr kumimoji="0" lang="en-GB" sz="1400" b="0" i="1" u="none" strike="noStrike" kern="0" cap="none" spc="0" normalizeH="0" baseline="0" noProof="0" smtClean="0">
+                            <a:ln>
+                              <a:noFill/>
+                            </a:ln>
+                            <a:solidFill>
+                              <a:prstClr val="black"/>
+                            </a:solidFill>
+                            <a:effectLst/>
+                            <a:uLnTx/>
+                            <a:uFillTx/>
+                            <a:latin typeface="Cambria Math" panose="02040503050406030204" pitchFamily="18" charset="0"/>
+                            <a:ea typeface="+mn-ea"/>
+                            <a:cs typeface="+mn-cs"/>
+                          </a:rPr>
+                          <m:t>𝑟</m:t>
+                        </m:r>
+                      </m:sub>
+                    </m:sSub>
+                  </m:oMath>
+                </a14:m>
+                <a:endParaRPr kumimoji="0" lang="en-GB" sz="1400" b="0" i="1" u="none" strike="noStrike" kern="0" cap="none" spc="0" normalizeH="0" baseline="0" noProof="0" dirty="0">
+                  <a:ln>
+                    <a:noFill/>
+                  </a:ln>
+                  <a:solidFill>
+                    <a:prstClr val="black"/>
+                  </a:solidFill>
+                  <a:effectLst/>
+                  <a:uLnTx/>
+                  <a:uFillTx/>
+                  <a:latin typeface="Helvetica" panose="020B0604020202020204" pitchFamily="34" charset="0"/>
+                  <a:ea typeface="+mn-ea"/>
+                  <a:cs typeface="Helvetica" panose="020B0604020202020204" pitchFamily="34" charset="0"/>
+                </a:endParaRPr>
+              </a:p>
+              <a:p>
+                <a:pPr marL="285750" marR="0" lvl="0" indent="-285750" defTabSz="914400" eaLnBrk="1" fontAlgn="auto" latinLnBrk="0" hangingPunct="1">
+                  <a:lnSpc>
+                    <a:spcPct val="100000"/>
+                  </a:lnSpc>
+                  <a:spcBef>
+                    <a:spcPts val="0"/>
+                  </a:spcBef>
+                  <a:spcAft>
+                    <a:spcPts val="0"/>
+                  </a:spcAft>
+                  <a:buClrTx/>
+                  <a:buSzTx/>
+                  <a:buFont typeface="Arial" panose="020B0604020202020204" pitchFamily="34" charset="0"/>
+                  <a:buChar char="•"/>
+                  <a:tabLst/>
+                  <a:defRPr/>
+                </a:pPr>
+                <a:r>
+                  <a:rPr kumimoji="0" lang="en-GB" sz="1400" b="0" i="1" u="none" strike="noStrike" kern="0" cap="none" spc="0" normalizeH="0" baseline="0" noProof="0" dirty="0">
+                    <a:ln>
+                      <a:noFill/>
+                    </a:ln>
+                    <a:solidFill>
+                      <a:prstClr val="black"/>
+                    </a:solidFill>
+                    <a:effectLst/>
+                    <a:uLnTx/>
+                    <a:uFillTx/>
+                    <a:latin typeface="Helvetica" panose="020B0604020202020204" pitchFamily="34" charset="0"/>
+                    <a:ea typeface="+mn-ea"/>
+                    <a:cs typeface="Helvetica" panose="020B0604020202020204" pitchFamily="34" charset="0"/>
+                  </a:rPr>
+                  <a:t>Lubricant Rheology: </a:t>
+                </a:r>
+                <a14:m>
+                  <m:oMath xmlns:m="http://schemas.openxmlformats.org/officeDocument/2006/math">
+                    <m:r>
+                      <a:rPr kumimoji="0" lang="en-GB" sz="1400" b="0" i="1" u="none" strike="noStrike" kern="0" cap="none" spc="0" normalizeH="0" baseline="0" noProof="0" smtClean="0">
+                        <a:ln>
+                          <a:noFill/>
+                        </a:ln>
+                        <a:solidFill>
+                          <a:prstClr val="black"/>
+                        </a:solidFill>
+                        <a:effectLst/>
+                        <a:uLnTx/>
+                        <a:uFillTx/>
+                        <a:latin typeface="Cambria Math" panose="02040503050406030204" pitchFamily="18" charset="0"/>
+                        <a:ea typeface="+mn-ea"/>
+                        <a:cs typeface="+mn-cs"/>
+                      </a:rPr>
+                      <m:t>𝛼</m:t>
+                    </m:r>
+                  </m:oMath>
+                </a14:m>
+                <a:r>
+                  <a:rPr kumimoji="0" lang="en-GB" sz="1400" b="0" i="1" u="none" strike="noStrike" kern="0" cap="none" spc="0" normalizeH="0" baseline="0" noProof="0" dirty="0">
+                    <a:ln>
+                      <a:noFill/>
+                    </a:ln>
+                    <a:solidFill>
+                      <a:prstClr val="black"/>
+                    </a:solidFill>
+                    <a:effectLst/>
+                    <a:uLnTx/>
+                    <a:uFillTx/>
+                    <a:latin typeface="Helvetica" panose="020B0604020202020204" pitchFamily="34" charset="0"/>
+                    <a:ea typeface="+mn-ea"/>
+                    <a:cs typeface="Helvetica" panose="020B0604020202020204" pitchFamily="34" charset="0"/>
+                  </a:rPr>
+                  <a:t>, </a:t>
+                </a:r>
+                <a14:m>
+                  <m:oMath xmlns:m="http://schemas.openxmlformats.org/officeDocument/2006/math">
+                    <m:sSub>
+                      <m:sSubPr>
+                        <m:ctrlPr>
+                          <a:rPr kumimoji="0" lang="en-GB" sz="1400" b="0" i="1" u="none" strike="noStrike" kern="0" cap="none" spc="0" normalizeH="0" baseline="0" noProof="0" smtClean="0">
+                            <a:ln>
+                              <a:noFill/>
+                            </a:ln>
+                            <a:solidFill>
+                              <a:prstClr val="black"/>
+                            </a:solidFill>
+                            <a:effectLst/>
+                            <a:uLnTx/>
+                            <a:uFillTx/>
+                            <a:latin typeface="Cambria Math" panose="02040503050406030204" pitchFamily="18" charset="0"/>
+                            <a:ea typeface="+mn-ea"/>
+                            <a:cs typeface="+mn-cs"/>
+                          </a:rPr>
+                        </m:ctrlPr>
+                      </m:sSubPr>
+                      <m:e>
+                        <m:r>
+                          <a:rPr kumimoji="0" lang="en-GB" sz="1400" b="0" i="1" u="none" strike="noStrike" kern="0" cap="none" spc="0" normalizeH="0" baseline="0" noProof="0" smtClean="0">
+                            <a:ln>
+                              <a:noFill/>
+                            </a:ln>
+                            <a:solidFill>
+                              <a:prstClr val="black"/>
+                            </a:solidFill>
+                            <a:effectLst/>
+                            <a:uLnTx/>
+                            <a:uFillTx/>
+                            <a:latin typeface="Cambria Math" panose="02040503050406030204" pitchFamily="18" charset="0"/>
+                            <a:ea typeface="+mn-ea"/>
+                            <a:cs typeface="+mn-cs"/>
+                          </a:rPr>
+                          <m:t>𝜂</m:t>
+                        </m:r>
+                      </m:e>
+                      <m:sub>
+                        <m:r>
+                          <a:rPr kumimoji="0" lang="en-GB" sz="1400" b="0" i="1" u="none" strike="noStrike" kern="0" cap="none" spc="0" normalizeH="0" baseline="0" noProof="0" smtClean="0">
+                            <a:ln>
+                              <a:noFill/>
+                            </a:ln>
+                            <a:solidFill>
+                              <a:prstClr val="black"/>
+                            </a:solidFill>
+                            <a:effectLst/>
+                            <a:uLnTx/>
+                            <a:uFillTx/>
+                            <a:latin typeface="Cambria Math" panose="02040503050406030204" pitchFamily="18" charset="0"/>
+                            <a:ea typeface="+mn-ea"/>
+                            <a:cs typeface="+mn-cs"/>
+                          </a:rPr>
+                          <m:t>0</m:t>
+                        </m:r>
+                      </m:sub>
+                    </m:sSub>
+                  </m:oMath>
+                </a14:m>
+                <a:r>
+                  <a:rPr kumimoji="0" lang="en-GB" sz="1400" b="0" i="1" u="none" strike="noStrike" kern="0" cap="none" spc="0" normalizeH="0" baseline="0" noProof="0" dirty="0">
+                    <a:ln>
+                      <a:noFill/>
+                    </a:ln>
+                    <a:solidFill>
+                      <a:prstClr val="black"/>
+                    </a:solidFill>
+                    <a:effectLst/>
+                    <a:uLnTx/>
+                    <a:uFillTx/>
+                    <a:latin typeface="Helvetica" panose="020B0604020202020204" pitchFamily="34" charset="0"/>
+                    <a:ea typeface="+mn-ea"/>
+                    <a:cs typeface="Helvetica" panose="020B0604020202020204" pitchFamily="34" charset="0"/>
+                  </a:rPr>
+                  <a:t>, </a:t>
+                </a:r>
+                <a14:m>
+                  <m:oMath xmlns:m="http://schemas.openxmlformats.org/officeDocument/2006/math">
+                    <m:sSub>
+                      <m:sSubPr>
+                        <m:ctrlPr>
+                          <a:rPr kumimoji="0" lang="en-GB" sz="1400" b="0" i="1" u="none" strike="noStrike" kern="0" cap="none" spc="0" normalizeH="0" baseline="0" noProof="0" smtClean="0">
+                            <a:ln>
+                              <a:noFill/>
+                            </a:ln>
+                            <a:solidFill>
+                              <a:prstClr val="black"/>
+                            </a:solidFill>
+                            <a:effectLst/>
+                            <a:uLnTx/>
+                            <a:uFillTx/>
+                            <a:latin typeface="Cambria Math" panose="02040503050406030204" pitchFamily="18" charset="0"/>
+                            <a:ea typeface="+mn-ea"/>
+                            <a:cs typeface="+mn-cs"/>
+                          </a:rPr>
+                        </m:ctrlPr>
+                      </m:sSubPr>
+                      <m:e>
+                        <m:r>
+                          <a:rPr kumimoji="0" lang="en-GB" sz="1400" b="0" i="1" u="none" strike="noStrike" kern="0" cap="none" spc="0" normalizeH="0" baseline="0" noProof="0" smtClean="0">
+                            <a:ln>
+                              <a:noFill/>
+                            </a:ln>
+                            <a:solidFill>
+                              <a:prstClr val="black"/>
+                            </a:solidFill>
+                            <a:effectLst/>
+                            <a:uLnTx/>
+                            <a:uFillTx/>
+                            <a:latin typeface="Cambria Math" panose="02040503050406030204" pitchFamily="18" charset="0"/>
+                            <a:ea typeface="+mn-ea"/>
+                            <a:cs typeface="+mn-cs"/>
+                          </a:rPr>
+                          <m:t>𝜌</m:t>
+                        </m:r>
+                      </m:e>
+                      <m:sub>
+                        <m:r>
+                          <a:rPr kumimoji="0" lang="en-GB" sz="1400" b="0" i="1" u="none" strike="noStrike" kern="0" cap="none" spc="0" normalizeH="0" baseline="0" noProof="0" smtClean="0">
+                            <a:ln>
+                              <a:noFill/>
+                            </a:ln>
+                            <a:solidFill>
+                              <a:prstClr val="black"/>
+                            </a:solidFill>
+                            <a:effectLst/>
+                            <a:uLnTx/>
+                            <a:uFillTx/>
+                            <a:latin typeface="Cambria Math" panose="02040503050406030204" pitchFamily="18" charset="0"/>
+                            <a:ea typeface="+mn-ea"/>
+                            <a:cs typeface="+mn-cs"/>
+                          </a:rPr>
+                          <m:t>0</m:t>
+                        </m:r>
+                      </m:sub>
+                    </m:sSub>
+                  </m:oMath>
+                </a14:m>
+                <a:endParaRPr kumimoji="0" lang="en-GB" sz="1400" b="0" i="1" u="none" strike="noStrike" kern="0" cap="none" spc="0" normalizeH="0" baseline="0" noProof="0" dirty="0">
+                  <a:ln>
+                    <a:noFill/>
+                  </a:ln>
+                  <a:solidFill>
+                    <a:prstClr val="black"/>
+                  </a:solidFill>
+                  <a:effectLst/>
+                  <a:uLnTx/>
+                  <a:uFillTx/>
+                  <a:latin typeface="Helvetica" panose="020B0604020202020204" pitchFamily="34" charset="0"/>
+                  <a:ea typeface="+mn-ea"/>
+                  <a:cs typeface="Helvetica" panose="020B0604020202020204" pitchFamily="34" charset="0"/>
+                </a:endParaRPr>
+              </a:p>
+              <a:p>
+                <a:pPr marL="285750" marR="0" lvl="0" indent="-285750" defTabSz="914400" eaLnBrk="1" fontAlgn="auto" latinLnBrk="0" hangingPunct="1">
+                  <a:lnSpc>
+                    <a:spcPct val="100000"/>
+                  </a:lnSpc>
+                  <a:spcBef>
+                    <a:spcPts val="0"/>
+                  </a:spcBef>
+                  <a:spcAft>
+                    <a:spcPts val="0"/>
+                  </a:spcAft>
+                  <a:buClrTx/>
+                  <a:buSzTx/>
+                  <a:buFont typeface="Arial" panose="020B0604020202020204" pitchFamily="34" charset="0"/>
+                  <a:buChar char="•"/>
+                  <a:tabLst/>
+                  <a:defRPr/>
+                </a:pPr>
+                <a:r>
+                  <a:rPr kumimoji="0" lang="en-GB" sz="1400" b="0" i="1" u="none" strike="noStrike" kern="0" cap="none" spc="0" normalizeH="0" baseline="0" noProof="0" dirty="0">
+                    <a:ln>
+                      <a:noFill/>
+                    </a:ln>
+                    <a:solidFill>
+                      <a:prstClr val="black"/>
+                    </a:solidFill>
+                    <a:effectLst/>
+                    <a:uLnTx/>
+                    <a:uFillTx/>
+                    <a:latin typeface="Helvetica" panose="020B0604020202020204" pitchFamily="34" charset="0"/>
+                    <a:ea typeface="+mn-ea"/>
+                    <a:cs typeface="Helvetica" panose="020B0604020202020204" pitchFamily="34" charset="0"/>
+                  </a:rPr>
+                  <a:t>Material Properties: </a:t>
+                </a:r>
+                <a14:m>
+                  <m:oMath xmlns:m="http://schemas.openxmlformats.org/officeDocument/2006/math">
+                    <m:r>
+                      <a:rPr kumimoji="0" lang="en-GB" sz="1400" b="0" i="1" u="none" strike="noStrike" kern="0" cap="none" spc="0" normalizeH="0" baseline="0" noProof="0" smtClean="0">
+                        <a:ln>
+                          <a:noFill/>
+                        </a:ln>
+                        <a:solidFill>
+                          <a:prstClr val="black"/>
+                        </a:solidFill>
+                        <a:effectLst/>
+                        <a:uLnTx/>
+                        <a:uFillTx/>
+                        <a:latin typeface="Cambria Math" panose="02040503050406030204" pitchFamily="18" charset="0"/>
+                        <a:ea typeface="+mn-ea"/>
+                        <a:cs typeface="+mn-cs"/>
+                      </a:rPr>
+                      <m:t>𝐸</m:t>
+                    </m:r>
+                  </m:oMath>
+                </a14:m>
+                <a:r>
+                  <a:rPr kumimoji="0" lang="en-GB" sz="1400" b="0" i="1" u="none" strike="noStrike" kern="0" cap="none" spc="0" normalizeH="0" baseline="0" noProof="0" dirty="0">
+                    <a:ln>
+                      <a:noFill/>
+                    </a:ln>
+                    <a:solidFill>
+                      <a:prstClr val="black"/>
+                    </a:solidFill>
+                    <a:effectLst/>
+                    <a:uLnTx/>
+                    <a:uFillTx/>
+                    <a:latin typeface="Helvetica" panose="020B0604020202020204" pitchFamily="34" charset="0"/>
+                    <a:ea typeface="+mn-ea"/>
+                    <a:cs typeface="Helvetica" panose="020B0604020202020204" pitchFamily="34" charset="0"/>
+                  </a:rPr>
+                  <a:t>,</a:t>
+                </a:r>
+                <a:r>
+                  <a:rPr kumimoji="0" lang="el-GR" sz="1400" b="0" i="1" u="none" strike="noStrike" kern="0" cap="none" spc="0" normalizeH="0" baseline="0" noProof="0" dirty="0">
+                    <a:ln>
+                      <a:noFill/>
+                    </a:ln>
+                    <a:solidFill>
+                      <a:prstClr val="black"/>
+                    </a:solidFill>
+                    <a:effectLst/>
+                    <a:uLnTx/>
+                    <a:uFillTx/>
+                    <a:latin typeface="Helvetica" panose="020B0604020202020204" pitchFamily="34" charset="0"/>
+                    <a:ea typeface="+mn-ea"/>
+                    <a:cs typeface="Helvetica" panose="020B0604020202020204" pitchFamily="34" charset="0"/>
+                  </a:rPr>
+                  <a:t> ν</a:t>
+                </a:r>
+                <a:endParaRPr kumimoji="0" lang="en-GB" sz="1400" b="0" i="1" u="none" strike="noStrike" kern="0" cap="none" spc="0" normalizeH="0" baseline="0" noProof="0" dirty="0">
+                  <a:ln>
+                    <a:noFill/>
+                  </a:ln>
+                  <a:solidFill>
+                    <a:prstClr val="black"/>
+                  </a:solidFill>
+                  <a:effectLst/>
+                  <a:uLnTx/>
+                  <a:uFillTx/>
+                  <a:latin typeface="Helvetica" panose="020B0604020202020204" pitchFamily="34" charset="0"/>
+                  <a:ea typeface="+mn-ea"/>
+                  <a:cs typeface="Helvetica" panose="020B0604020202020204" pitchFamily="34" charset="0"/>
+                </a:endParaRPr>
+              </a:p>
+            </p:txBody>
+          </p:sp>
+        </mc:Choice>
+        <mc:Fallback>
+          <p:sp>
+            <p:nvSpPr>
+              <p:cNvPr id="63" name="Rectangle: Rounded Corners 62">
+                <a:extLst>
+                  <a:ext uri="{FF2B5EF4-FFF2-40B4-BE49-F238E27FC236}">
+                    <a16:creationId xmlns:a16="http://schemas.microsoft.com/office/drawing/2014/main" id="{80CEDE96-42DD-5E97-6C5B-31EFF9479B22}"/>
+                  </a:ext>
+                </a:extLst>
+              </p:cNvPr>
+              <p:cNvSpPr>
+                <a:spLocks noRot="1" noChangeAspect="1" noMove="1" noResize="1" noEditPoints="1" noAdjustHandles="1" noChangeArrowheads="1" noChangeShapeType="1" noTextEdit="1"/>
+              </p:cNvSpPr>
+              <p:nvPr/>
+            </p:nvSpPr>
+            <p:spPr>
+              <a:xfrm>
+                <a:off x="8202967" y="723426"/>
+                <a:ext cx="3057078" cy="1045972"/>
+              </a:xfrm>
+              <a:prstGeom prst="roundRect">
+                <a:avLst/>
+              </a:prstGeom>
+              <a:blipFill>
+                <a:blip r:embed="rId7"/>
+                <a:stretch>
+                  <a:fillRect/>
+                </a:stretch>
+              </a:blipFill>
+              <a:ln w="28575" cap="flat" cmpd="sng" algn="ctr">
+                <a:solidFill>
+                  <a:srgbClr val="FFC000"/>
+                </a:solidFill>
+                <a:prstDash val="solid"/>
+                <a:miter lim="800000"/>
+              </a:ln>
+              <a:effectLst/>
+            </p:spPr>
+            <p:txBody>
+              <a:bodyPr/>
+              <a:lstStyle/>
+              <a:p>
+                <a:r>
+                  <a:rPr lang="en-GB">
+                    <a:noFill/>
+                  </a:rPr>
+                  <a:t> </a:t>
+                </a:r>
+              </a:p>
+            </p:txBody>
+          </p:sp>
+        </mc:Fallback>
+      </mc:AlternateContent>
+    </p:spTree>
+    <p:extLst>
+      <p:ext uri="{BB962C8B-B14F-4D97-AF65-F5344CB8AC3E}">
+        <p14:creationId xmlns:p14="http://schemas.microsoft.com/office/powerpoint/2010/main" val="3132891195"/>
+      </p:ext>
+    </p:extLst>
+  </p:cSld>
+  <p:clrMapOvr>
+    <a:masterClrMapping/>
+  </p:clrMapOvr>
+</p:sld>
+</file>
+
+<file path=ppt/slides/slide6.xml><?xml version="1.0" encoding="utf-8"?>
+<p:sld xmlns:a="http://schemas.openxmlformats.org/drawingml/2006/main" xmlns:r="http://schemas.openxmlformats.org/officeDocument/2006/relationships" xmlns:p="http://schemas.openxmlformats.org/presentationml/2006/main">
+  <p:cSld>
+    <p:spTree>
+      <p:nvGrpSpPr>
+        <p:cNvPr id="1" name=""/>
+        <p:cNvGrpSpPr/>
+        <p:nvPr/>
+      </p:nvGrpSpPr>
+      <p:grpSpPr>
+        <a:xfrm>
+          <a:off x="0" y="0"/>
+          <a:ext cx="0" cy="0"/>
+          <a:chOff x="0" y="0"/>
+          <a:chExt cx="0" cy="0"/>
+        </a:xfrm>
+      </p:grpSpPr>
+      <p:cxnSp>
+        <p:nvCxnSpPr>
+          <p:cNvPr id="2" name="Straight Arrow Connector 1">
+            <a:extLst>
+              <a:ext uri="{FF2B5EF4-FFF2-40B4-BE49-F238E27FC236}">
+                <a16:creationId xmlns:a16="http://schemas.microsoft.com/office/drawing/2014/main" id="{AEBA3B82-737D-5C72-B545-917EB7E99BDB}"/>
+              </a:ext>
+            </a:extLst>
+          </p:cNvPr>
+          <p:cNvCxnSpPr>
+            <a:cxnSpLocks/>
+            <a:endCxn id="15" idx="0"/>
+          </p:cNvCxnSpPr>
+          <p:nvPr/>
+        </p:nvCxnSpPr>
+        <p:spPr>
+          <a:xfrm flipH="1">
+            <a:off x="2450789" y="3746982"/>
+            <a:ext cx="580474" cy="687897"/>
+          </a:xfrm>
+          <a:prstGeom prst="straightConnector1">
+            <a:avLst/>
+          </a:prstGeom>
+          <a:ln w="19050">
+            <a:solidFill>
+              <a:schemeClr val="tx1"/>
+            </a:solidFill>
+            <a:headEnd w="lg" len="med"/>
+            <a:tailEnd type="stealth" w="lg" len="lg"/>
+          </a:ln>
+        </p:spPr>
+        <p:style>
+          <a:lnRef idx="1">
+            <a:schemeClr val="accent1"/>
+          </a:lnRef>
+          <a:fillRef idx="0">
+            <a:schemeClr val="accent1"/>
+          </a:fillRef>
+          <a:effectRef idx="0">
+            <a:schemeClr val="accent1"/>
+          </a:effectRef>
+          <a:fontRef idx="minor">
+            <a:schemeClr val="tx1"/>
+          </a:fontRef>
+        </p:style>
+      </p:cxnSp>
+      <p:cxnSp>
+        <p:nvCxnSpPr>
+          <p:cNvPr id="3" name="Straight Arrow Connector 2">
+            <a:extLst>
+              <a:ext uri="{FF2B5EF4-FFF2-40B4-BE49-F238E27FC236}">
+                <a16:creationId xmlns:a16="http://schemas.microsoft.com/office/drawing/2014/main" id="{34BF180F-4DAB-D06E-A495-684C7E81FE58}"/>
+              </a:ext>
+            </a:extLst>
+          </p:cNvPr>
+          <p:cNvCxnSpPr>
+            <a:cxnSpLocks/>
+            <a:endCxn id="16" idx="0"/>
+          </p:cNvCxnSpPr>
+          <p:nvPr/>
+        </p:nvCxnSpPr>
+        <p:spPr>
+          <a:xfrm>
+            <a:off x="9215572" y="3746982"/>
+            <a:ext cx="525639" cy="687897"/>
+          </a:xfrm>
+          <a:prstGeom prst="straightConnector1">
+            <a:avLst/>
+          </a:prstGeom>
+          <a:ln w="19050">
+            <a:solidFill>
+              <a:schemeClr val="tx1"/>
+            </a:solidFill>
+            <a:headEnd w="lg" len="med"/>
+            <a:tailEnd type="stealth" w="lg" len="lg"/>
+          </a:ln>
+        </p:spPr>
+        <p:style>
+          <a:lnRef idx="1">
+            <a:schemeClr val="accent1"/>
+          </a:lnRef>
+          <a:fillRef idx="0">
+            <a:schemeClr val="accent1"/>
+          </a:fillRef>
+          <a:effectRef idx="0">
+            <a:schemeClr val="accent1"/>
+          </a:effectRef>
+          <a:fontRef idx="minor">
+            <a:schemeClr val="tx1"/>
+          </a:fontRef>
+        </p:style>
+      </p:cxnSp>
+      <p:cxnSp>
+        <p:nvCxnSpPr>
+          <p:cNvPr id="4" name="Straight Arrow Connector 3">
+            <a:extLst>
+              <a:ext uri="{FF2B5EF4-FFF2-40B4-BE49-F238E27FC236}">
+                <a16:creationId xmlns:a16="http://schemas.microsoft.com/office/drawing/2014/main" id="{ACF262B2-38DA-ABAD-D2E6-B4427B5F8CDA}"/>
+              </a:ext>
+            </a:extLst>
+          </p:cNvPr>
+          <p:cNvCxnSpPr>
+            <a:cxnSpLocks/>
+            <a:stCxn id="17" idx="2"/>
+          </p:cNvCxnSpPr>
+          <p:nvPr/>
+        </p:nvCxnSpPr>
+        <p:spPr>
+          <a:xfrm flipH="1">
+            <a:off x="9219501" y="1769398"/>
+            <a:ext cx="512005" cy="730521"/>
+          </a:xfrm>
+          <a:prstGeom prst="straightConnector1">
+            <a:avLst/>
+          </a:prstGeom>
+          <a:ln w="19050">
+            <a:solidFill>
+              <a:schemeClr val="tx1"/>
+            </a:solidFill>
+            <a:headEnd w="lg" len="med"/>
+            <a:tailEnd type="stealth" w="lg" len="lg"/>
+          </a:ln>
+        </p:spPr>
+        <p:style>
+          <a:lnRef idx="1">
+            <a:schemeClr val="accent1"/>
+          </a:lnRef>
+          <a:fillRef idx="0">
+            <a:schemeClr val="accent1"/>
+          </a:fillRef>
+          <a:effectRef idx="0">
+            <a:schemeClr val="accent1"/>
+          </a:effectRef>
+          <a:fontRef idx="minor">
+            <a:schemeClr val="tx1"/>
+          </a:fontRef>
+        </p:style>
+      </p:cxnSp>
+      <p:cxnSp>
+        <p:nvCxnSpPr>
+          <p:cNvPr id="5" name="Straight Arrow Connector 4">
+            <a:extLst>
+              <a:ext uri="{FF2B5EF4-FFF2-40B4-BE49-F238E27FC236}">
+                <a16:creationId xmlns:a16="http://schemas.microsoft.com/office/drawing/2014/main" id="{AC65D5DA-2D33-541C-E171-6567AF4BB52D}"/>
+              </a:ext>
+            </a:extLst>
+          </p:cNvPr>
+          <p:cNvCxnSpPr>
+            <a:cxnSpLocks/>
+            <a:stCxn id="14" idx="2"/>
+          </p:cNvCxnSpPr>
+          <p:nvPr/>
+        </p:nvCxnSpPr>
+        <p:spPr>
+          <a:xfrm>
+            <a:off x="2460494" y="1773648"/>
+            <a:ext cx="570769" cy="734043"/>
+          </a:xfrm>
+          <a:prstGeom prst="straightConnector1">
+            <a:avLst/>
+          </a:prstGeom>
+          <a:ln w="19050">
+            <a:solidFill>
+              <a:schemeClr val="tx1"/>
+            </a:solidFill>
+            <a:headEnd w="lg" len="med"/>
+            <a:tailEnd type="stealth" w="lg" len="lg"/>
+          </a:ln>
+        </p:spPr>
+        <p:style>
+          <a:lnRef idx="1">
+            <a:schemeClr val="accent1"/>
+          </a:lnRef>
+          <a:fillRef idx="0">
+            <a:schemeClr val="accent1"/>
+          </a:fillRef>
+          <a:effectRef idx="0">
+            <a:schemeClr val="accent1"/>
+          </a:effectRef>
+          <a:fontRef idx="minor">
+            <a:schemeClr val="tx1"/>
+          </a:fontRef>
+        </p:style>
+      </p:cxnSp>
+      <p:sp>
+        <p:nvSpPr>
+          <p:cNvPr id="6" name="Rectangle: Rounded Corners 5">
+            <a:extLst>
+              <a:ext uri="{FF2B5EF4-FFF2-40B4-BE49-F238E27FC236}">
+                <a16:creationId xmlns:a16="http://schemas.microsoft.com/office/drawing/2014/main" id="{51B71F3D-A8A8-0A93-7B65-0AB52FA38233}"/>
+              </a:ext>
+            </a:extLst>
+          </p:cNvPr>
+          <p:cNvSpPr/>
+          <p:nvPr/>
+        </p:nvSpPr>
+        <p:spPr>
+          <a:xfrm>
+            <a:off x="2934055" y="2438635"/>
+            <a:ext cx="2637448" cy="1392387"/>
+          </a:xfrm>
+          <a:prstGeom prst="roundRect">
+            <a:avLst/>
+          </a:prstGeom>
+          <a:noFill/>
+          <a:ln w="19050">
+            <a:solidFill>
+              <a:schemeClr val="tx1"/>
+            </a:solidFill>
+          </a:ln>
+        </p:spPr>
+        <p:style>
+          <a:lnRef idx="2">
+            <a:schemeClr val="accent1">
+              <a:shade val="50000"/>
+            </a:schemeClr>
+          </a:lnRef>
+          <a:fillRef idx="1">
+            <a:schemeClr val="accent1"/>
+          </a:fillRef>
+          <a:effectRef idx="0">
+            <a:schemeClr val="accent1"/>
+          </a:effectRef>
+          <a:fontRef idx="minor">
+            <a:schemeClr val="lt1"/>
+          </a:fontRef>
+        </p:style>
+        <p:txBody>
+          <a:bodyPr rtlCol="0" anchor="ctr"/>
+          <a:lstStyle/>
+          <a:p>
+            <a:pPr algn="ctr"/>
+            <a:r>
+              <a:rPr lang="en-GB" sz="1400" u="sng" dirty="0">
+                <a:solidFill>
+                  <a:schemeClr val="tx1"/>
+                </a:solidFill>
+                <a:latin typeface="Helvetica" panose="020B0604020202020204" pitchFamily="34" charset="0"/>
+                <a:cs typeface="Helvetica" panose="020B0604020202020204" pitchFamily="34" charset="0"/>
+              </a:rPr>
+              <a:t>System Level FMBD Model:</a:t>
+            </a:r>
+          </a:p>
+          <a:p>
+            <a:pPr algn="ctr"/>
+            <a:r>
+              <a:rPr lang="en-GB" sz="1400" i="1" dirty="0">
+                <a:solidFill>
+                  <a:schemeClr val="tx1"/>
+                </a:solidFill>
+                <a:latin typeface="Helvetica" panose="020B0604020202020204" pitchFamily="34" charset="0"/>
+                <a:cs typeface="Helvetica" panose="020B0604020202020204" pitchFamily="34" charset="0"/>
+              </a:rPr>
+              <a:t>AVL </a:t>
+            </a:r>
+            <a:r>
+              <a:rPr lang="en-US" sz="1400" i="1" dirty="0">
+                <a:solidFill>
+                  <a:schemeClr val="tx1"/>
+                </a:solidFill>
+                <a:effectLst/>
+                <a:latin typeface="Helvetica" panose="020B0604020202020204" pitchFamily="34" charset="0"/>
+                <a:ea typeface="Arial" panose="020B0604020202020204" pitchFamily="34" charset="0"/>
+                <a:cs typeface="Helvetica" panose="020B0604020202020204" pitchFamily="34" charset="0"/>
+              </a:rPr>
+              <a:t>EXCITE</a:t>
+            </a:r>
+            <a:r>
+              <a:rPr lang="en-US" sz="1400" i="1" baseline="30000" dirty="0">
+                <a:solidFill>
+                  <a:schemeClr val="tx1"/>
+                </a:solidFill>
+                <a:effectLst/>
+                <a:latin typeface="Helvetica" panose="020B0604020202020204" pitchFamily="34" charset="0"/>
+                <a:ea typeface="Arial" panose="020B0604020202020204" pitchFamily="34" charset="0"/>
+                <a:cs typeface="Helvetica" panose="020B0604020202020204" pitchFamily="34" charset="0"/>
+              </a:rPr>
+              <a:t>TM</a:t>
+            </a:r>
+            <a:endParaRPr lang="en-GB" sz="1400" i="1" dirty="0">
+              <a:solidFill>
+                <a:schemeClr val="tx1"/>
+              </a:solidFill>
+              <a:effectLst/>
+              <a:latin typeface="Helvetica" panose="020B0604020202020204" pitchFamily="34" charset="0"/>
+              <a:ea typeface="Arial" panose="020B0604020202020204" pitchFamily="34" charset="0"/>
+              <a:cs typeface="Helvetica" panose="020B0604020202020204" pitchFamily="34" charset="0"/>
+            </a:endParaRPr>
+          </a:p>
+          <a:p>
+            <a:endParaRPr lang="en-GB" sz="1400" u="sng" dirty="0">
+              <a:solidFill>
+                <a:schemeClr val="tx1"/>
+              </a:solidFill>
+              <a:latin typeface="Helvetica" panose="020B0604020202020204" pitchFamily="34" charset="0"/>
+              <a:cs typeface="Helvetica" panose="020B0604020202020204" pitchFamily="34" charset="0"/>
+            </a:endParaRPr>
+          </a:p>
+          <a:p>
+            <a:pPr marL="285750" indent="-285750">
+              <a:buFont typeface="Arial" panose="020B0604020202020204" pitchFamily="34" charset="0"/>
+              <a:buChar char="•"/>
+            </a:pPr>
+            <a:r>
+              <a:rPr lang="en-GB" sz="1400" dirty="0">
+                <a:solidFill>
+                  <a:schemeClr val="tx1"/>
+                </a:solidFill>
+                <a:latin typeface="Helvetica" panose="020B0604020202020204" pitchFamily="34" charset="0"/>
+                <a:cs typeface="Helvetica" panose="020B0604020202020204" pitchFamily="34" charset="0"/>
+              </a:rPr>
+              <a:t>Flexible bodies</a:t>
+            </a:r>
+          </a:p>
+          <a:p>
+            <a:pPr marL="285750" indent="-285750">
+              <a:buFont typeface="Arial" panose="020B0604020202020204" pitchFamily="34" charset="0"/>
+              <a:buChar char="•"/>
+            </a:pPr>
+            <a:r>
+              <a:rPr lang="en-GB" sz="1400" dirty="0">
+                <a:solidFill>
+                  <a:schemeClr val="tx1"/>
+                </a:solidFill>
+                <a:latin typeface="Helvetica" panose="020B0604020202020204" pitchFamily="34" charset="0"/>
+                <a:cs typeface="Helvetica" panose="020B0604020202020204" pitchFamily="34" charset="0"/>
+              </a:rPr>
+              <a:t>Simulation control</a:t>
+            </a:r>
+          </a:p>
+        </p:txBody>
+      </p:sp>
+      <mc:AlternateContent xmlns:mc="http://schemas.openxmlformats.org/markup-compatibility/2006">
+        <mc:Choice xmlns:a14="http://schemas.microsoft.com/office/drawing/2010/main" Requires="a14">
+          <p:sp>
+            <p:nvSpPr>
+              <p:cNvPr id="7" name="Rectangle: Rounded Corners 6">
+                <a:extLst>
+                  <a:ext uri="{FF2B5EF4-FFF2-40B4-BE49-F238E27FC236}">
+                    <a16:creationId xmlns:a16="http://schemas.microsoft.com/office/drawing/2014/main" id="{7AA77728-79E5-7E9C-D6DD-A1887219E3C7}"/>
+                  </a:ext>
+                </a:extLst>
+              </p:cNvPr>
+              <p:cNvSpPr/>
+              <p:nvPr/>
+            </p:nvSpPr>
+            <p:spPr>
+              <a:xfrm>
+                <a:off x="4846415" y="4039703"/>
+                <a:ext cx="2637447" cy="1045972"/>
+              </a:xfrm>
+              <a:prstGeom prst="roundRect">
+                <a:avLst/>
+              </a:prstGeom>
+              <a:noFill/>
+              <a:ln w="19050">
+                <a:solidFill>
+                  <a:schemeClr val="tx1"/>
+                </a:solidFill>
+              </a:ln>
+            </p:spPr>
+            <p:style>
+              <a:lnRef idx="2">
+                <a:schemeClr val="accent1">
+                  <a:shade val="50000"/>
+                </a:schemeClr>
+              </a:lnRef>
+              <a:fillRef idx="1">
+                <a:schemeClr val="accent1"/>
+              </a:fillRef>
+              <a:effectRef idx="0">
+                <a:schemeClr val="accent1"/>
+              </a:effectRef>
+              <a:fontRef idx="minor">
+                <a:schemeClr val="lt1"/>
+              </a:fontRef>
+            </p:style>
+            <p:txBody>
+              <a:bodyPr rtlCol="0" anchor="ctr"/>
+              <a:lstStyle/>
+              <a:p>
+                <a:pPr algn="ctr"/>
+                <a:r>
+                  <a:rPr lang="en-GB" sz="1400" u="sng" dirty="0">
+                    <a:solidFill>
+                      <a:schemeClr val="tx1"/>
+                    </a:solidFill>
+                    <a:effectLst/>
+                    <a:latin typeface="Helvetica" panose="020B0604020202020204" pitchFamily="34" charset="0"/>
+                    <a:ea typeface="Times New Roman" panose="02020603050405020304" pitchFamily="18" charset="0"/>
+                    <a:cs typeface="Helvetica" panose="020B0604020202020204" pitchFamily="34" charset="0"/>
+                  </a:rPr>
+                  <a:t>Co-Simulation Data Transfer - Forces</a:t>
+                </a:r>
+                <a:endParaRPr lang="en-GB" sz="1400" u="sng" dirty="0">
+                  <a:solidFill>
+                    <a:schemeClr val="tx1"/>
+                  </a:solidFill>
+                  <a:effectLst/>
+                  <a:latin typeface="Helvetica" panose="020B0604020202020204" pitchFamily="34" charset="0"/>
+                  <a:cs typeface="Helvetica" panose="020B0604020202020204" pitchFamily="34" charset="0"/>
+                </a:endParaRPr>
+              </a:p>
+              <a:p>
+                <a:pPr marL="285750" indent="-285750">
+                  <a:buFont typeface="Arial" panose="020B0604020202020204" pitchFamily="34" charset="0"/>
+                  <a:buChar char="•"/>
+                </a:pPr>
+                <a:r>
+                  <a:rPr lang="en-GB" sz="1400" i="1" dirty="0">
+                    <a:solidFill>
+                      <a:schemeClr val="tx1"/>
+                    </a:solidFill>
+                    <a:latin typeface="Helvetica" panose="020B0604020202020204" pitchFamily="34" charset="0"/>
+                    <a:cs typeface="Helvetica" panose="020B0604020202020204" pitchFamily="34" charset="0"/>
+                  </a:rPr>
+                  <a:t>Non-linear forces: </a:t>
+                </a:r>
+                <a14:m>
+                  <m:oMath xmlns:m="http://schemas.openxmlformats.org/officeDocument/2006/math">
+                    <m:sSubSup>
+                      <m:sSubSupPr>
+                        <m:ctrlPr>
+                          <a:rPr lang="en-GB" sz="1400" i="1" smtClean="0">
+                            <a:solidFill>
+                              <a:schemeClr val="tx1"/>
+                            </a:solidFill>
+                            <a:effectLst/>
+                            <a:latin typeface="Cambria Math" panose="02040503050406030204" pitchFamily="18" charset="0"/>
+                          </a:rPr>
+                        </m:ctrlPr>
+                      </m:sSubSupPr>
+                      <m:e>
+                        <m:r>
+                          <a:rPr lang="en-GB" sz="1400" b="0" i="1" smtClean="0">
+                            <a:solidFill>
+                              <a:schemeClr val="tx1"/>
+                            </a:solidFill>
+                            <a:effectLst/>
+                            <a:latin typeface="Cambria Math" panose="02040503050406030204" pitchFamily="18" charset="0"/>
+                            <a:ea typeface="Times New Roman" panose="02020603050405020304" pitchFamily="18" charset="0"/>
+                            <a:cs typeface="Times New Roman" panose="02020603050405020304" pitchFamily="18" charset="0"/>
+                          </a:rPr>
+                          <m:t>𝑓</m:t>
+                        </m:r>
+                      </m:e>
+                      <m:sub>
+                        <m:r>
+                          <a:rPr lang="en-GB" sz="1400" b="0" i="1" smtClean="0">
+                            <a:solidFill>
+                              <a:schemeClr val="tx1"/>
+                            </a:solidFill>
+                            <a:effectLst/>
+                            <a:latin typeface="Cambria Math" panose="02040503050406030204" pitchFamily="18" charset="0"/>
+                            <a:ea typeface="Times New Roman" panose="02020603050405020304" pitchFamily="18" charset="0"/>
+                            <a:cs typeface="Times New Roman" panose="02020603050405020304" pitchFamily="18" charset="0"/>
+                          </a:rPr>
+                          <m:t>𝑧</m:t>
+                        </m:r>
+                        <m:r>
+                          <a:rPr lang="en-GB" sz="1400" b="0" i="1" smtClean="0">
+                            <a:solidFill>
+                              <a:schemeClr val="tx1"/>
+                            </a:solidFill>
+                            <a:effectLst/>
+                            <a:latin typeface="Cambria Math" panose="02040503050406030204" pitchFamily="18" charset="0"/>
+                            <a:ea typeface="Times New Roman" panose="02020603050405020304" pitchFamily="18" charset="0"/>
+                            <a:cs typeface="Times New Roman" panose="02020603050405020304" pitchFamily="18" charset="0"/>
+                          </a:rPr>
+                          <m:t>,</m:t>
+                        </m:r>
+                        <m:r>
+                          <a:rPr lang="en-GB" sz="1400" b="0" i="1" smtClean="0">
+                            <a:solidFill>
+                              <a:schemeClr val="tx1"/>
+                            </a:solidFill>
+                            <a:effectLst/>
+                            <a:latin typeface="Cambria Math" panose="02040503050406030204" pitchFamily="18" charset="0"/>
+                            <a:ea typeface="Times New Roman" panose="02020603050405020304" pitchFamily="18" charset="0"/>
+                            <a:cs typeface="Times New Roman" panose="02020603050405020304" pitchFamily="18" charset="0"/>
+                          </a:rPr>
+                          <m:t>𝑖</m:t>
+                        </m:r>
+                      </m:sub>
+                      <m:sup>
+                        <m:r>
+                          <a:rPr lang="en-GB" sz="1400" b="0" i="1" smtClean="0">
+                            <a:solidFill>
+                              <a:schemeClr val="tx1"/>
+                            </a:solidFill>
+                            <a:effectLst/>
+                            <a:latin typeface="Cambria Math" panose="02040503050406030204" pitchFamily="18" charset="0"/>
+                            <a:ea typeface="Times New Roman" panose="02020603050405020304" pitchFamily="18" charset="0"/>
+                            <a:cs typeface="Times New Roman" panose="02020603050405020304" pitchFamily="18" charset="0"/>
+                          </a:rPr>
+                          <m:t>∗</m:t>
+                        </m:r>
+                      </m:sup>
+                    </m:sSubSup>
+                  </m:oMath>
+                </a14:m>
+                <a:r>
+                  <a:rPr lang="en-GB" sz="1400" dirty="0">
+                    <a:solidFill>
+                      <a:schemeClr val="tx1"/>
+                    </a:solidFill>
+                    <a:latin typeface="Helvetica" panose="020B0604020202020204" pitchFamily="34" charset="0"/>
+                    <a:cs typeface="Helvetica" panose="020B0604020202020204" pitchFamily="34" charset="0"/>
+                  </a:rPr>
+                  <a:t>, </a:t>
+                </a:r>
+                <a14:m>
+                  <m:oMath xmlns:m="http://schemas.openxmlformats.org/officeDocument/2006/math">
+                    <m:sSubSup>
+                      <m:sSubSupPr>
+                        <m:ctrlPr>
+                          <a:rPr lang="en-GB" sz="1400" i="1">
+                            <a:solidFill>
+                              <a:schemeClr val="tx1"/>
+                            </a:solidFill>
+                            <a:latin typeface="Cambria Math" panose="02040503050406030204" pitchFamily="18" charset="0"/>
+                          </a:rPr>
+                        </m:ctrlPr>
+                      </m:sSubSupPr>
+                      <m:e>
+                        <m:r>
+                          <a:rPr lang="en-GB" sz="1400" i="1">
+                            <a:solidFill>
+                              <a:schemeClr val="tx1"/>
+                            </a:solidFill>
+                            <a:latin typeface="Cambria Math" panose="02040503050406030204" pitchFamily="18" charset="0"/>
+                            <a:ea typeface="Times New Roman" panose="02020603050405020304" pitchFamily="18" charset="0"/>
+                            <a:cs typeface="Times New Roman" panose="02020603050405020304" pitchFamily="18" charset="0"/>
+                          </a:rPr>
+                          <m:t>𝑓</m:t>
+                        </m:r>
+                      </m:e>
+                      <m:sub>
+                        <m:r>
+                          <a:rPr lang="en-GB" sz="1400" i="1">
+                            <a:solidFill>
+                              <a:schemeClr val="tx1"/>
+                            </a:solidFill>
+                            <a:latin typeface="Cambria Math" panose="02040503050406030204" pitchFamily="18" charset="0"/>
+                            <a:ea typeface="Times New Roman" panose="02020603050405020304" pitchFamily="18" charset="0"/>
+                            <a:cs typeface="Times New Roman" panose="02020603050405020304" pitchFamily="18" charset="0"/>
+                          </a:rPr>
+                          <m:t>𝑦</m:t>
+                        </m:r>
+                        <m:r>
+                          <a:rPr lang="en-GB" sz="1400" i="1">
+                            <a:solidFill>
+                              <a:schemeClr val="tx1"/>
+                            </a:solidFill>
+                            <a:latin typeface="Cambria Math" panose="02040503050406030204" pitchFamily="18" charset="0"/>
+                            <a:ea typeface="Times New Roman" panose="02020603050405020304" pitchFamily="18" charset="0"/>
+                            <a:cs typeface="Times New Roman" panose="02020603050405020304" pitchFamily="18" charset="0"/>
+                          </a:rPr>
+                          <m:t>,</m:t>
+                        </m:r>
+                        <m:r>
+                          <a:rPr lang="en-GB" sz="1400" i="1">
+                            <a:solidFill>
+                              <a:schemeClr val="tx1"/>
+                            </a:solidFill>
+                            <a:latin typeface="Cambria Math" panose="02040503050406030204" pitchFamily="18" charset="0"/>
+                            <a:ea typeface="Times New Roman" panose="02020603050405020304" pitchFamily="18" charset="0"/>
+                            <a:cs typeface="Times New Roman" panose="02020603050405020304" pitchFamily="18" charset="0"/>
+                          </a:rPr>
+                          <m:t>𝑖</m:t>
+                        </m:r>
+                      </m:sub>
+                      <m:sup>
+                        <m:r>
+                          <a:rPr lang="en-GB" sz="1400" i="1">
+                            <a:solidFill>
+                              <a:schemeClr val="tx1"/>
+                            </a:solidFill>
+                            <a:latin typeface="Cambria Math" panose="02040503050406030204" pitchFamily="18" charset="0"/>
+                            <a:ea typeface="Times New Roman" panose="02020603050405020304" pitchFamily="18" charset="0"/>
+                            <a:cs typeface="Times New Roman" panose="02020603050405020304" pitchFamily="18" charset="0"/>
+                          </a:rPr>
+                          <m:t>∗</m:t>
+                        </m:r>
+                      </m:sup>
+                    </m:sSubSup>
+                  </m:oMath>
+                </a14:m>
+                <a:endParaRPr lang="en-GB" sz="1400" dirty="0">
+                  <a:solidFill>
+                    <a:schemeClr val="tx1"/>
+                  </a:solidFill>
+                  <a:latin typeface="Helvetica" panose="020B0604020202020204" pitchFamily="34" charset="0"/>
+                  <a:cs typeface="Helvetica" panose="020B0604020202020204" pitchFamily="34" charset="0"/>
+                </a:endParaRPr>
+              </a:p>
+            </p:txBody>
+          </p:sp>
+        </mc:Choice>
+        <mc:Fallback>
+          <p:sp>
+            <p:nvSpPr>
+              <p:cNvPr id="7" name="Rectangle: Rounded Corners 6">
+                <a:extLst>
+                  <a:ext uri="{FF2B5EF4-FFF2-40B4-BE49-F238E27FC236}">
+                    <a16:creationId xmlns:a16="http://schemas.microsoft.com/office/drawing/2014/main" id="{7AA77728-79E5-7E9C-D6DD-A1887219E3C7}"/>
+                  </a:ext>
+                </a:extLst>
+              </p:cNvPr>
+              <p:cNvSpPr>
+                <a:spLocks noRot="1" noChangeAspect="1" noMove="1" noResize="1" noEditPoints="1" noAdjustHandles="1" noChangeArrowheads="1" noChangeShapeType="1" noTextEdit="1"/>
+              </p:cNvSpPr>
+              <p:nvPr/>
+            </p:nvSpPr>
+            <p:spPr>
+              <a:xfrm>
+                <a:off x="4846415" y="4039703"/>
+                <a:ext cx="2637447" cy="1045972"/>
+              </a:xfrm>
+              <a:prstGeom prst="roundRect">
+                <a:avLst/>
+              </a:prstGeom>
+              <a:blipFill>
+                <a:blip r:embed="rId2"/>
+                <a:stretch>
+                  <a:fillRect/>
+                </a:stretch>
+              </a:blipFill>
+              <a:ln w="19050">
+                <a:solidFill>
+                  <a:schemeClr val="tx1"/>
+                </a:solidFill>
+              </a:ln>
+            </p:spPr>
+            <p:txBody>
+              <a:bodyPr/>
+              <a:lstStyle/>
+              <a:p>
+                <a:r>
+                  <a:rPr lang="en-GB">
+                    <a:noFill/>
+                  </a:rPr>
+                  <a:t> </a:t>
+                </a:r>
+              </a:p>
+            </p:txBody>
+          </p:sp>
+        </mc:Fallback>
+      </mc:AlternateContent>
+      <mc:AlternateContent xmlns:mc="http://schemas.openxmlformats.org/markup-compatibility/2006">
+        <mc:Choice xmlns:a14="http://schemas.microsoft.com/office/drawing/2010/main" Requires="a14">
+          <p:sp>
+            <p:nvSpPr>
+              <p:cNvPr id="8" name="Rectangle: Rounded Corners 7">
+                <a:extLst>
+                  <a:ext uri="{FF2B5EF4-FFF2-40B4-BE49-F238E27FC236}">
+                    <a16:creationId xmlns:a16="http://schemas.microsoft.com/office/drawing/2014/main" id="{34B17AC2-A07B-BD3C-34D4-6223696605C7}"/>
+                  </a:ext>
+                </a:extLst>
+              </p:cNvPr>
+              <p:cNvSpPr/>
+              <p:nvPr/>
+            </p:nvSpPr>
+            <p:spPr>
+              <a:xfrm>
+                <a:off x="4846415" y="1198743"/>
+                <a:ext cx="2637448" cy="1045972"/>
+              </a:xfrm>
+              <a:prstGeom prst="roundRect">
+                <a:avLst/>
+              </a:prstGeom>
+              <a:noFill/>
+              <a:ln w="19050">
+                <a:solidFill>
+                  <a:schemeClr val="tx1"/>
+                </a:solidFill>
+              </a:ln>
+            </p:spPr>
+            <p:style>
+              <a:lnRef idx="2">
+                <a:schemeClr val="accent1">
+                  <a:shade val="50000"/>
+                </a:schemeClr>
+              </a:lnRef>
+              <a:fillRef idx="1">
+                <a:schemeClr val="accent1"/>
+              </a:fillRef>
+              <a:effectRef idx="0">
+                <a:schemeClr val="accent1"/>
+              </a:effectRef>
+              <a:fontRef idx="minor">
+                <a:schemeClr val="lt1"/>
+              </a:fontRef>
+            </p:style>
+            <p:txBody>
+              <a:bodyPr rtlCol="0" anchor="ctr"/>
+              <a:lstStyle/>
+              <a:p>
+                <a:pPr algn="ctr"/>
+                <a:r>
+                  <a:rPr lang="en-GB" sz="1400" u="sng" dirty="0">
+                    <a:solidFill>
+                      <a:schemeClr val="tx1"/>
+                    </a:solidFill>
+                    <a:effectLst/>
+                    <a:latin typeface="Helvetica" panose="020B0604020202020204" pitchFamily="34" charset="0"/>
+                    <a:ea typeface="Times New Roman" panose="02020603050405020304" pitchFamily="18" charset="0"/>
+                    <a:cs typeface="Helvetica" panose="020B0604020202020204" pitchFamily="34" charset="0"/>
+                  </a:rPr>
+                  <a:t>Co-Simulation Data Transfer - Kinematics</a:t>
+                </a:r>
+              </a:p>
+              <a:p>
+                <a:pPr marL="285750" indent="-285750">
+                  <a:buFont typeface="Arial" panose="020B0604020202020204" pitchFamily="34" charset="0"/>
+                  <a:buChar char="•"/>
+                </a:pPr>
+                <a:r>
+                  <a:rPr lang="en-GB" sz="1400" i="1" dirty="0">
+                    <a:solidFill>
+                      <a:schemeClr val="tx1"/>
+                    </a:solidFill>
+                    <a:latin typeface="Helvetica" panose="020B0604020202020204" pitchFamily="34" charset="0"/>
+                    <a:cs typeface="Helvetica" panose="020B0604020202020204" pitchFamily="34" charset="0"/>
+                  </a:rPr>
+                  <a:t>Displacements: </a:t>
+                </a:r>
+                <a14:m>
+                  <m:oMath xmlns:m="http://schemas.openxmlformats.org/officeDocument/2006/math">
+                    <m:r>
+                      <a:rPr lang="en-GB" sz="1400" b="0" i="1" smtClean="0">
+                        <a:solidFill>
+                          <a:schemeClr val="tx1"/>
+                        </a:solidFill>
+                        <a:effectLst/>
+                        <a:latin typeface="Cambria Math" panose="02040503050406030204" pitchFamily="18" charset="0"/>
+                        <a:ea typeface="Times New Roman" panose="02020603050405020304" pitchFamily="18" charset="0"/>
+                        <a:cs typeface="Times New Roman" panose="02020603050405020304" pitchFamily="18" charset="0"/>
+                      </a:rPr>
+                      <m:t>𝑞</m:t>
+                    </m:r>
+                  </m:oMath>
+                </a14:m>
+                <a:endParaRPr lang="en-GB" sz="1400" i="1" dirty="0">
+                  <a:solidFill>
+                    <a:schemeClr val="tx1"/>
+                  </a:solidFill>
+                  <a:effectLst/>
+                  <a:latin typeface="Helvetica" panose="020B0604020202020204" pitchFamily="34" charset="0"/>
+                  <a:ea typeface="Times New Roman" panose="02020603050405020304" pitchFamily="18" charset="0"/>
+                  <a:cs typeface="Helvetica" panose="020B0604020202020204" pitchFamily="34" charset="0"/>
+                </a:endParaRPr>
+              </a:p>
+              <a:p>
+                <a:pPr marL="285750" indent="-285750">
+                  <a:buFont typeface="Arial" panose="020B0604020202020204" pitchFamily="34" charset="0"/>
+                  <a:buChar char="•"/>
+                </a:pPr>
+                <a:r>
+                  <a:rPr lang="en-GB" sz="1400" i="1" dirty="0">
+                    <a:solidFill>
+                      <a:schemeClr val="tx1"/>
+                    </a:solidFill>
+                    <a:latin typeface="Helvetica" panose="020B0604020202020204" pitchFamily="34" charset="0"/>
+                    <a:cs typeface="Helvetica" panose="020B0604020202020204" pitchFamily="34" charset="0"/>
+                  </a:rPr>
+                  <a:t>Velocities: </a:t>
+                </a:r>
+                <a14:m>
+                  <m:oMath xmlns:m="http://schemas.openxmlformats.org/officeDocument/2006/math">
+                    <m:acc>
+                      <m:accPr>
+                        <m:chr m:val="̇"/>
+                        <m:ctrlPr>
+                          <a:rPr lang="en-GB" sz="1400" i="1" smtClean="0">
+                            <a:solidFill>
+                              <a:schemeClr val="tx1"/>
+                            </a:solidFill>
+                            <a:effectLst/>
+                            <a:latin typeface="Cambria Math" panose="02040503050406030204" pitchFamily="18" charset="0"/>
+                          </a:rPr>
+                        </m:ctrlPr>
+                      </m:accPr>
+                      <m:e>
+                        <m:r>
+                          <a:rPr lang="en-GB" sz="1400" b="0" i="1" smtClean="0">
+                            <a:solidFill>
+                              <a:schemeClr val="tx1"/>
+                            </a:solidFill>
+                            <a:effectLst/>
+                            <a:latin typeface="Cambria Math" panose="02040503050406030204" pitchFamily="18" charset="0"/>
+                            <a:ea typeface="Times New Roman" panose="02020603050405020304" pitchFamily="18" charset="0"/>
+                            <a:cs typeface="Times New Roman" panose="02020603050405020304" pitchFamily="18" charset="0"/>
+                          </a:rPr>
+                          <m:t>𝑞</m:t>
+                        </m:r>
+                      </m:e>
+                    </m:acc>
+                  </m:oMath>
+                </a14:m>
+                <a:endParaRPr lang="en-GB" sz="1400" dirty="0">
+                  <a:solidFill>
+                    <a:schemeClr val="tx1"/>
+                  </a:solidFill>
+                  <a:latin typeface="Helvetica" panose="020B0604020202020204" pitchFamily="34" charset="0"/>
+                  <a:cs typeface="Helvetica" panose="020B0604020202020204" pitchFamily="34" charset="0"/>
+                </a:endParaRPr>
+              </a:p>
+            </p:txBody>
+          </p:sp>
+        </mc:Choice>
+        <mc:Fallback>
+          <p:sp>
+            <p:nvSpPr>
+              <p:cNvPr id="8" name="Rectangle: Rounded Corners 7">
+                <a:extLst>
+                  <a:ext uri="{FF2B5EF4-FFF2-40B4-BE49-F238E27FC236}">
+                    <a16:creationId xmlns:a16="http://schemas.microsoft.com/office/drawing/2014/main" id="{34B17AC2-A07B-BD3C-34D4-6223696605C7}"/>
+                  </a:ext>
+                </a:extLst>
+              </p:cNvPr>
+              <p:cNvSpPr>
+                <a:spLocks noRot="1" noChangeAspect="1" noMove="1" noResize="1" noEditPoints="1" noAdjustHandles="1" noChangeArrowheads="1" noChangeShapeType="1" noTextEdit="1"/>
+              </p:cNvSpPr>
+              <p:nvPr/>
+            </p:nvSpPr>
+            <p:spPr>
+              <a:xfrm>
+                <a:off x="4846415" y="1198743"/>
+                <a:ext cx="2637448" cy="1045972"/>
+              </a:xfrm>
+              <a:prstGeom prst="roundRect">
+                <a:avLst/>
+              </a:prstGeom>
+              <a:blipFill>
+                <a:blip r:embed="rId3"/>
+                <a:stretch>
+                  <a:fillRect/>
+                </a:stretch>
+              </a:blipFill>
+              <a:ln w="19050">
+                <a:solidFill>
+                  <a:schemeClr val="tx1"/>
+                </a:solidFill>
+              </a:ln>
+            </p:spPr>
+            <p:txBody>
+              <a:bodyPr/>
+              <a:lstStyle/>
+              <a:p>
+                <a:r>
+                  <a:rPr lang="en-GB">
+                    <a:noFill/>
+                  </a:rPr>
+                  <a:t> </a:t>
+                </a:r>
+              </a:p>
+            </p:txBody>
+          </p:sp>
+        </mc:Fallback>
+      </mc:AlternateContent>
+      <p:sp>
+        <p:nvSpPr>
+          <p:cNvPr id="9" name="Rectangle: Rounded Corners 8">
+            <a:extLst>
+              <a:ext uri="{FF2B5EF4-FFF2-40B4-BE49-F238E27FC236}">
+                <a16:creationId xmlns:a16="http://schemas.microsoft.com/office/drawing/2014/main" id="{14F77A9A-9388-48D6-E84E-BC592F353FCD}"/>
+              </a:ext>
+            </a:extLst>
+          </p:cNvPr>
+          <p:cNvSpPr/>
+          <p:nvPr/>
+        </p:nvSpPr>
+        <p:spPr>
+          <a:xfrm>
+            <a:off x="6658548" y="2433962"/>
+            <a:ext cx="2637447" cy="1397060"/>
+          </a:xfrm>
+          <a:prstGeom prst="roundRect">
+            <a:avLst/>
+          </a:prstGeom>
+          <a:noFill/>
+          <a:ln w="19050">
+            <a:solidFill>
+              <a:schemeClr val="tx1"/>
+            </a:solidFill>
+          </a:ln>
+        </p:spPr>
+        <p:style>
+          <a:lnRef idx="2">
+            <a:schemeClr val="accent1">
+              <a:shade val="50000"/>
+            </a:schemeClr>
+          </a:lnRef>
+          <a:fillRef idx="1">
+            <a:schemeClr val="accent1"/>
+          </a:fillRef>
+          <a:effectRef idx="0">
+            <a:schemeClr val="accent1"/>
+          </a:effectRef>
+          <a:fontRef idx="minor">
+            <a:schemeClr val="lt1"/>
+          </a:fontRef>
+        </p:style>
+        <p:txBody>
+          <a:bodyPr rtlCol="0" anchor="ctr"/>
+          <a:lstStyle/>
+          <a:p>
+            <a:pPr algn="ctr"/>
+            <a:r>
+              <a:rPr lang="en-GB" sz="1400" u="sng" dirty="0">
+                <a:solidFill>
+                  <a:schemeClr val="tx1"/>
+                </a:solidFill>
+                <a:latin typeface="Helvetica" panose="020B0604020202020204" pitchFamily="34" charset="0"/>
+                <a:cs typeface="Helvetica" panose="020B0604020202020204" pitchFamily="34" charset="0"/>
+              </a:rPr>
+              <a:t>Lubricated Component Level Bearing Model: </a:t>
+            </a:r>
+            <a:r>
+              <a:rPr lang="en-GB" sz="1400" i="1" dirty="0">
+                <a:solidFill>
+                  <a:schemeClr val="tx1"/>
+                </a:solidFill>
+                <a:latin typeface="Helvetica" panose="020B0604020202020204" pitchFamily="34" charset="0"/>
+                <a:cs typeface="Helvetica" panose="020B0604020202020204" pitchFamily="34" charset="0"/>
+              </a:rPr>
+              <a:t>MATLAB®/Simulink®</a:t>
+            </a:r>
+          </a:p>
+          <a:p>
+            <a:pPr algn="ctr"/>
+            <a:endParaRPr lang="en-GB" sz="1400" u="sng" dirty="0">
+              <a:solidFill>
+                <a:schemeClr val="tx1"/>
+              </a:solidFill>
+              <a:latin typeface="Helvetica" panose="020B0604020202020204" pitchFamily="34" charset="0"/>
+              <a:cs typeface="Helvetica" panose="020B0604020202020204" pitchFamily="34" charset="0"/>
+            </a:endParaRPr>
+          </a:p>
+          <a:p>
+            <a:pPr marL="285750" indent="-285750">
+              <a:buFont typeface="Arial" panose="020B0604020202020204" pitchFamily="34" charset="0"/>
+              <a:buChar char="•"/>
+            </a:pPr>
+            <a:r>
+              <a:rPr lang="en-GB" sz="1400" dirty="0">
+                <a:solidFill>
+                  <a:schemeClr val="tx1"/>
+                </a:solidFill>
+                <a:latin typeface="Helvetica" panose="020B0604020202020204" pitchFamily="34" charset="0"/>
+                <a:cs typeface="Helvetica" panose="020B0604020202020204" pitchFamily="34" charset="0"/>
+              </a:rPr>
+              <a:t>Lubricated contact mechanics</a:t>
+            </a:r>
+          </a:p>
+        </p:txBody>
+      </p:sp>
+      <p:cxnSp>
+        <p:nvCxnSpPr>
+          <p:cNvPr id="10" name="Connector: Elbow 9">
+            <a:extLst>
+              <a:ext uri="{FF2B5EF4-FFF2-40B4-BE49-F238E27FC236}">
+                <a16:creationId xmlns:a16="http://schemas.microsoft.com/office/drawing/2014/main" id="{661C86BE-75DA-0263-5C8F-0102B2C92DC4}"/>
+              </a:ext>
+            </a:extLst>
+          </p:cNvPr>
+          <p:cNvCxnSpPr>
+            <a:cxnSpLocks/>
+            <a:stCxn id="6" idx="0"/>
+            <a:endCxn id="8" idx="1"/>
+          </p:cNvCxnSpPr>
+          <p:nvPr/>
+        </p:nvCxnSpPr>
+        <p:spPr>
+          <a:xfrm rot="5400000" flipH="1" flipV="1">
+            <a:off x="4191144" y="1783364"/>
+            <a:ext cx="716906" cy="593636"/>
+          </a:xfrm>
+          <a:prstGeom prst="bentConnector2">
+            <a:avLst/>
+          </a:prstGeom>
+          <a:ln w="19050">
+            <a:solidFill>
+              <a:schemeClr val="tx1"/>
+            </a:solidFill>
+            <a:headEnd w="lg" len="med"/>
+            <a:tailEnd type="stealth" w="lg" len="lg"/>
+          </a:ln>
+        </p:spPr>
+        <p:style>
+          <a:lnRef idx="1">
+            <a:schemeClr val="accent1"/>
+          </a:lnRef>
+          <a:fillRef idx="0">
+            <a:schemeClr val="accent1"/>
+          </a:fillRef>
+          <a:effectRef idx="0">
+            <a:schemeClr val="accent1"/>
+          </a:effectRef>
+          <a:fontRef idx="minor">
+            <a:schemeClr val="tx1"/>
+          </a:fontRef>
+        </p:style>
+      </p:cxnSp>
+      <p:cxnSp>
+        <p:nvCxnSpPr>
+          <p:cNvPr id="11" name="Connector: Elbow 10">
+            <a:extLst>
+              <a:ext uri="{FF2B5EF4-FFF2-40B4-BE49-F238E27FC236}">
+                <a16:creationId xmlns:a16="http://schemas.microsoft.com/office/drawing/2014/main" id="{414CA737-1B97-6DCE-2900-0AB79A1CED93}"/>
+              </a:ext>
+            </a:extLst>
+          </p:cNvPr>
+          <p:cNvCxnSpPr>
+            <a:cxnSpLocks/>
+            <a:stCxn id="8" idx="3"/>
+            <a:endCxn id="9" idx="0"/>
+          </p:cNvCxnSpPr>
+          <p:nvPr/>
+        </p:nvCxnSpPr>
+        <p:spPr>
+          <a:xfrm>
+            <a:off x="7483863" y="1721729"/>
+            <a:ext cx="493409" cy="712233"/>
+          </a:xfrm>
+          <a:prstGeom prst="bentConnector2">
+            <a:avLst/>
+          </a:prstGeom>
+          <a:ln w="19050">
+            <a:solidFill>
+              <a:schemeClr val="tx1"/>
+            </a:solidFill>
+            <a:headEnd w="lg" len="med"/>
+            <a:tailEnd type="stealth" w="lg" len="lg"/>
+          </a:ln>
+        </p:spPr>
+        <p:style>
+          <a:lnRef idx="1">
+            <a:schemeClr val="accent1"/>
+          </a:lnRef>
+          <a:fillRef idx="0">
+            <a:schemeClr val="accent1"/>
+          </a:fillRef>
+          <a:effectRef idx="0">
+            <a:schemeClr val="accent1"/>
+          </a:effectRef>
+          <a:fontRef idx="minor">
+            <a:schemeClr val="tx1"/>
+          </a:fontRef>
+        </p:style>
+      </p:cxnSp>
+      <p:cxnSp>
+        <p:nvCxnSpPr>
+          <p:cNvPr id="12" name="Connector: Elbow 11">
+            <a:extLst>
+              <a:ext uri="{FF2B5EF4-FFF2-40B4-BE49-F238E27FC236}">
+                <a16:creationId xmlns:a16="http://schemas.microsoft.com/office/drawing/2014/main" id="{3A14AA9A-6414-8144-0A9B-82238DB7693A}"/>
+              </a:ext>
+            </a:extLst>
+          </p:cNvPr>
+          <p:cNvCxnSpPr>
+            <a:cxnSpLocks/>
+            <a:stCxn id="9" idx="2"/>
+            <a:endCxn id="7" idx="3"/>
+          </p:cNvCxnSpPr>
+          <p:nvPr/>
+        </p:nvCxnSpPr>
+        <p:spPr>
+          <a:xfrm rot="5400000">
+            <a:off x="7364734" y="3950150"/>
+            <a:ext cx="731667" cy="493410"/>
+          </a:xfrm>
+          <a:prstGeom prst="bentConnector2">
+            <a:avLst/>
+          </a:prstGeom>
+          <a:ln w="19050">
+            <a:solidFill>
+              <a:schemeClr val="tx1"/>
+            </a:solidFill>
+            <a:headEnd w="lg" len="med"/>
+            <a:tailEnd type="stealth" w="lg" len="lg"/>
+          </a:ln>
+        </p:spPr>
+        <p:style>
+          <a:lnRef idx="1">
+            <a:schemeClr val="accent1"/>
+          </a:lnRef>
+          <a:fillRef idx="0">
+            <a:schemeClr val="accent1"/>
+          </a:fillRef>
+          <a:effectRef idx="0">
+            <a:schemeClr val="accent1"/>
+          </a:effectRef>
+          <a:fontRef idx="minor">
+            <a:schemeClr val="tx1"/>
+          </a:fontRef>
+        </p:style>
+      </p:cxnSp>
+      <p:cxnSp>
+        <p:nvCxnSpPr>
+          <p:cNvPr id="13" name="Connector: Elbow 12">
+            <a:extLst>
+              <a:ext uri="{FF2B5EF4-FFF2-40B4-BE49-F238E27FC236}">
+                <a16:creationId xmlns:a16="http://schemas.microsoft.com/office/drawing/2014/main" id="{4AE315BB-7820-273A-52BA-763F564F27D7}"/>
+              </a:ext>
+            </a:extLst>
+          </p:cNvPr>
+          <p:cNvCxnSpPr>
+            <a:cxnSpLocks/>
+            <a:stCxn id="7" idx="1"/>
+            <a:endCxn id="6" idx="2"/>
+          </p:cNvCxnSpPr>
+          <p:nvPr/>
+        </p:nvCxnSpPr>
+        <p:spPr>
+          <a:xfrm rot="10800000">
+            <a:off x="4252779" y="3831023"/>
+            <a:ext cx="593636" cy="731667"/>
+          </a:xfrm>
+          <a:prstGeom prst="bentConnector2">
+            <a:avLst/>
+          </a:prstGeom>
+          <a:ln w="19050">
+            <a:solidFill>
+              <a:schemeClr val="tx1"/>
+            </a:solidFill>
+            <a:headEnd w="lg" len="med"/>
+            <a:tailEnd type="stealth" w="lg" len="lg"/>
+          </a:ln>
+        </p:spPr>
+        <p:style>
+          <a:lnRef idx="1">
+            <a:schemeClr val="accent1"/>
+          </a:lnRef>
+          <a:fillRef idx="0">
+            <a:schemeClr val="accent1"/>
+          </a:fillRef>
+          <a:effectRef idx="0">
+            <a:schemeClr val="accent1"/>
+          </a:effectRef>
+          <a:fontRef idx="minor">
+            <a:schemeClr val="tx1"/>
+          </a:fontRef>
+        </p:style>
+      </p:cxnSp>
+      <mc:AlternateContent xmlns:mc="http://schemas.openxmlformats.org/markup-compatibility/2006">
+        <mc:Choice xmlns:a14="http://schemas.microsoft.com/office/drawing/2010/main" Requires="a14">
+          <p:sp>
+            <p:nvSpPr>
+              <p:cNvPr id="14" name="Rectangle: Rounded Corners 13">
+                <a:extLst>
+                  <a:ext uri="{FF2B5EF4-FFF2-40B4-BE49-F238E27FC236}">
+                    <a16:creationId xmlns:a16="http://schemas.microsoft.com/office/drawing/2014/main" id="{C1568EA5-0F07-05B8-2AD1-373F2D4CFCED}"/>
+                  </a:ext>
+                </a:extLst>
+              </p:cNvPr>
+              <p:cNvSpPr/>
+              <p:nvPr/>
+            </p:nvSpPr>
+            <p:spPr>
+              <a:xfrm>
+                <a:off x="931955" y="727676"/>
+                <a:ext cx="3057078" cy="1045972"/>
+              </a:xfrm>
+              <a:prstGeom prst="roundRect">
+                <a:avLst/>
+              </a:prstGeom>
+              <a:noFill/>
+              <a:ln w="19050">
+                <a:solidFill>
+                  <a:schemeClr val="tx1"/>
+                </a:solidFill>
+              </a:ln>
+            </p:spPr>
+            <p:style>
+              <a:lnRef idx="2">
+                <a:schemeClr val="accent1">
+                  <a:shade val="50000"/>
+                </a:schemeClr>
+              </a:lnRef>
+              <a:fillRef idx="1">
+                <a:schemeClr val="accent1"/>
+              </a:fillRef>
+              <a:effectRef idx="0">
+                <a:schemeClr val="accent1"/>
+              </a:effectRef>
+              <a:fontRef idx="minor">
+                <a:schemeClr val="lt1"/>
+              </a:fontRef>
+            </p:style>
+            <p:txBody>
+              <a:bodyPr rtlCol="0" anchor="ctr"/>
+              <a:lstStyle/>
+              <a:p>
+                <a:pPr algn="ctr"/>
+                <a:r>
+                  <a:rPr lang="en-GB" sz="1400" u="sng" dirty="0">
+                    <a:solidFill>
+                      <a:schemeClr val="tx1"/>
+                    </a:solidFill>
+                    <a:latin typeface="Helvetica" panose="020B0604020202020204" pitchFamily="34" charset="0"/>
+                    <a:cs typeface="Helvetica" panose="020B0604020202020204" pitchFamily="34" charset="0"/>
+                  </a:rPr>
+                  <a:t>System Level Inputs</a:t>
+                </a:r>
+              </a:p>
+              <a:p>
+                <a:pPr marL="285750" indent="-285750">
+                  <a:buFont typeface="Arial" panose="020B0604020202020204" pitchFamily="34" charset="0"/>
+                  <a:buChar char="•"/>
+                </a:pPr>
+                <a:r>
+                  <a:rPr lang="en-GB" sz="1400" i="1" dirty="0">
+                    <a:solidFill>
+                      <a:schemeClr val="tx1"/>
+                    </a:solidFill>
+                    <a:latin typeface="Helvetica" panose="020B0604020202020204" pitchFamily="34" charset="0"/>
+                    <a:cs typeface="Helvetica" panose="020B0604020202020204" pitchFamily="34" charset="0"/>
+                  </a:rPr>
+                  <a:t>Time-domain forces</a:t>
+                </a:r>
+                <a14:m>
+                  <m:oMath xmlns:m="http://schemas.openxmlformats.org/officeDocument/2006/math">
+                    <m:r>
+                      <a:rPr lang="de-AT" sz="1400" b="0" i="1" smtClean="0">
+                        <a:solidFill>
+                          <a:schemeClr val="tx1"/>
+                        </a:solidFill>
+                        <a:effectLst/>
+                        <a:latin typeface="Cambria Math" panose="02040503050406030204" pitchFamily="18" charset="0"/>
+                      </a:rPr>
+                      <m:t>: </m:t>
+                    </m:r>
+                    <m:sSup>
+                      <m:sSupPr>
+                        <m:ctrlPr>
+                          <a:rPr lang="en-GB" sz="1400" i="1" smtClean="0">
+                            <a:solidFill>
+                              <a:schemeClr val="tx1"/>
+                            </a:solidFill>
+                            <a:effectLst/>
+                            <a:latin typeface="Cambria Math" panose="02040503050406030204" pitchFamily="18" charset="0"/>
+                          </a:rPr>
+                        </m:ctrlPr>
+                      </m:sSupPr>
+                      <m:e>
+                        <m:r>
+                          <a:rPr lang="en-GB" sz="1400" b="0" i="1" smtClean="0">
+                            <a:solidFill>
+                              <a:schemeClr val="tx1"/>
+                            </a:solidFill>
+                            <a:effectLst/>
+                            <a:latin typeface="Cambria Math" panose="02040503050406030204" pitchFamily="18" charset="0"/>
+                            <a:ea typeface="Times New Roman" panose="02020603050405020304" pitchFamily="18" charset="0"/>
+                            <a:cs typeface="Times New Roman" panose="02020603050405020304" pitchFamily="18" charset="0"/>
+                          </a:rPr>
+                          <m:t>𝑓</m:t>
+                        </m:r>
+                      </m:e>
+                      <m:sup>
+                        <m:r>
+                          <a:rPr lang="en-GB" sz="1400" b="0" i="1" smtClean="0">
+                            <a:solidFill>
+                              <a:schemeClr val="tx1"/>
+                            </a:solidFill>
+                            <a:effectLst/>
+                            <a:latin typeface="Cambria Math" panose="02040503050406030204" pitchFamily="18" charset="0"/>
+                            <a:ea typeface="Times New Roman" panose="02020603050405020304" pitchFamily="18" charset="0"/>
+                            <a:cs typeface="Times New Roman" panose="02020603050405020304" pitchFamily="18" charset="0"/>
+                          </a:rPr>
+                          <m:t>𝑎</m:t>
+                        </m:r>
+                      </m:sup>
+                    </m:sSup>
+                  </m:oMath>
+                </a14:m>
+                <a:endParaRPr lang="en-GB" sz="1400" i="1" dirty="0">
+                  <a:solidFill>
+                    <a:schemeClr val="tx1"/>
+                  </a:solidFill>
+                  <a:latin typeface="Helvetica" panose="020B0604020202020204" pitchFamily="34" charset="0"/>
+                  <a:cs typeface="Helvetica" panose="020B0604020202020204" pitchFamily="34" charset="0"/>
+                </a:endParaRPr>
+              </a:p>
+            </p:txBody>
+          </p:sp>
+        </mc:Choice>
+        <mc:Fallback>
+          <p:sp>
+            <p:nvSpPr>
+              <p:cNvPr id="14" name="Rectangle: Rounded Corners 13">
+                <a:extLst>
+                  <a:ext uri="{FF2B5EF4-FFF2-40B4-BE49-F238E27FC236}">
+                    <a16:creationId xmlns:a16="http://schemas.microsoft.com/office/drawing/2014/main" id="{C1568EA5-0F07-05B8-2AD1-373F2D4CFCED}"/>
+                  </a:ext>
+                </a:extLst>
+              </p:cNvPr>
+              <p:cNvSpPr>
+                <a:spLocks noRot="1" noChangeAspect="1" noMove="1" noResize="1" noEditPoints="1" noAdjustHandles="1" noChangeArrowheads="1" noChangeShapeType="1" noTextEdit="1"/>
+              </p:cNvSpPr>
+              <p:nvPr/>
+            </p:nvSpPr>
+            <p:spPr>
+              <a:xfrm>
+                <a:off x="931955" y="727676"/>
+                <a:ext cx="3057078" cy="1045972"/>
+              </a:xfrm>
+              <a:prstGeom prst="roundRect">
+                <a:avLst/>
+              </a:prstGeom>
+              <a:blipFill>
+                <a:blip r:embed="rId4"/>
+                <a:stretch>
+                  <a:fillRect/>
+                </a:stretch>
+              </a:blipFill>
+              <a:ln w="19050">
+                <a:solidFill>
+                  <a:schemeClr val="tx1"/>
+                </a:solidFill>
+              </a:ln>
+            </p:spPr>
+            <p:txBody>
+              <a:bodyPr/>
+              <a:lstStyle/>
+              <a:p>
+                <a:r>
+                  <a:rPr lang="en-GB">
+                    <a:noFill/>
+                  </a:rPr>
+                  <a:t> </a:t>
+                </a:r>
+              </a:p>
+            </p:txBody>
+          </p:sp>
+        </mc:Fallback>
+      </mc:AlternateContent>
+      <mc:AlternateContent xmlns:mc="http://schemas.openxmlformats.org/markup-compatibility/2006">
+        <mc:Choice xmlns:a14="http://schemas.microsoft.com/office/drawing/2010/main" Requires="a14">
+          <p:sp>
+            <p:nvSpPr>
+              <p:cNvPr id="15" name="Rectangle: Rounded Corners 14">
+                <a:extLst>
+                  <a:ext uri="{FF2B5EF4-FFF2-40B4-BE49-F238E27FC236}">
+                    <a16:creationId xmlns:a16="http://schemas.microsoft.com/office/drawing/2014/main" id="{C8BB9C94-AF7C-EB7B-4AB1-C4C511DBCD21}"/>
+                  </a:ext>
+                </a:extLst>
+              </p:cNvPr>
+              <p:cNvSpPr/>
+              <p:nvPr/>
+            </p:nvSpPr>
+            <p:spPr>
+              <a:xfrm>
+                <a:off x="931955" y="4434879"/>
+                <a:ext cx="3037668" cy="1397060"/>
+              </a:xfrm>
+              <a:prstGeom prst="roundRect">
+                <a:avLst/>
+              </a:prstGeom>
+              <a:noFill/>
+              <a:ln w="19050">
+                <a:solidFill>
+                  <a:schemeClr val="tx1"/>
+                </a:solidFill>
+              </a:ln>
+            </p:spPr>
+            <p:style>
+              <a:lnRef idx="2">
+                <a:schemeClr val="accent1">
+                  <a:shade val="50000"/>
+                </a:schemeClr>
+              </a:lnRef>
+              <a:fillRef idx="1">
+                <a:schemeClr val="accent1"/>
+              </a:fillRef>
+              <a:effectRef idx="0">
+                <a:schemeClr val="accent1"/>
+              </a:effectRef>
+              <a:fontRef idx="minor">
+                <a:schemeClr val="lt1"/>
+              </a:fontRef>
+            </p:style>
+            <p:txBody>
+              <a:bodyPr rtlCol="0" anchor="ctr"/>
+              <a:lstStyle/>
+              <a:p>
+                <a:pPr algn="ctr"/>
+                <a:r>
+                  <a:rPr lang="en-GB" sz="1400" u="sng" dirty="0">
+                    <a:solidFill>
+                      <a:schemeClr val="tx1"/>
+                    </a:solidFill>
+                    <a:latin typeface="Helvetica" panose="020B0604020202020204" pitchFamily="34" charset="0"/>
+                    <a:cs typeface="Helvetica" panose="020B0604020202020204" pitchFamily="34" charset="0"/>
+                  </a:rPr>
+                  <a:t>System Level Outputs</a:t>
+                </a:r>
+              </a:p>
+              <a:p>
+                <a:pPr marL="285750" indent="-285750">
+                  <a:buFont typeface="Arial" panose="020B0604020202020204" pitchFamily="34" charset="0"/>
+                  <a:buChar char="•"/>
+                </a:pPr>
+                <a:r>
+                  <a:rPr lang="en-GB" sz="1400" i="1" dirty="0">
+                    <a:solidFill>
+                      <a:schemeClr val="tx1"/>
+                    </a:solidFill>
+                    <a:latin typeface="Helvetica" panose="020B0604020202020204" pitchFamily="34" charset="0"/>
+                    <a:cs typeface="Helvetica" panose="020B0604020202020204" pitchFamily="34" charset="0"/>
+                  </a:rPr>
+                  <a:t>Total bearing force: </a:t>
+                </a:r>
+                <a14:m>
+                  <m:oMath xmlns:m="http://schemas.openxmlformats.org/officeDocument/2006/math">
+                    <m:sSubSup>
+                      <m:sSubSupPr>
+                        <m:ctrlPr>
+                          <a:rPr lang="en-GB" sz="1400" i="1" smtClean="0">
+                            <a:solidFill>
+                              <a:schemeClr val="tx1"/>
+                            </a:solidFill>
+                            <a:effectLst/>
+                            <a:latin typeface="Cambria Math" panose="02040503050406030204" pitchFamily="18" charset="0"/>
+                          </a:rPr>
+                        </m:ctrlPr>
+                      </m:sSubSupPr>
+                      <m:e>
+                        <m:r>
+                          <a:rPr lang="en-GB" sz="1400" b="0" i="1" smtClean="0">
+                            <a:solidFill>
+                              <a:schemeClr val="tx1"/>
+                            </a:solidFill>
+                            <a:effectLst/>
+                            <a:latin typeface="Cambria Math" panose="02040503050406030204" pitchFamily="18" charset="0"/>
+                            <a:ea typeface="Times New Roman" panose="02020603050405020304" pitchFamily="18" charset="0"/>
+                            <a:cs typeface="Times New Roman" panose="02020603050405020304" pitchFamily="18" charset="0"/>
+                          </a:rPr>
+                          <m:t>𝑓</m:t>
+                        </m:r>
+                      </m:e>
+                      <m:sub>
+                        <m:r>
+                          <a:rPr lang="en-GB" sz="1400" b="0" i="1" smtClean="0">
+                            <a:solidFill>
+                              <a:schemeClr val="tx1"/>
+                            </a:solidFill>
+                            <a:effectLst/>
+                            <a:latin typeface="Cambria Math" panose="02040503050406030204" pitchFamily="18" charset="0"/>
+                            <a:ea typeface="Times New Roman" panose="02020603050405020304" pitchFamily="18" charset="0"/>
+                            <a:cs typeface="Times New Roman" panose="02020603050405020304" pitchFamily="18" charset="0"/>
+                          </a:rPr>
+                          <m:t>𝑧</m:t>
+                        </m:r>
+                        <m:r>
+                          <a:rPr lang="en-GB" sz="1400" b="0" i="1" smtClean="0">
+                            <a:solidFill>
+                              <a:schemeClr val="tx1"/>
+                            </a:solidFill>
+                            <a:effectLst/>
+                            <a:latin typeface="Cambria Math" panose="02040503050406030204" pitchFamily="18" charset="0"/>
+                            <a:ea typeface="Times New Roman" panose="02020603050405020304" pitchFamily="18" charset="0"/>
+                            <a:cs typeface="Times New Roman" panose="02020603050405020304" pitchFamily="18" charset="0"/>
+                          </a:rPr>
+                          <m:t>,</m:t>
+                        </m:r>
+                        <m:r>
+                          <a:rPr lang="en-GB" sz="1400" b="0" i="1" smtClean="0">
+                            <a:solidFill>
+                              <a:schemeClr val="tx1"/>
+                            </a:solidFill>
+                            <a:effectLst/>
+                            <a:latin typeface="Cambria Math" panose="02040503050406030204" pitchFamily="18" charset="0"/>
+                            <a:ea typeface="Times New Roman" panose="02020603050405020304" pitchFamily="18" charset="0"/>
+                            <a:cs typeface="Times New Roman" panose="02020603050405020304" pitchFamily="18" charset="0"/>
+                          </a:rPr>
+                          <m:t>𝑖</m:t>
+                        </m:r>
+                      </m:sub>
+                      <m:sup>
+                        <m:r>
+                          <a:rPr lang="en-GB" sz="1400" b="0" i="1" smtClean="0">
+                            <a:solidFill>
+                              <a:schemeClr val="tx1"/>
+                            </a:solidFill>
+                            <a:effectLst/>
+                            <a:latin typeface="Cambria Math" panose="02040503050406030204" pitchFamily="18" charset="0"/>
+                            <a:ea typeface="Times New Roman" panose="02020603050405020304" pitchFamily="18" charset="0"/>
+                            <a:cs typeface="Times New Roman" panose="02020603050405020304" pitchFamily="18" charset="0"/>
+                          </a:rPr>
+                          <m:t>∗</m:t>
+                        </m:r>
+                      </m:sup>
+                    </m:sSubSup>
+                  </m:oMath>
+                </a14:m>
+                <a:r>
+                  <a:rPr lang="en-GB" sz="1400" dirty="0">
+                    <a:solidFill>
+                      <a:schemeClr val="tx1"/>
+                    </a:solidFill>
+                    <a:latin typeface="Helvetica" panose="020B0604020202020204" pitchFamily="34" charset="0"/>
+                    <a:cs typeface="Helvetica" panose="020B0604020202020204" pitchFamily="34" charset="0"/>
+                  </a:rPr>
+                  <a:t>, </a:t>
+                </a:r>
+                <a14:m>
+                  <m:oMath xmlns:m="http://schemas.openxmlformats.org/officeDocument/2006/math">
+                    <m:sSubSup>
+                      <m:sSubSupPr>
+                        <m:ctrlPr>
+                          <a:rPr lang="en-GB" sz="1400" i="1">
+                            <a:solidFill>
+                              <a:schemeClr val="tx1"/>
+                            </a:solidFill>
+                            <a:latin typeface="Cambria Math" panose="02040503050406030204" pitchFamily="18" charset="0"/>
+                          </a:rPr>
+                        </m:ctrlPr>
+                      </m:sSubSupPr>
+                      <m:e>
+                        <m:r>
+                          <a:rPr lang="en-GB" sz="1400" i="1">
+                            <a:solidFill>
+                              <a:schemeClr val="tx1"/>
+                            </a:solidFill>
+                            <a:latin typeface="Cambria Math" panose="02040503050406030204" pitchFamily="18" charset="0"/>
+                            <a:ea typeface="Times New Roman" panose="02020603050405020304" pitchFamily="18" charset="0"/>
+                            <a:cs typeface="Times New Roman" panose="02020603050405020304" pitchFamily="18" charset="0"/>
+                          </a:rPr>
+                          <m:t>𝑓</m:t>
+                        </m:r>
+                      </m:e>
+                      <m:sub>
+                        <m:r>
+                          <a:rPr lang="en-GB" sz="1400" i="1">
+                            <a:solidFill>
+                              <a:schemeClr val="tx1"/>
+                            </a:solidFill>
+                            <a:latin typeface="Cambria Math" panose="02040503050406030204" pitchFamily="18" charset="0"/>
+                            <a:ea typeface="Times New Roman" panose="02020603050405020304" pitchFamily="18" charset="0"/>
+                            <a:cs typeface="Times New Roman" panose="02020603050405020304" pitchFamily="18" charset="0"/>
+                          </a:rPr>
+                          <m:t>𝑦</m:t>
+                        </m:r>
+                        <m:r>
+                          <a:rPr lang="en-GB" sz="1400" i="1">
+                            <a:solidFill>
+                              <a:schemeClr val="tx1"/>
+                            </a:solidFill>
+                            <a:latin typeface="Cambria Math" panose="02040503050406030204" pitchFamily="18" charset="0"/>
+                            <a:ea typeface="Times New Roman" panose="02020603050405020304" pitchFamily="18" charset="0"/>
+                            <a:cs typeface="Times New Roman" panose="02020603050405020304" pitchFamily="18" charset="0"/>
+                          </a:rPr>
+                          <m:t>,</m:t>
+                        </m:r>
+                        <m:r>
+                          <a:rPr lang="en-GB" sz="1400" i="1">
+                            <a:solidFill>
+                              <a:schemeClr val="tx1"/>
+                            </a:solidFill>
+                            <a:latin typeface="Cambria Math" panose="02040503050406030204" pitchFamily="18" charset="0"/>
+                            <a:ea typeface="Times New Roman" panose="02020603050405020304" pitchFamily="18" charset="0"/>
+                            <a:cs typeface="Times New Roman" panose="02020603050405020304" pitchFamily="18" charset="0"/>
+                          </a:rPr>
+                          <m:t>𝑖</m:t>
+                        </m:r>
+                      </m:sub>
+                      <m:sup>
+                        <m:r>
+                          <a:rPr lang="en-GB" sz="1400" i="1">
+                            <a:solidFill>
+                              <a:schemeClr val="tx1"/>
+                            </a:solidFill>
+                            <a:latin typeface="Cambria Math" panose="02040503050406030204" pitchFamily="18" charset="0"/>
+                            <a:ea typeface="Times New Roman" panose="02020603050405020304" pitchFamily="18" charset="0"/>
+                            <a:cs typeface="Times New Roman" panose="02020603050405020304" pitchFamily="18" charset="0"/>
+                          </a:rPr>
+                          <m:t>∗</m:t>
+                        </m:r>
+                      </m:sup>
+                    </m:sSubSup>
+                  </m:oMath>
+                </a14:m>
+                <a:endParaRPr lang="en-GB" sz="1400" i="1" dirty="0">
+                  <a:solidFill>
+                    <a:schemeClr val="tx1"/>
+                  </a:solidFill>
+                  <a:latin typeface="Helvetica" panose="020B0604020202020204" pitchFamily="34" charset="0"/>
+                  <a:cs typeface="Helvetica" panose="020B0604020202020204" pitchFamily="34" charset="0"/>
+                </a:endParaRPr>
+              </a:p>
+              <a:p>
+                <a:pPr marL="285750" indent="-285750">
+                  <a:buFont typeface="Arial" panose="020B0604020202020204" pitchFamily="34" charset="0"/>
+                  <a:buChar char="•"/>
+                </a:pPr>
+                <a:r>
+                  <a:rPr lang="en-GB" sz="1400" i="1" dirty="0">
+                    <a:solidFill>
+                      <a:schemeClr val="tx1"/>
+                    </a:solidFill>
+                    <a:latin typeface="Helvetica" panose="020B0604020202020204" pitchFamily="34" charset="0"/>
+                    <a:cs typeface="Helvetica" panose="020B0604020202020204" pitchFamily="34" charset="0"/>
+                  </a:rPr>
+                  <a:t>Total bearing displacement: </a:t>
+                </a:r>
+                <a14:m>
+                  <m:oMath xmlns:m="http://schemas.openxmlformats.org/officeDocument/2006/math">
+                    <m:r>
+                      <a:rPr lang="en-GB" sz="1400" b="0" i="1" smtClean="0">
+                        <a:solidFill>
+                          <a:schemeClr val="tx1"/>
+                        </a:solidFill>
+                        <a:effectLst/>
+                        <a:latin typeface="Cambria Math" panose="02040503050406030204" pitchFamily="18" charset="0"/>
+                        <a:ea typeface="Times New Roman" panose="02020603050405020304" pitchFamily="18" charset="0"/>
+                        <a:cs typeface="Times New Roman" panose="02020603050405020304" pitchFamily="18" charset="0"/>
+                      </a:rPr>
+                      <m:t>𝑞</m:t>
+                    </m:r>
+                  </m:oMath>
+                </a14:m>
+                <a:endParaRPr lang="en-GB" sz="1400" i="1" dirty="0">
+                  <a:solidFill>
+                    <a:schemeClr val="tx1"/>
+                  </a:solidFill>
+                  <a:latin typeface="Helvetica" panose="020B0604020202020204" pitchFamily="34" charset="0"/>
+                  <a:cs typeface="Helvetica" panose="020B0604020202020204" pitchFamily="34" charset="0"/>
+                </a:endParaRPr>
+              </a:p>
+              <a:p>
+                <a:pPr marL="285750" indent="-285750">
+                  <a:buFont typeface="Arial" panose="020B0604020202020204" pitchFamily="34" charset="0"/>
+                  <a:buChar char="•"/>
+                </a:pPr>
+                <a:r>
+                  <a:rPr lang="en-GB" sz="1400" i="1" dirty="0">
+                    <a:solidFill>
+                      <a:schemeClr val="tx1"/>
+                    </a:solidFill>
+                    <a:latin typeface="Helvetica" panose="020B0604020202020204" pitchFamily="34" charset="0"/>
+                    <a:cs typeface="Helvetica" panose="020B0604020202020204" pitchFamily="34" charset="0"/>
+                  </a:rPr>
+                  <a:t>Total bearing stiffness: </a:t>
+                </a:r>
+                <a14:m>
+                  <m:oMath xmlns:m="http://schemas.openxmlformats.org/officeDocument/2006/math">
+                    <m:sSub>
+                      <m:sSubPr>
+                        <m:ctrlPr>
+                          <a:rPr lang="en-GB" sz="1400" i="1">
+                            <a:solidFill>
+                              <a:schemeClr val="tx1"/>
+                            </a:solidFill>
+                            <a:latin typeface="Cambria Math" panose="02040503050406030204" pitchFamily="18" charset="0"/>
+                            <a:ea typeface="Times New Roman" panose="02020603050405020304" pitchFamily="18" charset="0"/>
+                            <a:cs typeface="Times New Roman" panose="02020603050405020304" pitchFamily="18" charset="0"/>
+                          </a:rPr>
+                        </m:ctrlPr>
+                      </m:sSubPr>
+                      <m:e>
+                        <m:r>
+                          <a:rPr lang="en-GB" sz="1400" i="1" smtClean="0">
+                            <a:solidFill>
+                              <a:schemeClr val="tx1"/>
+                            </a:solidFill>
+                            <a:latin typeface="Cambria Math" panose="02040503050406030204" pitchFamily="18" charset="0"/>
+                            <a:ea typeface="Times New Roman" panose="02020603050405020304" pitchFamily="18" charset="0"/>
+                            <a:cs typeface="Times New Roman" panose="02020603050405020304" pitchFamily="18" charset="0"/>
+                          </a:rPr>
+                          <m:t>𝐾</m:t>
+                        </m:r>
+                      </m:e>
+                      <m:sub>
+                        <m:r>
+                          <a:rPr lang="en-GB" sz="1400" i="1" smtClean="0">
+                            <a:solidFill>
+                              <a:schemeClr val="tx1"/>
+                            </a:solidFill>
+                            <a:latin typeface="Cambria Math" panose="02040503050406030204" pitchFamily="18" charset="0"/>
+                            <a:ea typeface="Times New Roman" panose="02020603050405020304" pitchFamily="18" charset="0"/>
+                            <a:cs typeface="Times New Roman" panose="02020603050405020304" pitchFamily="18" charset="0"/>
+                          </a:rPr>
+                          <m:t>𝑏</m:t>
+                        </m:r>
+                      </m:sub>
+                    </m:sSub>
+                  </m:oMath>
+                </a14:m>
+                <a:endParaRPr lang="en-GB" sz="1400" i="1" dirty="0">
+                  <a:solidFill>
+                    <a:schemeClr val="tx1"/>
+                  </a:solidFill>
+                  <a:latin typeface="Helvetica" panose="020B0604020202020204" pitchFamily="34" charset="0"/>
+                  <a:ea typeface="Times New Roman" panose="02020603050405020304" pitchFamily="18" charset="0"/>
+                  <a:cs typeface="Helvetica" panose="020B0604020202020204" pitchFamily="34" charset="0"/>
+                </a:endParaRPr>
+              </a:p>
+              <a:p>
+                <a:pPr marL="285750" indent="-285750">
+                  <a:buFont typeface="Arial" panose="020B0604020202020204" pitchFamily="34" charset="0"/>
+                  <a:buChar char="•"/>
+                </a:pPr>
+                <a:r>
+                  <a:rPr lang="en-GB" sz="1400" i="1" dirty="0">
+                    <a:solidFill>
+                      <a:schemeClr val="tx1"/>
+                    </a:solidFill>
+                    <a:latin typeface="Helvetica" panose="020B0604020202020204" pitchFamily="34" charset="0"/>
+                    <a:cs typeface="Helvetica" panose="020B0604020202020204" pitchFamily="34" charset="0"/>
+                  </a:rPr>
+                  <a:t>Shaft acceleration: </a:t>
+                </a:r>
+                <a14:m>
+                  <m:oMath xmlns:m="http://schemas.openxmlformats.org/officeDocument/2006/math">
+                    <m:acc>
+                      <m:accPr>
+                        <m:chr m:val="̈"/>
+                        <m:ctrlPr>
+                          <a:rPr lang="en-GB" sz="1400" i="1">
+                            <a:solidFill>
+                              <a:schemeClr val="tx1"/>
+                            </a:solidFill>
+                            <a:latin typeface="Cambria Math" panose="02040503050406030204" pitchFamily="18" charset="0"/>
+                            <a:ea typeface="Times New Roman" panose="02020603050405020304" pitchFamily="18" charset="0"/>
+                            <a:cs typeface="Times New Roman" panose="02020603050405020304" pitchFamily="18" charset="0"/>
+                          </a:rPr>
+                        </m:ctrlPr>
+                      </m:accPr>
+                      <m:e>
+                        <m:r>
+                          <a:rPr lang="en-GB" sz="1400" i="1" smtClean="0">
+                            <a:solidFill>
+                              <a:schemeClr val="tx1"/>
+                            </a:solidFill>
+                            <a:latin typeface="Cambria Math" panose="02040503050406030204" pitchFamily="18" charset="0"/>
+                            <a:ea typeface="Times New Roman" panose="02020603050405020304" pitchFamily="18" charset="0"/>
+                            <a:cs typeface="Times New Roman" panose="02020603050405020304" pitchFamily="18" charset="0"/>
+                          </a:rPr>
+                          <m:t>𝑞</m:t>
+                        </m:r>
+                      </m:e>
+                    </m:acc>
+                  </m:oMath>
+                </a14:m>
+                <a:endParaRPr lang="en-GB" sz="1400" i="1" dirty="0">
+                  <a:solidFill>
+                    <a:schemeClr val="tx1"/>
+                  </a:solidFill>
+                  <a:latin typeface="Helvetica" panose="020B0604020202020204" pitchFamily="34" charset="0"/>
+                  <a:ea typeface="Times New Roman" panose="02020603050405020304" pitchFamily="18" charset="0"/>
+                  <a:cs typeface="Helvetica" panose="020B0604020202020204" pitchFamily="34" charset="0"/>
+                </a:endParaRPr>
+              </a:p>
+            </p:txBody>
+          </p:sp>
+        </mc:Choice>
+        <mc:Fallback>
+          <p:sp>
+            <p:nvSpPr>
+              <p:cNvPr id="15" name="Rectangle: Rounded Corners 14">
+                <a:extLst>
+                  <a:ext uri="{FF2B5EF4-FFF2-40B4-BE49-F238E27FC236}">
+                    <a16:creationId xmlns:a16="http://schemas.microsoft.com/office/drawing/2014/main" id="{C8BB9C94-AF7C-EB7B-4AB1-C4C511DBCD21}"/>
+                  </a:ext>
+                </a:extLst>
+              </p:cNvPr>
+              <p:cNvSpPr>
+                <a:spLocks noRot="1" noChangeAspect="1" noMove="1" noResize="1" noEditPoints="1" noAdjustHandles="1" noChangeArrowheads="1" noChangeShapeType="1" noTextEdit="1"/>
+              </p:cNvSpPr>
+              <p:nvPr/>
+            </p:nvSpPr>
+            <p:spPr>
+              <a:xfrm>
+                <a:off x="931955" y="4434879"/>
+                <a:ext cx="3037668" cy="1397060"/>
+              </a:xfrm>
+              <a:prstGeom prst="roundRect">
+                <a:avLst/>
+              </a:prstGeom>
+              <a:blipFill>
+                <a:blip r:embed="rId5"/>
+                <a:stretch>
+                  <a:fillRect/>
+                </a:stretch>
+              </a:blipFill>
+              <a:ln w="19050">
+                <a:solidFill>
+                  <a:schemeClr val="tx1"/>
+                </a:solidFill>
+              </a:ln>
+            </p:spPr>
+            <p:txBody>
+              <a:bodyPr/>
+              <a:lstStyle/>
+              <a:p>
+                <a:r>
+                  <a:rPr lang="en-GB">
+                    <a:noFill/>
+                  </a:rPr>
+                  <a:t> </a:t>
+                </a:r>
+              </a:p>
+            </p:txBody>
+          </p:sp>
+        </mc:Fallback>
+      </mc:AlternateContent>
+      <mc:AlternateContent xmlns:mc="http://schemas.openxmlformats.org/markup-compatibility/2006">
+        <mc:Choice xmlns:a14="http://schemas.microsoft.com/office/drawing/2010/main" Requires="a14">
+          <p:sp>
+            <p:nvSpPr>
+              <p:cNvPr id="16" name="Rectangle: Rounded Corners 15">
+                <a:extLst>
+                  <a:ext uri="{FF2B5EF4-FFF2-40B4-BE49-F238E27FC236}">
+                    <a16:creationId xmlns:a16="http://schemas.microsoft.com/office/drawing/2014/main" id="{33DE2972-5193-22A9-1528-D0DE7FFE294D}"/>
+                  </a:ext>
+                </a:extLst>
+              </p:cNvPr>
+              <p:cNvSpPr/>
+              <p:nvPr/>
+            </p:nvSpPr>
+            <p:spPr>
+              <a:xfrm>
+                <a:off x="8222377" y="4434879"/>
+                <a:ext cx="3037668" cy="1397060"/>
+              </a:xfrm>
+              <a:prstGeom prst="roundRect">
+                <a:avLst/>
+              </a:prstGeom>
+              <a:noFill/>
+              <a:ln w="19050">
+                <a:solidFill>
+                  <a:schemeClr val="tx1"/>
+                </a:solidFill>
+              </a:ln>
+            </p:spPr>
+            <p:style>
+              <a:lnRef idx="2">
+                <a:schemeClr val="accent1">
+                  <a:shade val="50000"/>
+                </a:schemeClr>
+              </a:lnRef>
+              <a:fillRef idx="1">
+                <a:schemeClr val="accent1"/>
+              </a:fillRef>
+              <a:effectRef idx="0">
+                <a:schemeClr val="accent1"/>
+              </a:effectRef>
+              <a:fontRef idx="minor">
+                <a:schemeClr val="lt1"/>
+              </a:fontRef>
+            </p:style>
+            <p:txBody>
+              <a:bodyPr rtlCol="0" anchor="ctr"/>
+              <a:lstStyle/>
+              <a:p>
+                <a:pPr algn="ctr"/>
+                <a:r>
+                  <a:rPr lang="en-GB" sz="1400" u="sng" dirty="0">
+                    <a:solidFill>
+                      <a:schemeClr val="tx1"/>
+                    </a:solidFill>
+                    <a:latin typeface="Helvetica" panose="020B0604020202020204" pitchFamily="34" charset="0"/>
+                    <a:ea typeface="Times New Roman" panose="02020603050405020304" pitchFamily="18" charset="0"/>
+                    <a:cs typeface="Helvetica" panose="020B0604020202020204" pitchFamily="34" charset="0"/>
+                  </a:rPr>
+                  <a:t>Contact Level Outputs</a:t>
+                </a:r>
+                <a:endParaRPr lang="en-GB" sz="1400" i="1" u="sng" dirty="0">
+                  <a:solidFill>
+                    <a:schemeClr val="tx1"/>
+                  </a:solidFill>
+                  <a:latin typeface="Helvetica" panose="020B0604020202020204" pitchFamily="34" charset="0"/>
+                  <a:cs typeface="Helvetica" panose="020B0604020202020204" pitchFamily="34" charset="0"/>
+                </a:endParaRPr>
+              </a:p>
+              <a:p>
+                <a:pPr marL="285750" indent="-285750">
+                  <a:buFont typeface="Arial" panose="020B0604020202020204" pitchFamily="34" charset="0"/>
+                  <a:buChar char="•"/>
+                </a:pPr>
+                <a:r>
+                  <a:rPr lang="en-GB" sz="1400" i="1" dirty="0">
+                    <a:solidFill>
+                      <a:schemeClr val="tx1"/>
+                    </a:solidFill>
+                    <a:latin typeface="Helvetica" panose="020B0604020202020204" pitchFamily="34" charset="0"/>
+                    <a:cs typeface="Helvetica" panose="020B0604020202020204" pitchFamily="34" charset="0"/>
+                  </a:rPr>
+                  <a:t>Central film thickness: </a:t>
+                </a:r>
+                <a14:m>
+                  <m:oMath xmlns:m="http://schemas.openxmlformats.org/officeDocument/2006/math">
+                    <m:sSub>
+                      <m:sSubPr>
+                        <m:ctrlPr>
+                          <a:rPr lang="de-AT" sz="1400" b="0" i="1" smtClean="0">
+                            <a:solidFill>
+                              <a:schemeClr val="tx1"/>
+                            </a:solidFill>
+                            <a:latin typeface="Cambria Math" panose="02040503050406030204" pitchFamily="18" charset="0"/>
+                            <a:cs typeface="Times New Roman" panose="02020603050405020304" pitchFamily="18" charset="0"/>
+                          </a:rPr>
+                        </m:ctrlPr>
+                      </m:sSubPr>
+                      <m:e>
+                        <m:r>
+                          <a:rPr lang="de-AT" sz="1400" b="0" i="1" smtClean="0">
+                            <a:solidFill>
+                              <a:schemeClr val="tx1"/>
+                            </a:solidFill>
+                            <a:latin typeface="Cambria Math" panose="02040503050406030204" pitchFamily="18" charset="0"/>
+                            <a:cs typeface="Times New Roman" panose="02020603050405020304" pitchFamily="18" charset="0"/>
+                          </a:rPr>
+                          <m:t>h</m:t>
+                        </m:r>
+                      </m:e>
+                      <m:sub>
+                        <m:r>
+                          <a:rPr lang="de-AT" sz="1400" b="0" i="1" smtClean="0">
+                            <a:solidFill>
+                              <a:schemeClr val="tx1"/>
+                            </a:solidFill>
+                            <a:latin typeface="Cambria Math" panose="02040503050406030204" pitchFamily="18" charset="0"/>
+                            <a:cs typeface="Times New Roman" panose="02020603050405020304" pitchFamily="18" charset="0"/>
+                          </a:rPr>
+                          <m:t>𝑐</m:t>
+                        </m:r>
+                      </m:sub>
+                    </m:sSub>
+                  </m:oMath>
+                </a14:m>
+                <a:endParaRPr lang="de-AT" sz="1400" b="0" i="1" dirty="0">
+                  <a:solidFill>
+                    <a:schemeClr val="tx1"/>
+                  </a:solidFill>
+                  <a:latin typeface="Helvetica" panose="020B0604020202020204" pitchFamily="34" charset="0"/>
+                  <a:cs typeface="Helvetica" panose="020B0604020202020204" pitchFamily="34" charset="0"/>
+                </a:endParaRPr>
+              </a:p>
+              <a:p>
+                <a:pPr marL="285750" indent="-285750">
+                  <a:buFont typeface="Arial" panose="020B0604020202020204" pitchFamily="34" charset="0"/>
+                  <a:buChar char="•"/>
+                </a:pPr>
+                <a:r>
+                  <a:rPr lang="en-GB" sz="1400" i="1" dirty="0">
+                    <a:solidFill>
+                      <a:schemeClr val="tx1"/>
+                    </a:solidFill>
+                    <a:latin typeface="Helvetica" panose="020B0604020202020204" pitchFamily="34" charset="0"/>
+                    <a:cs typeface="Helvetica" panose="020B0604020202020204" pitchFamily="34" charset="0"/>
+                  </a:rPr>
+                  <a:t>Contact force:</a:t>
+                </a:r>
+                <a:r>
+                  <a:rPr lang="en-GB" sz="1400" dirty="0">
+                    <a:effectLst/>
+                    <a:latin typeface="Helvetica" panose="020B0604020202020204" pitchFamily="34" charset="0"/>
+                    <a:cs typeface="Helvetica" panose="020B0604020202020204" pitchFamily="34" charset="0"/>
+                  </a:rPr>
+                  <a:t> </a:t>
+                </a:r>
+                <a14:m>
+                  <m:oMath xmlns:m="http://schemas.openxmlformats.org/officeDocument/2006/math">
+                    <m:r>
+                      <a:rPr lang="de-AT" sz="1400" b="0" i="1" smtClean="0">
+                        <a:solidFill>
+                          <a:schemeClr val="tx1"/>
+                        </a:solidFill>
+                        <a:latin typeface="Cambria Math" panose="02040503050406030204" pitchFamily="18" charset="0"/>
+                        <a:cs typeface="Times New Roman" panose="02020603050405020304" pitchFamily="18" charset="0"/>
+                      </a:rPr>
+                      <m:t>𝑤</m:t>
+                    </m:r>
+                  </m:oMath>
+                </a14:m>
+                <a:endParaRPr lang="en-GB" sz="1400" i="1" dirty="0">
+                  <a:solidFill>
+                    <a:schemeClr val="tx1"/>
+                  </a:solidFill>
+                  <a:latin typeface="Helvetica" panose="020B0604020202020204" pitchFamily="34" charset="0"/>
+                  <a:cs typeface="Helvetica" panose="020B0604020202020204" pitchFamily="34" charset="0"/>
+                </a:endParaRPr>
+              </a:p>
+              <a:p>
+                <a:pPr marL="285750" indent="-285750">
+                  <a:buFont typeface="Arial" panose="020B0604020202020204" pitchFamily="34" charset="0"/>
+                  <a:buChar char="•"/>
+                </a:pPr>
+                <a:r>
+                  <a:rPr lang="en-GB" sz="1400" i="1" dirty="0">
+                    <a:solidFill>
+                      <a:schemeClr val="tx1"/>
+                    </a:solidFill>
+                    <a:latin typeface="Helvetica" panose="020B0604020202020204" pitchFamily="34" charset="0"/>
+                    <a:cs typeface="Helvetica" panose="020B0604020202020204" pitchFamily="34" charset="0"/>
+                  </a:rPr>
+                  <a:t>Contact deformation: </a:t>
+                </a:r>
+                <a14:m>
+                  <m:oMath xmlns:m="http://schemas.openxmlformats.org/officeDocument/2006/math">
+                    <m:r>
+                      <a:rPr lang="en-US" sz="1400" i="1">
+                        <a:solidFill>
+                          <a:schemeClr val="tx1"/>
+                        </a:solidFill>
+                        <a:latin typeface="Cambria Math" panose="02040503050406030204" pitchFamily="18" charset="0"/>
+                        <a:cs typeface="Times New Roman" panose="02020603050405020304" pitchFamily="18" charset="0"/>
+                      </a:rPr>
+                      <m:t>𝛿</m:t>
+                    </m:r>
+                  </m:oMath>
+                </a14:m>
+                <a:endParaRPr lang="en-GB" sz="1400" i="1" dirty="0">
+                  <a:solidFill>
+                    <a:schemeClr val="tx1"/>
+                  </a:solidFill>
+                  <a:latin typeface="Helvetica" panose="020B0604020202020204" pitchFamily="34" charset="0"/>
+                  <a:cs typeface="Helvetica" panose="020B0604020202020204" pitchFamily="34" charset="0"/>
+                </a:endParaRPr>
+              </a:p>
+              <a:p>
+                <a:pPr marL="285750" indent="-285750">
+                  <a:buFont typeface="Arial" panose="020B0604020202020204" pitchFamily="34" charset="0"/>
+                  <a:buChar char="•"/>
+                </a:pPr>
+                <a:r>
+                  <a:rPr lang="en-GB" sz="1400" i="1" dirty="0">
+                    <a:solidFill>
+                      <a:schemeClr val="tx1"/>
+                    </a:solidFill>
+                    <a:latin typeface="Helvetica" panose="020B0604020202020204" pitchFamily="34" charset="0"/>
+                    <a:cs typeface="Helvetica" panose="020B0604020202020204" pitchFamily="34" charset="0"/>
+                  </a:rPr>
+                  <a:t>Contact stiffness: </a:t>
+                </a:r>
+                <a14:m>
+                  <m:oMath xmlns:m="http://schemas.openxmlformats.org/officeDocument/2006/math">
+                    <m:sSub>
+                      <m:sSubPr>
+                        <m:ctrlPr>
+                          <a:rPr lang="en-GB" sz="1400" i="1">
+                            <a:solidFill>
+                              <a:schemeClr val="tx1"/>
+                            </a:solidFill>
+                            <a:latin typeface="Cambria Math" panose="02040503050406030204" pitchFamily="18" charset="0"/>
+                            <a:cs typeface="Times New Roman" panose="02020603050405020304" pitchFamily="18" charset="0"/>
+                          </a:rPr>
+                        </m:ctrlPr>
+                      </m:sSubPr>
+                      <m:e>
+                        <m:r>
+                          <a:rPr lang="en-US" sz="1400" i="1">
+                            <a:solidFill>
+                              <a:schemeClr val="tx1"/>
+                            </a:solidFill>
+                            <a:latin typeface="Cambria Math" panose="02040503050406030204" pitchFamily="18" charset="0"/>
+                            <a:cs typeface="Times New Roman" panose="02020603050405020304" pitchFamily="18" charset="0"/>
+                          </a:rPr>
+                          <m:t>𝐾</m:t>
+                        </m:r>
+                      </m:e>
+                      <m:sub>
+                        <m:r>
+                          <a:rPr lang="en-US" sz="1400" i="1">
+                            <a:solidFill>
+                              <a:schemeClr val="tx1"/>
+                            </a:solidFill>
+                            <a:latin typeface="Cambria Math" panose="02040503050406030204" pitchFamily="18" charset="0"/>
+                            <a:cs typeface="Times New Roman" panose="02020603050405020304" pitchFamily="18" charset="0"/>
+                          </a:rPr>
+                          <m:t>𝑐</m:t>
+                        </m:r>
+                      </m:sub>
+                    </m:sSub>
+                  </m:oMath>
+                </a14:m>
+                <a:endParaRPr lang="de-AT" sz="1400" i="1" dirty="0">
+                  <a:solidFill>
+                    <a:schemeClr val="tx1"/>
+                  </a:solidFill>
+                  <a:latin typeface="Helvetica" panose="020B0604020202020204" pitchFamily="34" charset="0"/>
+                  <a:cs typeface="Helvetica" panose="020B0604020202020204" pitchFamily="34" charset="0"/>
+                </a:endParaRPr>
+              </a:p>
+            </p:txBody>
+          </p:sp>
+        </mc:Choice>
+        <mc:Fallback>
+          <p:sp>
+            <p:nvSpPr>
+              <p:cNvPr id="16" name="Rectangle: Rounded Corners 15">
+                <a:extLst>
+                  <a:ext uri="{FF2B5EF4-FFF2-40B4-BE49-F238E27FC236}">
+                    <a16:creationId xmlns:a16="http://schemas.microsoft.com/office/drawing/2014/main" id="{33DE2972-5193-22A9-1528-D0DE7FFE294D}"/>
+                  </a:ext>
+                </a:extLst>
+              </p:cNvPr>
+              <p:cNvSpPr>
+                <a:spLocks noRot="1" noChangeAspect="1" noMove="1" noResize="1" noEditPoints="1" noAdjustHandles="1" noChangeArrowheads="1" noChangeShapeType="1" noTextEdit="1"/>
+              </p:cNvSpPr>
+              <p:nvPr/>
+            </p:nvSpPr>
+            <p:spPr>
+              <a:xfrm>
+                <a:off x="8222377" y="4434879"/>
+                <a:ext cx="3037668" cy="1397060"/>
+              </a:xfrm>
+              <a:prstGeom prst="roundRect">
+                <a:avLst/>
+              </a:prstGeom>
+              <a:blipFill>
+                <a:blip r:embed="rId6"/>
+                <a:stretch>
+                  <a:fillRect/>
+                </a:stretch>
+              </a:blipFill>
+              <a:ln w="19050">
+                <a:solidFill>
+                  <a:schemeClr val="tx1"/>
+                </a:solidFill>
+              </a:ln>
+            </p:spPr>
+            <p:txBody>
+              <a:bodyPr/>
+              <a:lstStyle/>
+              <a:p>
+                <a:r>
+                  <a:rPr lang="en-GB">
+                    <a:noFill/>
+                  </a:rPr>
+                  <a:t> </a:t>
+                </a:r>
+              </a:p>
+            </p:txBody>
+          </p:sp>
+        </mc:Fallback>
+      </mc:AlternateContent>
+      <mc:AlternateContent xmlns:mc="http://schemas.openxmlformats.org/markup-compatibility/2006">
+        <mc:Choice xmlns:a14="http://schemas.microsoft.com/office/drawing/2010/main" Requires="a14">
+          <p:sp>
+            <p:nvSpPr>
+              <p:cNvPr id="17" name="Rectangle: Rounded Corners 16">
+                <a:extLst>
+                  <a:ext uri="{FF2B5EF4-FFF2-40B4-BE49-F238E27FC236}">
+                    <a16:creationId xmlns:a16="http://schemas.microsoft.com/office/drawing/2014/main" id="{5CF1C43A-B86C-7D3C-9C7C-540883535DB1}"/>
+                  </a:ext>
+                </a:extLst>
+              </p:cNvPr>
+              <p:cNvSpPr/>
+              <p:nvPr/>
+            </p:nvSpPr>
+            <p:spPr>
+              <a:xfrm>
+                <a:off x="8202967" y="723426"/>
+                <a:ext cx="3057078" cy="1045972"/>
+              </a:xfrm>
+              <a:prstGeom prst="roundRect">
+                <a:avLst/>
+              </a:prstGeom>
+              <a:noFill/>
+              <a:ln w="19050">
+                <a:solidFill>
+                  <a:schemeClr val="tx1"/>
+                </a:solidFill>
+              </a:ln>
+            </p:spPr>
+            <p:style>
+              <a:lnRef idx="2">
+                <a:schemeClr val="accent1">
+                  <a:shade val="50000"/>
+                </a:schemeClr>
+              </a:lnRef>
+              <a:fillRef idx="1">
+                <a:schemeClr val="accent1"/>
+              </a:fillRef>
+              <a:effectRef idx="0">
+                <a:schemeClr val="accent1"/>
+              </a:effectRef>
+              <a:fontRef idx="minor">
+                <a:schemeClr val="lt1"/>
+              </a:fontRef>
+            </p:style>
+            <p:txBody>
+              <a:bodyPr rtlCol="0" anchor="ctr"/>
+              <a:lstStyle/>
+              <a:p>
+                <a:pPr algn="ctr"/>
+                <a:r>
+                  <a:rPr lang="en-GB" sz="1400" u="sng" dirty="0">
+                    <a:solidFill>
+                      <a:schemeClr val="tx1"/>
+                    </a:solidFill>
+                    <a:effectLst/>
+                    <a:latin typeface="Helvetica" panose="020B0604020202020204" pitchFamily="34" charset="0"/>
+                    <a:cs typeface="Helvetica" panose="020B0604020202020204" pitchFamily="34" charset="0"/>
+                  </a:rPr>
+                  <a:t>Component Level Inputs</a:t>
+                </a:r>
+              </a:p>
+              <a:p>
+                <a:pPr marL="285750" indent="-285750">
+                  <a:buFont typeface="Arial" panose="020B0604020202020204" pitchFamily="34" charset="0"/>
+                  <a:buChar char="•"/>
+                </a:pPr>
+                <a:r>
+                  <a:rPr lang="en-GB" sz="1400" i="1" dirty="0">
+                    <a:solidFill>
+                      <a:schemeClr val="tx1"/>
+                    </a:solidFill>
+                    <a:latin typeface="Helvetica" panose="020B0604020202020204" pitchFamily="34" charset="0"/>
+                    <a:cs typeface="Helvetica" panose="020B0604020202020204" pitchFamily="34" charset="0"/>
+                  </a:rPr>
+                  <a:t>Bearing geometry: </a:t>
+                </a:r>
+                <a14:m>
+                  <m:oMath xmlns:m="http://schemas.openxmlformats.org/officeDocument/2006/math">
+                    <m:r>
+                      <a:rPr lang="en-GB" sz="1400" i="1">
+                        <a:solidFill>
+                          <a:schemeClr val="tx1"/>
+                        </a:solidFill>
+                        <a:latin typeface="Cambria Math" panose="02040503050406030204" pitchFamily="18" charset="0"/>
+                      </a:rPr>
+                      <m:t>𝐿</m:t>
+                    </m:r>
+                    <m:r>
+                      <a:rPr lang="en-GB" sz="1400" i="1">
+                        <a:solidFill>
+                          <a:schemeClr val="tx1"/>
+                        </a:solidFill>
+                        <a:latin typeface="Cambria Math" panose="02040503050406030204" pitchFamily="18" charset="0"/>
+                      </a:rPr>
+                      <m:t>,</m:t>
+                    </m:r>
+                    <m:r>
+                      <a:rPr lang="en-GB" sz="1400" i="1">
+                        <a:solidFill>
+                          <a:schemeClr val="tx1"/>
+                        </a:solidFill>
+                        <a:latin typeface="Cambria Math" panose="02040503050406030204" pitchFamily="18" charset="0"/>
+                      </a:rPr>
+                      <m:t>𝑅</m:t>
+                    </m:r>
+                    <m:r>
+                      <a:rPr lang="en-GB" sz="1400" i="1">
+                        <a:solidFill>
+                          <a:schemeClr val="tx1"/>
+                        </a:solidFill>
+                        <a:latin typeface="Cambria Math" panose="02040503050406030204" pitchFamily="18" charset="0"/>
+                      </a:rPr>
+                      <m:t>,</m:t>
+                    </m:r>
+                    <m:r>
+                      <a:rPr lang="en-GB" sz="1400" i="1">
+                        <a:solidFill>
+                          <a:schemeClr val="tx1"/>
+                        </a:solidFill>
+                        <a:latin typeface="Cambria Math" panose="02040503050406030204" pitchFamily="18" charset="0"/>
+                      </a:rPr>
+                      <m:t>𝑟</m:t>
+                    </m:r>
+                    <m:r>
+                      <a:rPr lang="en-GB" sz="1400" i="1">
+                        <a:solidFill>
+                          <a:schemeClr val="tx1"/>
+                        </a:solidFill>
+                        <a:latin typeface="Cambria Math" panose="02040503050406030204" pitchFamily="18" charset="0"/>
+                      </a:rPr>
+                      <m:t>,</m:t>
+                    </m:r>
+                    <m:r>
+                      <a:rPr lang="en-GB" sz="1400" i="1">
+                        <a:solidFill>
+                          <a:schemeClr val="tx1"/>
+                        </a:solidFill>
+                        <a:latin typeface="Cambria Math" panose="02040503050406030204" pitchFamily="18" charset="0"/>
+                      </a:rPr>
+                      <m:t>𝐶</m:t>
+                    </m:r>
+                  </m:oMath>
+                </a14:m>
+                <a:r>
+                  <a:rPr lang="en-GB" sz="1400" i="1" dirty="0">
+                    <a:solidFill>
+                      <a:schemeClr val="tx1"/>
+                    </a:solidFill>
+                    <a:latin typeface="Helvetica" panose="020B0604020202020204" pitchFamily="34" charset="0"/>
+                    <a:cs typeface="Helvetica" panose="020B0604020202020204" pitchFamily="34" charset="0"/>
+                  </a:rPr>
+                  <a:t>, </a:t>
+                </a:r>
+                <a14:m>
+                  <m:oMath xmlns:m="http://schemas.openxmlformats.org/officeDocument/2006/math">
+                    <m:sSub>
+                      <m:sSubPr>
+                        <m:ctrlPr>
+                          <a:rPr lang="en-GB" sz="1400" i="1">
+                            <a:solidFill>
+                              <a:schemeClr val="tx1"/>
+                            </a:solidFill>
+                            <a:latin typeface="Cambria Math" panose="02040503050406030204" pitchFamily="18" charset="0"/>
+                          </a:rPr>
+                        </m:ctrlPr>
+                      </m:sSubPr>
+                      <m:e>
+                        <m:r>
+                          <a:rPr lang="en-GB" sz="1400" i="1">
+                            <a:solidFill>
+                              <a:schemeClr val="tx1"/>
+                            </a:solidFill>
+                            <a:latin typeface="Cambria Math" panose="02040503050406030204" pitchFamily="18" charset="0"/>
+                          </a:rPr>
+                          <m:t>𝐸</m:t>
+                        </m:r>
+                      </m:e>
+                      <m:sub>
+                        <m:r>
+                          <a:rPr lang="en-GB" sz="1400" i="1">
+                            <a:solidFill>
+                              <a:schemeClr val="tx1"/>
+                            </a:solidFill>
+                            <a:latin typeface="Cambria Math" panose="02040503050406030204" pitchFamily="18" charset="0"/>
+                          </a:rPr>
+                          <m:t>𝑟</m:t>
+                        </m:r>
+                      </m:sub>
+                    </m:sSub>
+                  </m:oMath>
+                </a14:m>
+                <a:endParaRPr lang="en-GB" sz="1400" i="1" dirty="0">
+                  <a:solidFill>
+                    <a:schemeClr val="tx1"/>
+                  </a:solidFill>
+                  <a:latin typeface="Helvetica" panose="020B0604020202020204" pitchFamily="34" charset="0"/>
+                  <a:cs typeface="Helvetica" panose="020B0604020202020204" pitchFamily="34" charset="0"/>
+                </a:endParaRPr>
+              </a:p>
+              <a:p>
+                <a:pPr marL="285750" indent="-285750">
+                  <a:buFont typeface="Arial" panose="020B0604020202020204" pitchFamily="34" charset="0"/>
+                  <a:buChar char="•"/>
+                </a:pPr>
+                <a:r>
+                  <a:rPr lang="en-GB" sz="1400" i="1" dirty="0">
+                    <a:solidFill>
+                      <a:schemeClr val="tx1"/>
+                    </a:solidFill>
+                    <a:latin typeface="Helvetica" panose="020B0604020202020204" pitchFamily="34" charset="0"/>
+                    <a:cs typeface="Helvetica" panose="020B0604020202020204" pitchFamily="34" charset="0"/>
+                  </a:rPr>
+                  <a:t>Lubricant rheology: </a:t>
+                </a:r>
+                <a14:m>
+                  <m:oMath xmlns:m="http://schemas.openxmlformats.org/officeDocument/2006/math">
+                    <m:r>
+                      <a:rPr lang="en-GB" sz="1400" i="1">
+                        <a:solidFill>
+                          <a:schemeClr val="tx1"/>
+                        </a:solidFill>
+                        <a:latin typeface="Cambria Math" panose="02040503050406030204" pitchFamily="18" charset="0"/>
+                      </a:rPr>
+                      <m:t>𝛼</m:t>
+                    </m:r>
+                  </m:oMath>
+                </a14:m>
+                <a:r>
+                  <a:rPr lang="en-GB" sz="1400" i="1" dirty="0">
+                    <a:solidFill>
+                      <a:schemeClr val="tx1"/>
+                    </a:solidFill>
+                    <a:latin typeface="Helvetica" panose="020B0604020202020204" pitchFamily="34" charset="0"/>
+                    <a:cs typeface="Helvetica" panose="020B0604020202020204" pitchFamily="34" charset="0"/>
+                  </a:rPr>
+                  <a:t>, </a:t>
+                </a:r>
+                <a14:m>
+                  <m:oMath xmlns:m="http://schemas.openxmlformats.org/officeDocument/2006/math">
+                    <m:sSub>
+                      <m:sSubPr>
+                        <m:ctrlPr>
+                          <a:rPr lang="en-GB" sz="1400" i="1">
+                            <a:solidFill>
+                              <a:schemeClr val="tx1"/>
+                            </a:solidFill>
+                            <a:latin typeface="Cambria Math" panose="02040503050406030204" pitchFamily="18" charset="0"/>
+                          </a:rPr>
+                        </m:ctrlPr>
+                      </m:sSubPr>
+                      <m:e>
+                        <m:r>
+                          <a:rPr lang="en-GB" sz="1400" i="1">
+                            <a:solidFill>
+                              <a:schemeClr val="tx1"/>
+                            </a:solidFill>
+                            <a:latin typeface="Cambria Math" panose="02040503050406030204" pitchFamily="18" charset="0"/>
+                          </a:rPr>
+                          <m:t>𝜂</m:t>
+                        </m:r>
+                      </m:e>
+                      <m:sub>
+                        <m:r>
+                          <a:rPr lang="en-GB" sz="1400" i="1">
+                            <a:solidFill>
+                              <a:schemeClr val="tx1"/>
+                            </a:solidFill>
+                            <a:latin typeface="Cambria Math" panose="02040503050406030204" pitchFamily="18" charset="0"/>
+                          </a:rPr>
+                          <m:t>0</m:t>
+                        </m:r>
+                      </m:sub>
+                    </m:sSub>
+                  </m:oMath>
+                </a14:m>
+                <a:r>
+                  <a:rPr lang="en-GB" sz="1400" i="1" dirty="0">
+                    <a:solidFill>
+                      <a:schemeClr val="tx1"/>
+                    </a:solidFill>
+                    <a:latin typeface="Helvetica" panose="020B0604020202020204" pitchFamily="34" charset="0"/>
+                    <a:cs typeface="Helvetica" panose="020B0604020202020204" pitchFamily="34" charset="0"/>
+                  </a:rPr>
+                  <a:t>, </a:t>
+                </a:r>
+                <a14:m>
+                  <m:oMath xmlns:m="http://schemas.openxmlformats.org/officeDocument/2006/math">
+                    <m:sSub>
+                      <m:sSubPr>
+                        <m:ctrlPr>
+                          <a:rPr lang="en-GB" sz="1400" i="1">
+                            <a:solidFill>
+                              <a:schemeClr val="tx1"/>
+                            </a:solidFill>
+                            <a:latin typeface="Cambria Math" panose="02040503050406030204" pitchFamily="18" charset="0"/>
+                          </a:rPr>
+                        </m:ctrlPr>
+                      </m:sSubPr>
+                      <m:e>
+                        <m:r>
+                          <a:rPr lang="en-GB" sz="1400" i="1">
+                            <a:solidFill>
+                              <a:schemeClr val="tx1"/>
+                            </a:solidFill>
+                            <a:latin typeface="Cambria Math" panose="02040503050406030204" pitchFamily="18" charset="0"/>
+                          </a:rPr>
+                          <m:t>𝜌</m:t>
+                        </m:r>
+                      </m:e>
+                      <m:sub>
+                        <m:r>
+                          <a:rPr lang="en-GB" sz="1400" i="1">
+                            <a:solidFill>
+                              <a:schemeClr val="tx1"/>
+                            </a:solidFill>
+                            <a:latin typeface="Cambria Math" panose="02040503050406030204" pitchFamily="18" charset="0"/>
+                          </a:rPr>
+                          <m:t>0</m:t>
+                        </m:r>
+                      </m:sub>
+                    </m:sSub>
+                  </m:oMath>
+                </a14:m>
+                <a:endParaRPr lang="en-GB" sz="1400" i="1" dirty="0">
+                  <a:solidFill>
+                    <a:schemeClr val="tx1"/>
+                  </a:solidFill>
+                  <a:latin typeface="Helvetica" panose="020B0604020202020204" pitchFamily="34" charset="0"/>
+                  <a:cs typeface="Helvetica" panose="020B0604020202020204" pitchFamily="34" charset="0"/>
+                </a:endParaRPr>
+              </a:p>
+              <a:p>
+                <a:pPr marL="285750" indent="-285750">
+                  <a:buFont typeface="Arial" panose="020B0604020202020204" pitchFamily="34" charset="0"/>
+                  <a:buChar char="•"/>
+                </a:pPr>
+                <a:r>
+                  <a:rPr lang="en-GB" sz="1400" i="1" dirty="0">
+                    <a:solidFill>
+                      <a:schemeClr val="tx1"/>
+                    </a:solidFill>
+                    <a:latin typeface="Helvetica" panose="020B0604020202020204" pitchFamily="34" charset="0"/>
+                    <a:cs typeface="Helvetica" panose="020B0604020202020204" pitchFamily="34" charset="0"/>
+                  </a:rPr>
+                  <a:t>Material properties: </a:t>
+                </a:r>
+                <a14:m>
+                  <m:oMath xmlns:m="http://schemas.openxmlformats.org/officeDocument/2006/math">
+                    <m:r>
+                      <a:rPr lang="en-GB" sz="1400" i="1">
+                        <a:solidFill>
+                          <a:schemeClr val="tx1"/>
+                        </a:solidFill>
+                        <a:latin typeface="Cambria Math" panose="02040503050406030204" pitchFamily="18" charset="0"/>
+                      </a:rPr>
+                      <m:t>𝐸</m:t>
+                    </m:r>
+                  </m:oMath>
+                </a14:m>
+                <a:r>
+                  <a:rPr lang="en-GB" sz="1400" i="1" dirty="0">
+                    <a:solidFill>
+                      <a:schemeClr val="tx1"/>
+                    </a:solidFill>
+                    <a:latin typeface="Helvetica" panose="020B0604020202020204" pitchFamily="34" charset="0"/>
+                    <a:cs typeface="Helvetica" panose="020B0604020202020204" pitchFamily="34" charset="0"/>
+                  </a:rPr>
+                  <a:t>,</a:t>
+                </a:r>
+                <a:r>
+                  <a:rPr lang="el-GR" sz="1400" i="1" dirty="0">
+                    <a:solidFill>
+                      <a:schemeClr val="tx1"/>
+                    </a:solidFill>
+                    <a:latin typeface="Helvetica" panose="020B0604020202020204" pitchFamily="34" charset="0"/>
+                    <a:cs typeface="Helvetica" panose="020B0604020202020204" pitchFamily="34" charset="0"/>
+                  </a:rPr>
+                  <a:t> ν</a:t>
+                </a:r>
+                <a:endParaRPr lang="en-GB" sz="1400" i="1" dirty="0">
+                  <a:solidFill>
+                    <a:schemeClr val="tx1"/>
+                  </a:solidFill>
+                  <a:latin typeface="Helvetica" panose="020B0604020202020204" pitchFamily="34" charset="0"/>
+                  <a:cs typeface="Helvetica" panose="020B0604020202020204" pitchFamily="34" charset="0"/>
+                </a:endParaRPr>
+              </a:p>
+            </p:txBody>
+          </p:sp>
+        </mc:Choice>
+        <mc:Fallback>
+          <p:sp>
+            <p:nvSpPr>
+              <p:cNvPr id="17" name="Rectangle: Rounded Corners 16">
+                <a:extLst>
+                  <a:ext uri="{FF2B5EF4-FFF2-40B4-BE49-F238E27FC236}">
+                    <a16:creationId xmlns:a16="http://schemas.microsoft.com/office/drawing/2014/main" id="{5CF1C43A-B86C-7D3C-9C7C-540883535DB1}"/>
+                  </a:ext>
+                </a:extLst>
+              </p:cNvPr>
+              <p:cNvSpPr>
+                <a:spLocks noRot="1" noChangeAspect="1" noMove="1" noResize="1" noEditPoints="1" noAdjustHandles="1" noChangeArrowheads="1" noChangeShapeType="1" noTextEdit="1"/>
+              </p:cNvSpPr>
+              <p:nvPr/>
+            </p:nvSpPr>
+            <p:spPr>
+              <a:xfrm>
+                <a:off x="8202967" y="723426"/>
+                <a:ext cx="3057078" cy="1045972"/>
+              </a:xfrm>
+              <a:prstGeom prst="roundRect">
+                <a:avLst/>
+              </a:prstGeom>
+              <a:blipFill>
+                <a:blip r:embed="rId7"/>
+                <a:stretch>
+                  <a:fillRect/>
+                </a:stretch>
+              </a:blipFill>
+              <a:ln w="19050">
+                <a:solidFill>
+                  <a:schemeClr val="tx1"/>
+                </a:solidFill>
+              </a:ln>
+            </p:spPr>
+            <p:txBody>
+              <a:bodyPr/>
+              <a:lstStyle/>
+              <a:p>
+                <a:r>
+                  <a:rPr lang="en-GB">
+                    <a:noFill/>
+                  </a:rPr>
+                  <a:t> </a:t>
+                </a:r>
+              </a:p>
+            </p:txBody>
+          </p:sp>
+        </mc:Fallback>
+      </mc:AlternateContent>
+    </p:spTree>
+    <p:extLst>
+      <p:ext uri="{BB962C8B-B14F-4D97-AF65-F5344CB8AC3E}">
+        <p14:creationId xmlns:p14="http://schemas.microsoft.com/office/powerpoint/2010/main" val="1718665743"/>
       </p:ext>
     </p:extLst>
   </p:cSld>
